--- a/English/5.DAX/2.UseRelationShip.pptx
+++ b/English/5.DAX/2.UseRelationShip.pptx
@@ -19,7 +19,7 @@
   <p:notesSz cx="6858000" cy="9144000"/>
   <p:defaultTextStyle>
     <a:defPPr>
-      <a:defRPr lang="en-US"/>
+      <a:defRPr lang="en"/>
     </a:defPPr>
     <a:lvl1pPr marL="0" algn="l" defTabSz="914400" rtl="0" eaLnBrk="1" latinLnBrk="0" hangingPunct="1">
       <a:defRPr sz="1800" kern="1200">
@@ -202,7 +202,7 @@
           <a:p>
             <a:fld id="{056BA3B8-9F76-4D81-B71D-76CB85363062}" type="datetimeFigureOut">
               <a:rPr lang="en-US" smtClean="0"/>
-              <a:t>1/3/2025</a:t>
+              <a:t>2/26/2025</a:t>
             </a:fld>
             <a:endParaRPr lang="en-US"/>
           </a:p>
@@ -601,7 +601,7 @@
           <a:p>
             <a:fld id="{6F01DA4D-20EA-48D2-973C-0311EC3005D6}" type="datetimeFigureOut">
               <a:rPr lang="en-US" smtClean="0"/>
-              <a:t>1/3/2025</a:t>
+              <a:t>2/26/2025</a:t>
             </a:fld>
             <a:endParaRPr lang="en-US"/>
           </a:p>
@@ -771,7 +771,7 @@
           <a:p>
             <a:fld id="{6F01DA4D-20EA-48D2-973C-0311EC3005D6}" type="datetimeFigureOut">
               <a:rPr lang="en-US" smtClean="0"/>
-              <a:t>1/3/2025</a:t>
+              <a:t>2/26/2025</a:t>
             </a:fld>
             <a:endParaRPr lang="en-US"/>
           </a:p>
@@ -951,7 +951,7 @@
           <a:p>
             <a:fld id="{6F01DA4D-20EA-48D2-973C-0311EC3005D6}" type="datetimeFigureOut">
               <a:rPr lang="en-US" smtClean="0"/>
-              <a:t>1/3/2025</a:t>
+              <a:t>2/26/2025</a:t>
             </a:fld>
             <a:endParaRPr lang="en-US"/>
           </a:p>
@@ -1121,7 +1121,7 @@
           <a:p>
             <a:fld id="{6F01DA4D-20EA-48D2-973C-0311EC3005D6}" type="datetimeFigureOut">
               <a:rPr lang="en-US" smtClean="0"/>
-              <a:t>1/3/2025</a:t>
+              <a:t>2/26/2025</a:t>
             </a:fld>
             <a:endParaRPr lang="en-US"/>
           </a:p>
@@ -1367,7 +1367,7 @@
           <a:p>
             <a:fld id="{6F01DA4D-20EA-48D2-973C-0311EC3005D6}" type="datetimeFigureOut">
               <a:rPr lang="en-US" smtClean="0"/>
-              <a:t>1/3/2025</a:t>
+              <a:t>2/26/2025</a:t>
             </a:fld>
             <a:endParaRPr lang="en-US"/>
           </a:p>
@@ -1599,7 +1599,7 @@
           <a:p>
             <a:fld id="{6F01DA4D-20EA-48D2-973C-0311EC3005D6}" type="datetimeFigureOut">
               <a:rPr lang="en-US" smtClean="0"/>
-              <a:t>1/3/2025</a:t>
+              <a:t>2/26/2025</a:t>
             </a:fld>
             <a:endParaRPr lang="en-US"/>
           </a:p>
@@ -1966,7 +1966,7 @@
           <a:p>
             <a:fld id="{6F01DA4D-20EA-48D2-973C-0311EC3005D6}" type="datetimeFigureOut">
               <a:rPr lang="en-US" smtClean="0"/>
-              <a:t>1/3/2025</a:t>
+              <a:t>2/26/2025</a:t>
             </a:fld>
             <a:endParaRPr lang="en-US"/>
           </a:p>
@@ -2084,7 +2084,7 @@
           <a:p>
             <a:fld id="{6F01DA4D-20EA-48D2-973C-0311EC3005D6}" type="datetimeFigureOut">
               <a:rPr lang="en-US" smtClean="0"/>
-              <a:t>1/3/2025</a:t>
+              <a:t>2/26/2025</a:t>
             </a:fld>
             <a:endParaRPr lang="en-US"/>
           </a:p>
@@ -2179,7 +2179,7 @@
           <a:p>
             <a:fld id="{6F01DA4D-20EA-48D2-973C-0311EC3005D6}" type="datetimeFigureOut">
               <a:rPr lang="en-US" smtClean="0"/>
-              <a:t>1/3/2025</a:t>
+              <a:t>2/26/2025</a:t>
             </a:fld>
             <a:endParaRPr lang="en-US"/>
           </a:p>
@@ -2456,7 +2456,7 @@
           <a:p>
             <a:fld id="{6F01DA4D-20EA-48D2-973C-0311EC3005D6}" type="datetimeFigureOut">
               <a:rPr lang="en-US" smtClean="0"/>
-              <a:t>1/3/2025</a:t>
+              <a:t>2/26/2025</a:t>
             </a:fld>
             <a:endParaRPr lang="en-US"/>
           </a:p>
@@ -2709,7 +2709,7 @@
           <a:p>
             <a:fld id="{6F01DA4D-20EA-48D2-973C-0311EC3005D6}" type="datetimeFigureOut">
               <a:rPr lang="en-US" smtClean="0"/>
-              <a:t>1/3/2025</a:t>
+              <a:t>2/26/2025</a:t>
             </a:fld>
             <a:endParaRPr lang="en-US"/>
           </a:p>
@@ -2922,7 +2922,7 @@
           <a:p>
             <a:fld id="{6F01DA4D-20EA-48D2-973C-0311EC3005D6}" type="datetimeFigureOut">
               <a:rPr lang="en-US" smtClean="0"/>
-              <a:t>1/3/2025</a:t>
+              <a:t>2/26/2025</a:t>
             </a:fld>
             <a:endParaRPr lang="en-US"/>
           </a:p>
@@ -3357,9 +3357,9 @@
           </a:bodyPr>
           <a:lstStyle/>
           <a:p>
-            <a:pPr algn="ctr"/>
-            <a:r>
-              <a:rPr lang="en-US" sz="8000" b="1" dirty="0" smtClean="0">
+            <a:pPr xmlns:a="http://schemas.openxmlformats.org/drawingml/2006/main" algn="ctr"/>
+            <a:r xmlns:a="http://schemas.openxmlformats.org/drawingml/2006/main">
+              <a:rPr lang="en" sz="8000" b="1" dirty="0" smtClean="0">
                 <a:solidFill>
                   <a:srgbClr val="7030A0"/>
                 </a:solidFill>
@@ -3369,7 +3369,7 @@
               </a:rPr>
               <a:t>UseRelationShip</a:t>
             </a:r>
-            <a:endParaRPr lang="en-US" sz="8000" b="1" dirty="0">
+            <a:endParaRPr xmlns:a="http://schemas.openxmlformats.org/drawingml/2006/main" lang="en-US" sz="8000" b="1" dirty="0">
               <a:solidFill>
                 <a:srgbClr val="7030A0"/>
               </a:solidFill>
@@ -3402,9 +3402,9 @@
           </a:bodyPr>
           <a:lstStyle/>
           <a:p>
-            <a:pPr algn="ctr"/>
-            <a:r>
-              <a:rPr lang="en-US" sz="8000" b="1" dirty="0" smtClean="0">
+            <a:pPr xmlns:a="http://schemas.openxmlformats.org/drawingml/2006/main" algn="ctr"/>
+            <a:r xmlns:a="http://schemas.openxmlformats.org/drawingml/2006/main">
+              <a:rPr lang="en" sz="8000" b="1" dirty="0" smtClean="0">
                 <a:solidFill>
                   <a:schemeClr val="bg1"/>
                 </a:solidFill>
@@ -3414,7 +3414,7 @@
               </a:rPr>
               <a:t>UseRelationShip</a:t>
             </a:r>
-            <a:endParaRPr lang="en-US" sz="8000" b="1" dirty="0">
+            <a:endParaRPr xmlns:a="http://schemas.openxmlformats.org/drawingml/2006/main" lang="en-US" sz="8000" b="1" dirty="0">
               <a:solidFill>
                 <a:schemeClr val="bg1"/>
               </a:solidFill>
@@ -3464,7 +3464,7 @@
         <p:spPr>
           <a:xfrm>
             <a:off x="309383" y="261257"/>
-            <a:ext cx="2385012" cy="461665"/>
+            <a:ext cx="2541401" cy="461665"/>
           </a:xfrm>
           <a:prstGeom prst="rect">
             <a:avLst/>
@@ -3477,317 +3477,16 @@
           </a:bodyPr>
           <a:lstStyle/>
           <a:p>
-            <a:r>
-              <a:rPr lang="en-US" sz="2400" dirty="0" smtClean="0">
+            <a:r xmlns:a="http://schemas.openxmlformats.org/drawingml/2006/main">
+              <a:rPr lang="en" sz="2400" b="1" dirty="0" smtClean="0">
                 <a:latin typeface="Segoe UI" panose="020B0502040204020203" pitchFamily="34" charset="0"/>
                 <a:cs typeface="Segoe UI" panose="020B0502040204020203" pitchFamily="34" charset="0"/>
               </a:rPr>
               <a:t>UseRelationShip</a:t>
             </a:r>
-            <a:endParaRPr lang="en-US" sz="2400" dirty="0">
+            <a:endParaRPr xmlns:a="http://schemas.openxmlformats.org/drawingml/2006/main" lang="en-US" sz="2400" b="1" dirty="0">
               <a:latin typeface="Segoe UI" panose="020B0502040204020203" pitchFamily="34" charset="0"/>
               <a:cs typeface="Segoe UI" panose="020B0502040204020203" pitchFamily="34" charset="0"/>
-            </a:endParaRPr>
-          </a:p>
-        </p:txBody>
-      </p:sp>
-      <p:sp>
-        <p:nvSpPr>
-          <p:cNvPr id="5" name="Rectangle 4"/>
-          <p:cNvSpPr/>
-          <p:nvPr/>
-        </p:nvSpPr>
-        <p:spPr>
-          <a:xfrm>
-            <a:off x="309383" y="722922"/>
-            <a:ext cx="11007176" cy="685059"/>
-          </a:xfrm>
-          <a:prstGeom prst="rect">
-            <a:avLst/>
-          </a:prstGeom>
-        </p:spPr>
-        <p:txBody>
-          <a:bodyPr wrap="square">
-            <a:spAutoFit/>
-          </a:bodyPr>
-          <a:lstStyle/>
-          <a:p>
-            <a:pPr>
-              <a:lnSpc>
-                <a:spcPct val="107000"/>
-              </a:lnSpc>
-              <a:spcBef>
-                <a:spcPts val="1200"/>
-              </a:spcBef>
-              <a:spcAft>
-                <a:spcPts val="0"/>
-              </a:spcAft>
-            </a:pPr>
-            <a:r>
-              <a:rPr lang="en-US" b="1" kern="0" dirty="0" smtClean="0">
-                <a:latin typeface="Segoe UI" panose="020B0502040204020203" pitchFamily="34" charset="0"/>
-                <a:ea typeface="Times New Roman" panose="02020603050405020304" pitchFamily="18" charset="0"/>
-                <a:cs typeface="Times New Roman" panose="02020603050405020304" pitchFamily="18" charset="0"/>
-              </a:rPr>
-              <a:t>Note: </a:t>
-            </a:r>
-            <a:r>
-              <a:rPr lang="en-US" kern="0" dirty="0" smtClean="0">
-                <a:latin typeface="Segoe UI" panose="020B0502040204020203" pitchFamily="34" charset="0"/>
-                <a:ea typeface="Times New Roman" panose="02020603050405020304" pitchFamily="18" charset="0"/>
-                <a:cs typeface="Times New Roman" panose="02020603050405020304" pitchFamily="18" charset="0"/>
-              </a:rPr>
-              <a:t>This demo uses the </a:t>
-            </a:r>
-            <a:r>
-              <a:rPr lang="en-US" b="1" kern="0" dirty="0" smtClean="0">
-                <a:latin typeface="Segoe UI" panose="020B0502040204020203" pitchFamily="34" charset="0"/>
-                <a:ea typeface="Times New Roman" panose="02020603050405020304" pitchFamily="18" charset="0"/>
-                <a:cs typeface="Times New Roman" panose="02020603050405020304" pitchFamily="18" charset="0"/>
-              </a:rPr>
-              <a:t>AdventureWorks2016</a:t>
-            </a:r>
-            <a:r>
-              <a:rPr lang="en-US" kern="0" dirty="0" smtClean="0">
-                <a:latin typeface="Segoe UI" panose="020B0502040204020203" pitchFamily="34" charset="0"/>
-                <a:ea typeface="Times New Roman" panose="02020603050405020304" pitchFamily="18" charset="0"/>
-                <a:cs typeface="Times New Roman" panose="02020603050405020304" pitchFamily="18" charset="0"/>
-              </a:rPr>
-              <a:t> database and more precisely the </a:t>
-            </a:r>
-            <a:r>
-              <a:rPr lang="en-US" b="1" kern="0" dirty="0" err="1" smtClean="0">
-                <a:latin typeface="Segoe UI" panose="020B0502040204020203" pitchFamily="34" charset="0"/>
-                <a:ea typeface="Times New Roman" panose="02020603050405020304" pitchFamily="18" charset="0"/>
-                <a:cs typeface="Times New Roman" panose="02020603050405020304" pitchFamily="18" charset="0"/>
-              </a:rPr>
-              <a:t>DimDate</a:t>
-            </a:r>
-            <a:r>
-              <a:rPr lang="en-US" b="1" kern="0" dirty="0" smtClean="0">
-                <a:latin typeface="Segoe UI" panose="020B0502040204020203" pitchFamily="34" charset="0"/>
-                <a:ea typeface="Times New Roman" panose="02020603050405020304" pitchFamily="18" charset="0"/>
-                <a:cs typeface="Times New Roman" panose="02020603050405020304" pitchFamily="18" charset="0"/>
-              </a:rPr>
-              <a:t> table , </a:t>
-            </a:r>
-            <a:r>
-              <a:rPr lang="en-US" kern="0" dirty="0" smtClean="0">
-                <a:latin typeface="Segoe UI" panose="020B0502040204020203" pitchFamily="34" charset="0"/>
-                <a:ea typeface="Times New Roman" panose="02020603050405020304" pitchFamily="18" charset="0"/>
-                <a:cs typeface="Times New Roman" panose="02020603050405020304" pitchFamily="18" charset="0"/>
-              </a:rPr>
-              <a:t>and </a:t>
-            </a:r>
-            <a:r>
-              <a:rPr lang="en-US" b="1" kern="0" dirty="0" err="1" smtClean="0">
-                <a:latin typeface="Segoe UI" panose="020B0502040204020203" pitchFamily="34" charset="0"/>
-                <a:ea typeface="Times New Roman" panose="02020603050405020304" pitchFamily="18" charset="0"/>
-                <a:cs typeface="Times New Roman" panose="02020603050405020304" pitchFamily="18" charset="0"/>
-              </a:rPr>
-              <a:t>Fact</a:t>
-            </a:r>
-            <a:r>
-              <a:rPr lang="en-US" b="1" kern="0" dirty="0" err="1">
-                <a:latin typeface="Segoe UI" panose="020B0502040204020203" pitchFamily="34" charset="0"/>
-                <a:ea typeface="Times New Roman" panose="02020603050405020304" pitchFamily="18" charset="0"/>
-                <a:cs typeface="Times New Roman" panose="02020603050405020304" pitchFamily="18" charset="0"/>
-              </a:rPr>
-              <a:t>Internet</a:t>
-            </a:r>
-            <a:r>
-              <a:rPr lang="en-US" b="1" kern="0" dirty="0" err="1" smtClean="0">
-                <a:latin typeface="Segoe UI" panose="020B0502040204020203" pitchFamily="34" charset="0"/>
-                <a:ea typeface="Times New Roman" panose="02020603050405020304" pitchFamily="18" charset="0"/>
-                <a:cs typeface="Times New Roman" panose="02020603050405020304" pitchFamily="18" charset="0"/>
-              </a:rPr>
-              <a:t>Sales</a:t>
-            </a:r>
-            <a:r>
-              <a:rPr lang="en-US" kern="0" dirty="0" smtClean="0">
-                <a:latin typeface="Segoe UI" panose="020B0502040204020203" pitchFamily="34" charset="0"/>
-                <a:ea typeface="Times New Roman" panose="02020603050405020304" pitchFamily="18" charset="0"/>
-                <a:cs typeface="Times New Roman" panose="02020603050405020304" pitchFamily="18" charset="0"/>
-              </a:rPr>
-              <a:t>  </a:t>
-            </a:r>
-            <a:endParaRPr lang="en-US" sz="2800" b="1" kern="0" dirty="0">
-              <a:effectLst/>
-              <a:latin typeface="Segoe UI" panose="020B0502040204020203" pitchFamily="34" charset="0"/>
-              <a:ea typeface="Times New Roman" panose="02020603050405020304" pitchFamily="18" charset="0"/>
-              <a:cs typeface="Times New Roman" panose="02020603050405020304" pitchFamily="18" charset="0"/>
-            </a:endParaRPr>
-          </a:p>
-        </p:txBody>
-      </p:sp>
-      <p:sp>
-        <p:nvSpPr>
-          <p:cNvPr id="6" name="Rectangle 5"/>
-          <p:cNvSpPr/>
-          <p:nvPr/>
-        </p:nvSpPr>
-        <p:spPr>
-          <a:xfrm>
-            <a:off x="309383" y="2284234"/>
-            <a:ext cx="11213432" cy="373692"/>
-          </a:xfrm>
-          <a:prstGeom prst="rect">
-            <a:avLst/>
-          </a:prstGeom>
-        </p:spPr>
-        <p:txBody>
-          <a:bodyPr wrap="square">
-            <a:spAutoFit/>
-          </a:bodyPr>
-          <a:lstStyle/>
-          <a:p>
-            <a:pPr lvl="0">
-              <a:lnSpc>
-                <a:spcPct val="107000"/>
-              </a:lnSpc>
-              <a:spcAft>
-                <a:spcPts val="800"/>
-              </a:spcAft>
-            </a:pPr>
-            <a:r>
-              <a:rPr lang="en-US" b="1" dirty="0" smtClean="0">
-                <a:latin typeface="Segoe UI" panose="020B0502040204020203" pitchFamily="34" charset="0"/>
-                <a:ea typeface="Calibri" panose="020F0502020204030204" pitchFamily="34" charset="0"/>
-                <a:cs typeface="Times New Roman" panose="02020603050405020304" pitchFamily="18" charset="0"/>
-              </a:rPr>
-              <a:t>UseRelationShip </a:t>
-            </a:r>
-            <a:r>
-              <a:rPr lang="en-US" dirty="0" smtClean="0">
-                <a:latin typeface="Segoe UI" panose="020B0502040204020203" pitchFamily="34" charset="0"/>
-                <a:ea typeface="Calibri" panose="020F0502020204030204" pitchFamily="34" charset="0"/>
-                <a:cs typeface="Times New Roman" panose="02020603050405020304" pitchFamily="18" charset="0"/>
-              </a:rPr>
-              <a:t>function is used to use a relationship between two tables even though it is not fully active.</a:t>
-            </a:r>
-            <a:endParaRPr lang="en-US" sz="1400" dirty="0">
-              <a:effectLst/>
-              <a:latin typeface="Calibri" panose="020F0502020204030204" pitchFamily="34" charset="0"/>
-              <a:ea typeface="Calibri" panose="020F0502020204030204" pitchFamily="34" charset="0"/>
-              <a:cs typeface="Times New Roman" panose="02020603050405020304" pitchFamily="18" charset="0"/>
-            </a:endParaRPr>
-          </a:p>
-        </p:txBody>
-      </p:sp>
-      <p:sp>
-        <p:nvSpPr>
-          <p:cNvPr id="7" name="Rectangle 6"/>
-          <p:cNvSpPr/>
-          <p:nvPr/>
-        </p:nvSpPr>
-        <p:spPr>
-          <a:xfrm>
-            <a:off x="309381" y="1503578"/>
-            <a:ext cx="10732169" cy="685059"/>
-          </a:xfrm>
-          <a:prstGeom prst="rect">
-            <a:avLst/>
-          </a:prstGeom>
-        </p:spPr>
-        <p:txBody>
-          <a:bodyPr wrap="square">
-            <a:spAutoFit/>
-          </a:bodyPr>
-          <a:lstStyle/>
-          <a:p>
-            <a:pPr lvl="0">
-              <a:lnSpc>
-                <a:spcPct val="107000"/>
-              </a:lnSpc>
-              <a:spcAft>
-                <a:spcPts val="800"/>
-              </a:spcAft>
-            </a:pPr>
-            <a:r>
-              <a:rPr lang="en-US" dirty="0" smtClean="0">
-                <a:latin typeface="Segoe UI" panose="020B0502040204020203" pitchFamily="34" charset="0"/>
-                <a:ea typeface="Calibri" panose="020F0502020204030204" pitchFamily="34" charset="0"/>
-                <a:cs typeface="Times New Roman" panose="02020603050405020304" pitchFamily="18" charset="0"/>
-              </a:rPr>
-              <a:t>Note that there are at least two relationships that are inactive between </a:t>
-            </a:r>
-            <a:r>
-              <a:rPr lang="en-US" b="1" dirty="0" err="1" smtClean="0">
-                <a:latin typeface="Segoe UI" panose="020B0502040204020203" pitchFamily="34" charset="0"/>
-                <a:ea typeface="Calibri" panose="020F0502020204030204" pitchFamily="34" charset="0"/>
-                <a:cs typeface="Times New Roman" panose="02020603050405020304" pitchFamily="18" charset="0"/>
-              </a:rPr>
-              <a:t>DimDate</a:t>
-            </a:r>
-            <a:r>
-              <a:rPr lang="en-US" b="1" dirty="0" smtClean="0">
-                <a:latin typeface="Segoe UI" panose="020B0502040204020203" pitchFamily="34" charset="0"/>
-                <a:ea typeface="Calibri" panose="020F0502020204030204" pitchFamily="34" charset="0"/>
-                <a:cs typeface="Times New Roman" panose="02020603050405020304" pitchFamily="18" charset="0"/>
-              </a:rPr>
-              <a:t> </a:t>
-            </a:r>
-            <a:r>
-              <a:rPr lang="en-US" dirty="0" smtClean="0">
-                <a:latin typeface="Segoe UI" panose="020B0502040204020203" pitchFamily="34" charset="0"/>
-                <a:ea typeface="Calibri" panose="020F0502020204030204" pitchFamily="34" charset="0"/>
-                <a:cs typeface="Times New Roman" panose="02020603050405020304" pitchFamily="18" charset="0"/>
-              </a:rPr>
-              <a:t>on the one hand and </a:t>
-            </a:r>
-            <a:r>
-              <a:rPr lang="en-US" b="1" dirty="0" err="1" smtClean="0">
-                <a:latin typeface="Segoe UI" panose="020B0502040204020203" pitchFamily="34" charset="0"/>
-                <a:ea typeface="Calibri" panose="020F0502020204030204" pitchFamily="34" charset="0"/>
-                <a:cs typeface="Times New Roman" panose="02020603050405020304" pitchFamily="18" charset="0"/>
-              </a:rPr>
-              <a:t>FactInternetSales</a:t>
-            </a:r>
-            <a:r>
-              <a:rPr lang="en-US" b="1" dirty="0" smtClean="0">
-                <a:latin typeface="Segoe UI" panose="020B0502040204020203" pitchFamily="34" charset="0"/>
-                <a:ea typeface="Calibri" panose="020F0502020204030204" pitchFamily="34" charset="0"/>
-                <a:cs typeface="Times New Roman" panose="02020603050405020304" pitchFamily="18" charset="0"/>
-              </a:rPr>
-              <a:t> </a:t>
-            </a:r>
-            <a:r>
-              <a:rPr lang="en-US" dirty="0" smtClean="0">
-                <a:latin typeface="Segoe UI" panose="020B0502040204020203" pitchFamily="34" charset="0"/>
-                <a:ea typeface="Calibri" panose="020F0502020204030204" pitchFamily="34" charset="0"/>
-                <a:cs typeface="Times New Roman" panose="02020603050405020304" pitchFamily="18" charset="0"/>
-              </a:rPr>
-              <a:t>on the other hand based on the </a:t>
-            </a:r>
-            <a:r>
-              <a:rPr lang="en-US" b="1" dirty="0" err="1" smtClean="0">
-                <a:latin typeface="Segoe UI" panose="020B0502040204020203" pitchFamily="34" charset="0"/>
-                <a:ea typeface="Calibri" panose="020F0502020204030204" pitchFamily="34" charset="0"/>
-                <a:cs typeface="Times New Roman" panose="02020603050405020304" pitchFamily="18" charset="0"/>
-              </a:rPr>
-              <a:t>DateKey</a:t>
-            </a:r>
-            <a:r>
-              <a:rPr lang="en-US" b="1" dirty="0" smtClean="0">
-                <a:latin typeface="Segoe UI" panose="020B0502040204020203" pitchFamily="34" charset="0"/>
-                <a:ea typeface="Calibri" panose="020F0502020204030204" pitchFamily="34" charset="0"/>
-                <a:cs typeface="Times New Roman" panose="02020603050405020304" pitchFamily="18" charset="0"/>
-              </a:rPr>
-              <a:t> key</a:t>
-            </a:r>
-            <a:r>
-              <a:rPr lang="en-US" dirty="0" smtClean="0">
-                <a:latin typeface="Segoe UI" panose="020B0502040204020203" pitchFamily="34" charset="0"/>
-                <a:ea typeface="Calibri" panose="020F0502020204030204" pitchFamily="34" charset="0"/>
-                <a:cs typeface="Times New Roman" panose="02020603050405020304" pitchFamily="18" charset="0"/>
-              </a:rPr>
-              <a:t> </a:t>
-            </a:r>
-            <a:endParaRPr lang="en-US" sz="1400" dirty="0">
-              <a:effectLst/>
-              <a:latin typeface="Calibri" panose="020F0502020204030204" pitchFamily="34" charset="0"/>
-              <a:ea typeface="Calibri" panose="020F0502020204030204" pitchFamily="34" charset="0"/>
-              <a:cs typeface="Times New Roman" panose="02020603050405020304" pitchFamily="18" charset="0"/>
             </a:endParaRPr>
           </a:p>
         </p:txBody>
@@ -3826,6 +3525,502 @@
           </a:effectLst>
         </p:spPr>
       </p:pic>
+      <p:sp>
+        <p:nvSpPr>
+          <p:cNvPr id="3" name="Rectangle 2"/>
+          <p:cNvSpPr/>
+          <p:nvPr/>
+        </p:nvSpPr>
+        <p:spPr>
+          <a:xfrm>
+            <a:off x="309381" y="761650"/>
+            <a:ext cx="10278533" cy="707886"/>
+          </a:xfrm>
+          <a:prstGeom prst="rect">
+            <a:avLst/>
+          </a:prstGeom>
+        </p:spPr>
+        <p:txBody>
+          <a:bodyPr wrap="square">
+            <a:spAutoFit/>
+          </a:bodyPr>
+          <a:lstStyle/>
+          <a:p>
+            <a:r xmlns:a="http://schemas.openxmlformats.org/drawingml/2006/main">
+              <a:rPr lang="en" sz="2000" b="1" dirty="0"/>
+              <a:t>Note: This demo uses the </a:t>
+            </a:r>
+            <a:r xmlns:a="http://schemas.openxmlformats.org/drawingml/2006/main">
+              <a:rPr lang="en" sz="2000" b="1" dirty="0"/>
+              <a:t>AdventureWorks2016 </a:t>
+            </a:r>
+            <a:r xmlns:a="http://schemas.openxmlformats.org/drawingml/2006/main">
+              <a:rPr lang="en" sz="2000" dirty="0"/>
+              <a:t>database </a:t>
+            </a:r>
+            <a:r xmlns:a="http://schemas.openxmlformats.org/drawingml/2006/main">
+              <a:rPr lang="en" sz="2000" dirty="0"/>
+              <a:t>, specifically the </a:t>
+            </a:r>
+            <a:r xmlns:a="http://schemas.openxmlformats.org/drawingml/2006/main">
+              <a:rPr lang="en" sz="2000" b="1" dirty="0" err="1"/>
+              <a:t>DimDate </a:t>
+            </a:r>
+            <a:r xmlns:a="http://schemas.openxmlformats.org/drawingml/2006/main">
+              <a:rPr lang="en" sz="2000" dirty="0"/>
+              <a:t>and </a:t>
+            </a:r>
+            <a:r xmlns:a="http://schemas.openxmlformats.org/drawingml/2006/main">
+              <a:rPr lang="en" sz="2000" b="1" dirty="0" err="1"/>
+              <a:t>FactInternetSales tables </a:t>
+            </a:r>
+            <a:r xmlns:a="http://schemas.openxmlformats.org/drawingml/2006/main">
+              <a:rPr lang="en" sz="2000" dirty="0"/>
+              <a:t>.</a:t>
+            </a:r>
+            <a:endParaRPr xmlns:a="http://schemas.openxmlformats.org/drawingml/2006/main" lang="en-US" sz="2000" dirty="0"/>
+          </a:p>
+        </p:txBody>
+      </p:sp>
+      <p:sp>
+        <p:nvSpPr>
+          <p:cNvPr id="4" name="Rectangle 3"/>
+          <p:cNvSpPr/>
+          <p:nvPr/>
+        </p:nvSpPr>
+        <p:spPr>
+          <a:xfrm>
+            <a:off x="309381" y="1446709"/>
+            <a:ext cx="10319108" cy="707886"/>
+          </a:xfrm>
+          <a:prstGeom prst="rect">
+            <a:avLst/>
+          </a:prstGeom>
+        </p:spPr>
+        <p:txBody>
+          <a:bodyPr wrap="square">
+            <a:spAutoFit/>
+          </a:bodyPr>
+          <a:lstStyle/>
+          <a:p>
+            <a:r xmlns:a="http://schemas.openxmlformats.org/drawingml/2006/main">
+              <a:rPr lang="en" sz="2000" dirty="0"/>
+              <a:t>Note that there are at least two inactive relationships between </a:t>
+            </a:r>
+            <a:r xmlns:a="http://schemas.openxmlformats.org/drawingml/2006/main">
+              <a:rPr lang="en" sz="2000" b="1" dirty="0" err="1"/>
+              <a:t>DimDate </a:t>
+            </a:r>
+            <a:r xmlns:a="http://schemas.openxmlformats.org/drawingml/2006/main">
+              <a:rPr lang="en" sz="2000" dirty="0"/>
+              <a:t>on the one hand and </a:t>
+            </a:r>
+            <a:r xmlns:a="http://schemas.openxmlformats.org/drawingml/2006/main">
+              <a:rPr lang="en" sz="2000" b="1" dirty="0" err="1"/>
+              <a:t>FactInternetSales </a:t>
+            </a:r>
+            <a:r xmlns:a="http://schemas.openxmlformats.org/drawingml/2006/main">
+              <a:rPr lang="en" sz="2000" dirty="0"/>
+              <a:t>on the other, based on the </a:t>
+            </a:r>
+            <a:r xmlns:a="http://schemas.openxmlformats.org/drawingml/2006/main">
+              <a:rPr lang="en" sz="2000" b="1" dirty="0" err="1"/>
+              <a:t>DateKey key </a:t>
+            </a:r>
+            <a:r xmlns:a="http://schemas.openxmlformats.org/drawingml/2006/main">
+              <a:rPr lang="en" sz="2000" dirty="0"/>
+              <a:t>.</a:t>
+            </a:r>
+            <a:endParaRPr xmlns:a="http://schemas.openxmlformats.org/drawingml/2006/main" lang="en-US" sz="2000" dirty="0"/>
+          </a:p>
+        </p:txBody>
+      </p:sp>
+      <p:sp>
+        <p:nvSpPr>
+          <p:cNvPr id="9" name="Rectangle 1"/>
+          <p:cNvSpPr>
+            <a:spLocks noChangeArrowheads="1"/>
+          </p:cNvSpPr>
+          <p:nvPr/>
+        </p:nvSpPr>
+        <p:spPr bwMode="auto">
+          <a:xfrm>
+            <a:off x="309381" y="2162546"/>
+            <a:ext cx="10278533" cy="707886"/>
+          </a:xfrm>
+          <a:prstGeom prst="rect">
+            <a:avLst/>
+          </a:prstGeom>
+          <a:noFill/>
+          <a:ln>
+            <a:noFill/>
+          </a:ln>
+          <a:effectLst/>
+          <a:extLst>
+            <a:ext uri="{909E8E84-426E-40DD-AFC4-6F175D3DCCD1}">
+              <a14:hiddenFill xmlns:a14="http://schemas.microsoft.com/office/drawing/2010/main">
+                <a:solidFill>
+                  <a:schemeClr val="accent1"/>
+                </a:solidFill>
+              </a14:hiddenFill>
+            </a:ext>
+            <a:ext uri="{91240B29-F687-4F45-9708-019B960494DF}">
+              <a14:hiddenLine xmlns:a14="http://schemas.microsoft.com/office/drawing/2010/main" w="9525">
+                <a:solidFill>
+                  <a:schemeClr val="tx1"/>
+                </a:solidFill>
+                <a:miter lim="800000"/>
+                <a:headEnd/>
+                <a:tailEnd/>
+              </a14:hiddenLine>
+            </a:ext>
+            <a:ext uri="{AF507438-7753-43E0-B8FC-AC1667EBCBE1}">
+              <a14:hiddenEffects xmlns:a14="http://schemas.microsoft.com/office/drawing/2010/main">
+                <a:effectLst>
+                  <a:outerShdw dist="35921" dir="2700000" algn="ctr" rotWithShape="0">
+                    <a:schemeClr val="bg2"/>
+                  </a:outerShdw>
+                </a:effectLst>
+              </a14:hiddenEffects>
+            </a:ext>
+          </a:extLst>
+        </p:spPr>
+        <p:txBody>
+          <a:bodyPr vert="horz" wrap="square" lIns="91440" tIns="45720" rIns="91440" bIns="45720" numCol="1" anchor="ctr" anchorCtr="0" compatLnSpc="1">
+            <a:prstTxWarp prst="textNoShape">
+              <a:avLst/>
+            </a:prstTxWarp>
+            <a:spAutoFit/>
+          </a:bodyPr>
+          <a:lstStyle/>
+          <a:p>
+            <a:pPr xmlns:a="http://schemas.openxmlformats.org/drawingml/2006/main" marL="0" marR="0" lvl="0" indent="0" algn="l" defTabSz="914400" rtl="0" eaLnBrk="0" fontAlgn="base" latinLnBrk="0" hangingPunct="0">
+              <a:lnSpc>
+                <a:spcPct val="100000"/>
+              </a:lnSpc>
+              <a:spcBef>
+                <a:spcPct val="0"/>
+              </a:spcBef>
+              <a:spcAft>
+                <a:spcPct val="0"/>
+              </a:spcAft>
+              <a:buClrTx/>
+              <a:buSzTx/>
+              <a:buFontTx/>
+              <a:buNone/>
+              <a:tabLst/>
+            </a:pPr>
+            <a:r xmlns:a="http://schemas.openxmlformats.org/drawingml/2006/main">
+              <a:rPr kumimoji="0" lang="en" altLang="en-US" sz="2000" b="0" i="0" u="none" strike="noStrike" cap="none" normalizeH="0" baseline="0" dirty="0" smtClean="0">
+                <a:ln>
+                  <a:noFill/>
+                </a:ln>
+                <a:solidFill>
+                  <a:schemeClr val="tx1"/>
+                </a:solidFill>
+                <a:effectLst/>
+                <a:latin typeface="Arial" panose="020B0604020202020204" pitchFamily="34" charset="0"/>
+              </a:rPr>
+              <a:t>The </a:t>
+            </a:r>
+            <a:r xmlns:a="http://schemas.openxmlformats.org/drawingml/2006/main">
+              <a:rPr kumimoji="0" lang="en" altLang="en-US" sz="2000" b="0" i="0" u="none" strike="noStrike" cap="none" normalizeH="0" baseline="0" dirty="0" err="1" smtClean="0">
+                <a:ln>
+                  <a:noFill/>
+                </a:ln>
+                <a:solidFill>
+                  <a:schemeClr val="tx1"/>
+                </a:solidFill>
+                <a:effectLst/>
+                <a:latin typeface="Arial" panose="020B0604020202020204" pitchFamily="34" charset="0"/>
+              </a:rPr>
+              <a:t>function</a:t>
+            </a:r>
+            <a:r xmlns:a="http://schemas.openxmlformats.org/drawingml/2006/main">
+              <a:rPr kumimoji="0" lang="en" altLang="en-US" sz="2000" b="0" i="0" u="none" strike="noStrike" cap="none" normalizeH="0" baseline="0" dirty="0" smtClean="0">
+                <a:ln>
+                  <a:noFill/>
+                </a:ln>
+                <a:solidFill>
+                  <a:schemeClr val="tx1"/>
+                </a:solidFill>
+                <a:effectLst/>
+                <a:latin typeface="Arial" panose="020B0604020202020204" pitchFamily="34" charset="0"/>
+              </a:rPr>
+              <a:t> </a:t>
+            </a:r>
+            <a:r xmlns:a="http://schemas.openxmlformats.org/drawingml/2006/main">
+              <a:rPr kumimoji="0" lang="en" altLang="en-US" sz="2000" b="1" i="0" u="none" strike="noStrike" cap="none" normalizeH="0" baseline="0" dirty="0" smtClean="0">
+                <a:ln>
+                  <a:noFill/>
+                </a:ln>
+                <a:solidFill>
+                  <a:schemeClr val="tx1"/>
+                </a:solidFill>
+                <a:effectLst/>
+                <a:latin typeface="Arial Unicode MS"/>
+              </a:rPr>
+              <a:t>UseRelationShip</a:t>
+            </a:r>
+            <a:r xmlns:a="http://schemas.openxmlformats.org/drawingml/2006/main">
+              <a:rPr kumimoji="0" lang="en" altLang="en-US" sz="2000" b="0" i="0" u="none" strike="noStrike" cap="none" normalizeH="0" baseline="0" dirty="0" smtClean="0">
+                <a:ln>
+                  <a:noFill/>
+                </a:ln>
+                <a:solidFill>
+                  <a:schemeClr val="tx1"/>
+                </a:solidFill>
+                <a:effectLst/>
+              </a:rPr>
+              <a:t> </a:t>
+            </a:r>
+            <a:r xmlns:a="http://schemas.openxmlformats.org/drawingml/2006/main">
+              <a:rPr kumimoji="0" lang="en" altLang="en-US" sz="2000" b="0" i="0" u="none" strike="noStrike" cap="none" normalizeH="0" baseline="0" dirty="0" err="1" smtClean="0">
+                <a:ln>
+                  <a:noFill/>
+                </a:ln>
+                <a:solidFill>
+                  <a:schemeClr val="tx1"/>
+                </a:solidFill>
+                <a:effectLst/>
+              </a:rPr>
+              <a:t>East</a:t>
+            </a:r>
+            <a:r xmlns:a="http://schemas.openxmlformats.org/drawingml/2006/main">
+              <a:rPr kumimoji="0" lang="en" altLang="en-US" sz="2000" b="0" i="0" u="none" strike="noStrike" cap="none" normalizeH="0" baseline="0" dirty="0" smtClean="0">
+                <a:ln>
+                  <a:noFill/>
+                </a:ln>
+                <a:solidFill>
+                  <a:schemeClr val="tx1"/>
+                </a:solidFill>
+                <a:effectLst/>
+              </a:rPr>
+              <a:t> </a:t>
+            </a:r>
+            <a:r xmlns:a="http://schemas.openxmlformats.org/drawingml/2006/main">
+              <a:rPr kumimoji="0" lang="en" altLang="en-US" sz="2000" b="0" i="0" u="none" strike="noStrike" cap="none" normalizeH="0" baseline="0" dirty="0" err="1" smtClean="0">
+                <a:ln>
+                  <a:noFill/>
+                </a:ln>
+                <a:solidFill>
+                  <a:schemeClr val="tx1"/>
+                </a:solidFill>
+                <a:effectLst/>
+              </a:rPr>
+              <a:t>used </a:t>
+            </a:r>
+            <a:r xmlns:a="http://schemas.openxmlformats.org/drawingml/2006/main">
+              <a:rPr kumimoji="0" lang="en" altLang="en-US" sz="2000" b="0" i="0" u="none" strike="noStrike" cap="none" normalizeH="0" baseline="0" dirty="0" smtClean="0">
+                <a:ln>
+                  <a:noFill/>
+                </a:ln>
+                <a:solidFill>
+                  <a:schemeClr val="tx1"/>
+                </a:solidFill>
+                <a:effectLst/>
+              </a:rPr>
+              <a:t>to exploit </a:t>
+            </a:r>
+            <a:r xmlns:a="http://schemas.openxmlformats.org/drawingml/2006/main">
+              <a:rPr kumimoji="0" lang="en" altLang="en-US" sz="2000" b="0" i="0" u="none" strike="noStrike" cap="none" normalizeH="0" baseline="0" dirty="0" err="1" smtClean="0">
+                <a:ln>
+                  <a:noFill/>
+                </a:ln>
+                <a:solidFill>
+                  <a:schemeClr val="tx1"/>
+                </a:solidFill>
+                <a:effectLst/>
+              </a:rPr>
+              <a:t>a </a:t>
+            </a:r>
+            <a:r xmlns:a="http://schemas.openxmlformats.org/drawingml/2006/main">
+              <a:rPr kumimoji="0" lang="en" altLang="en-US" sz="2000" b="0" i="0" u="none" strike="noStrike" cap="none" normalizeH="0" baseline="0" dirty="0" smtClean="0">
+                <a:ln>
+                  <a:noFill/>
+                </a:ln>
+                <a:solidFill>
+                  <a:schemeClr val="tx1"/>
+                </a:solidFill>
+                <a:effectLst/>
+              </a:rPr>
+              <a:t>relationship between </a:t>
+            </a:r>
+            <a:r xmlns:a="http://schemas.openxmlformats.org/drawingml/2006/main">
+              <a:rPr kumimoji="0" lang="en" altLang="en-US" sz="2000" b="0" i="0" u="none" strike="noStrike" cap="none" normalizeH="0" baseline="0" dirty="0" err="1" smtClean="0">
+                <a:ln>
+                  <a:noFill/>
+                </a:ln>
+                <a:solidFill>
+                  <a:schemeClr val="tx1"/>
+                </a:solidFill>
+                <a:effectLst/>
+              </a:rPr>
+              <a:t>two </a:t>
+            </a:r>
+            <a:r xmlns:a="http://schemas.openxmlformats.org/drawingml/2006/main">
+              <a:rPr kumimoji="0" lang="en" altLang="en-US" sz="2000" b="0" i="0" u="none" strike="noStrike" cap="none" normalizeH="0" baseline="0" dirty="0" smtClean="0">
+                <a:ln>
+                  <a:noFill/>
+                </a:ln>
+                <a:solidFill>
+                  <a:schemeClr val="tx1"/>
+                </a:solidFill>
+                <a:effectLst/>
+              </a:rPr>
+              <a:t>tables,</a:t>
+            </a:r>
+          </a:p>
+          <a:p>
+            <a:pPr xmlns:a="http://schemas.openxmlformats.org/drawingml/2006/main" marL="0" marR="0" lvl="0" indent="0" algn="l" defTabSz="914400" rtl="0" eaLnBrk="0" fontAlgn="base" latinLnBrk="0" hangingPunct="0">
+              <a:lnSpc>
+                <a:spcPct val="100000"/>
+              </a:lnSpc>
+              <a:spcBef>
+                <a:spcPct val="0"/>
+              </a:spcBef>
+              <a:spcAft>
+                <a:spcPct val="0"/>
+              </a:spcAft>
+              <a:buClrTx/>
+              <a:buSzTx/>
+              <a:buFontTx/>
+              <a:buNone/>
+              <a:tabLst/>
+            </a:pPr>
+            <a:r xmlns:a="http://schemas.openxmlformats.org/drawingml/2006/main">
+              <a:rPr kumimoji="0" lang="en" altLang="en-US" sz="2000" b="0" i="0" u="none" strike="noStrike" cap="none" normalizeH="0" baseline="0" dirty="0" err="1" smtClean="0">
+                <a:ln>
+                  <a:noFill/>
+                </a:ln>
+                <a:solidFill>
+                  <a:schemeClr val="tx1"/>
+                </a:solidFill>
+                <a:effectLst/>
+              </a:rPr>
+              <a:t>even</a:t>
+            </a:r>
+            <a:r xmlns:a="http://schemas.openxmlformats.org/drawingml/2006/main">
+              <a:rPr kumimoji="0" lang="en" altLang="en-US" sz="2000" b="0" i="0" u="none" strike="noStrike" cap="none" normalizeH="0" baseline="0" dirty="0" smtClean="0">
+                <a:ln>
+                  <a:noFill/>
+                </a:ln>
+                <a:solidFill>
+                  <a:schemeClr val="tx1"/>
+                </a:solidFill>
+                <a:effectLst/>
+              </a:rPr>
+              <a:t> </a:t>
+            </a:r>
+            <a:r xmlns:a="http://schemas.openxmlformats.org/drawingml/2006/main">
+              <a:rPr kumimoji="0" lang="en" altLang="en-US" sz="2000" b="0" i="0" u="none" strike="noStrike" cap="none" normalizeH="0" baseline="0" dirty="0" err="1" smtClean="0">
+                <a:ln>
+                  <a:noFill/>
+                </a:ln>
+                <a:solidFill>
+                  <a:schemeClr val="tx1"/>
+                </a:solidFill>
+                <a:effectLst/>
+              </a:rPr>
+              <a:t>if</a:t>
+            </a:r>
+            <a:r xmlns:a="http://schemas.openxmlformats.org/drawingml/2006/main">
+              <a:rPr kumimoji="0" lang="en" altLang="en-US" sz="2000" b="0" i="0" u="none" strike="noStrike" cap="none" normalizeH="0" baseline="0" dirty="0" smtClean="0">
+                <a:ln>
+                  <a:noFill/>
+                </a:ln>
+                <a:solidFill>
+                  <a:schemeClr val="tx1"/>
+                </a:solidFill>
+                <a:effectLst/>
+              </a:rPr>
+              <a:t> </a:t>
+            </a:r>
+            <a:r xmlns:a="http://schemas.openxmlformats.org/drawingml/2006/main">
+              <a:rPr kumimoji="0" lang="en" altLang="en-US" sz="2000" b="0" i="0" u="none" strike="noStrike" cap="none" normalizeH="0" baseline="0" dirty="0" err="1" smtClean="0">
+                <a:ln>
+                  <a:noFill/>
+                </a:ln>
+                <a:solidFill>
+                  <a:schemeClr val="tx1"/>
+                </a:solidFill>
+                <a:effectLst/>
+              </a:rPr>
+              <a:t>She</a:t>
+            </a:r>
+            <a:r xmlns:a="http://schemas.openxmlformats.org/drawingml/2006/main">
+              <a:rPr kumimoji="0" lang="en" altLang="en-US" sz="2000" b="0" i="0" u="none" strike="noStrike" cap="none" normalizeH="0" baseline="0" dirty="0" smtClean="0">
+                <a:ln>
+                  <a:noFill/>
+                </a:ln>
+                <a:solidFill>
+                  <a:schemeClr val="tx1"/>
+                </a:solidFill>
+                <a:effectLst/>
+              </a:rPr>
+              <a:t> </a:t>
+            </a:r>
+            <a:r xmlns:a="http://schemas.openxmlformats.org/drawingml/2006/main">
+              <a:rPr kumimoji="0" lang="en" altLang="en-US" sz="2000" b="0" i="0" u="none" strike="noStrike" cap="none" normalizeH="0" baseline="0" dirty="0" err="1" smtClean="0">
+                <a:ln>
+                  <a:noFill/>
+                </a:ln>
+                <a:solidFill>
+                  <a:schemeClr val="tx1"/>
+                </a:solidFill>
+                <a:effectLst/>
+              </a:rPr>
+              <a:t>is not </a:t>
+            </a:r>
+            <a:r xmlns:a="http://schemas.openxmlformats.org/drawingml/2006/main">
+              <a:rPr kumimoji="0" lang="en" altLang="en-US" sz="2000" b="0" i="0" u="none" strike="noStrike" cap="none" normalizeH="0" baseline="0" dirty="0" smtClean="0">
+                <a:ln>
+                  <a:noFill/>
+                </a:ln>
+                <a:solidFill>
+                  <a:schemeClr val="tx1"/>
+                </a:solidFill>
+                <a:effectLst/>
+              </a:rPr>
+              <a:t>fully </a:t>
+            </a:r>
+            <a:r xmlns:a="http://schemas.openxmlformats.org/drawingml/2006/main">
+              <a:rPr kumimoji="0" lang="en" altLang="en-US" sz="2000" b="0" i="0" u="none" strike="noStrike" cap="none" normalizeH="0" baseline="0" dirty="0" err="1" smtClean="0">
+                <a:ln>
+                  <a:noFill/>
+                </a:ln>
+                <a:solidFill>
+                  <a:schemeClr val="tx1"/>
+                </a:solidFill>
+                <a:effectLst/>
+              </a:rPr>
+              <a:t>active </a:t>
+            </a:r>
+            <a:r xmlns:a="http://schemas.openxmlformats.org/drawingml/2006/main">
+              <a:rPr kumimoji="0" lang="en" altLang="en-US" sz="2000" b="0" i="0" u="none" strike="noStrike" cap="none" normalizeH="0" baseline="0" dirty="0" smtClean="0">
+                <a:ln>
+                  <a:noFill/>
+                </a:ln>
+                <a:solidFill>
+                  <a:schemeClr val="tx1"/>
+                </a:solidFill>
+                <a:effectLst/>
+              </a:rPr>
+              <a:t>.</a:t>
+            </a:r>
+            <a:endParaRPr xmlns:a="http://schemas.openxmlformats.org/drawingml/2006/main" kumimoji="0" lang="en-US" altLang="en-US" sz="2000" b="0" i="0" u="none" strike="noStrike" cap="none" normalizeH="0" baseline="0" dirty="0" smtClean="0">
+              <a:ln>
+                <a:noFill/>
+              </a:ln>
+              <a:solidFill>
+                <a:schemeClr val="tx1"/>
+              </a:solidFill>
+              <a:effectLst/>
+              <a:latin typeface="Arial" panose="020B0604020202020204" pitchFamily="34" charset="0"/>
+            </a:endParaRPr>
+          </a:p>
+        </p:txBody>
+      </p:sp>
     </p:spTree>
     <p:extLst>
       <p:ext uri="{BB962C8B-B14F-4D97-AF65-F5344CB8AC3E}">
@@ -3865,7 +4060,7 @@
         <p:spPr>
           <a:xfrm>
             <a:off x="309383" y="261257"/>
-            <a:ext cx="2385012" cy="461665"/>
+            <a:ext cx="2541401" cy="461665"/>
           </a:xfrm>
           <a:prstGeom prst="rect">
             <a:avLst/>
@@ -3878,200 +4073,17 @@
           </a:bodyPr>
           <a:lstStyle/>
           <a:p>
-            <a:r>
-              <a:rPr lang="en-US" sz="2400" dirty="0" smtClean="0">
+            <a:r xmlns:a="http://schemas.openxmlformats.org/drawingml/2006/main">
+              <a:rPr lang="en" sz="2400" b="1" dirty="0" smtClean="0">
                 <a:latin typeface="Segoe UI" panose="020B0502040204020203" pitchFamily="34" charset="0"/>
                 <a:cs typeface="Segoe UI" panose="020B0502040204020203" pitchFamily="34" charset="0"/>
               </a:rPr>
               <a:t>UseRelationShip</a:t>
             </a:r>
-            <a:endParaRPr lang="en-US" sz="2400" dirty="0">
+            <a:endParaRPr xmlns:a="http://schemas.openxmlformats.org/drawingml/2006/main" lang="en-US" sz="2400" b="1" dirty="0">
               <a:latin typeface="Segoe UI" panose="020B0502040204020203" pitchFamily="34" charset="0"/>
               <a:cs typeface="Segoe UI" panose="020B0502040204020203" pitchFamily="34" charset="0"/>
             </a:endParaRPr>
-          </a:p>
-        </p:txBody>
-      </p:sp>
-      <p:sp>
-        <p:nvSpPr>
-          <p:cNvPr id="3" name="Rectangle 2"/>
-          <p:cNvSpPr/>
-          <p:nvPr/>
-        </p:nvSpPr>
-        <p:spPr>
-          <a:xfrm>
-            <a:off x="309383" y="802647"/>
-            <a:ext cx="11447188" cy="646331"/>
-          </a:xfrm>
-          <a:prstGeom prst="rect">
-            <a:avLst/>
-          </a:prstGeom>
-        </p:spPr>
-        <p:txBody>
-          <a:bodyPr wrap="square">
-            <a:spAutoFit/>
-          </a:bodyPr>
-          <a:lstStyle/>
-          <a:p>
-            <a:r>
-              <a:rPr lang="en-US" dirty="0" smtClean="0">
-                <a:latin typeface="Segoe UI" panose="020B0502040204020203" pitchFamily="34" charset="0"/>
-                <a:ea typeface="Calibri" panose="020F0502020204030204" pitchFamily="34" charset="0"/>
-              </a:rPr>
-              <a:t>Start by creating a measure that returns the sum of sales for the first half of the year at the </a:t>
-            </a:r>
-            <a:r>
-              <a:rPr lang="en-US" b="1" dirty="0" err="1" smtClean="0">
-                <a:latin typeface="Segoe UI" panose="020B0502040204020203" pitchFamily="34" charset="0"/>
-                <a:ea typeface="Calibri" panose="020F0502020204030204" pitchFamily="34" charset="0"/>
-              </a:rPr>
-              <a:t>FactInternetSales</a:t>
-            </a:r>
-            <a:r>
-              <a:rPr lang="en-US" b="1" dirty="0" smtClean="0">
-                <a:latin typeface="Segoe UI" panose="020B0502040204020203" pitchFamily="34" charset="0"/>
-                <a:ea typeface="Calibri" panose="020F0502020204030204" pitchFamily="34" charset="0"/>
-              </a:rPr>
-              <a:t> table</a:t>
-            </a:r>
-            <a:endParaRPr lang="en-US" dirty="0"/>
-          </a:p>
-        </p:txBody>
-      </p:sp>
-      <p:sp>
-        <p:nvSpPr>
-          <p:cNvPr id="4" name="Rectangle 3"/>
-          <p:cNvSpPr/>
-          <p:nvPr/>
-        </p:nvSpPr>
-        <p:spPr>
-          <a:xfrm>
-            <a:off x="309383" y="2831743"/>
-            <a:ext cx="10857856" cy="923330"/>
-          </a:xfrm>
-          <a:prstGeom prst="rect">
-            <a:avLst/>
-          </a:prstGeom>
-        </p:spPr>
-        <p:txBody>
-          <a:bodyPr wrap="square">
-            <a:spAutoFit/>
-          </a:bodyPr>
-          <a:lstStyle/>
-          <a:p>
-            <a:r>
-              <a:rPr lang="en-US" dirty="0" smtClean="0">
-                <a:latin typeface="Segoe UI" panose="020B0502040204020203" pitchFamily="34" charset="0"/>
-                <a:ea typeface="Calibri" panose="020F0502020204030204" pitchFamily="34" charset="0"/>
-              </a:rPr>
-              <a:t>Use the </a:t>
-            </a:r>
-            <a:r>
-              <a:rPr lang="en-US" b="1" dirty="0" err="1" smtClean="0">
-                <a:latin typeface="Segoe UI" panose="020B0502040204020203" pitchFamily="34" charset="0"/>
-                <a:ea typeface="Calibri" panose="020F0502020204030204" pitchFamily="34" charset="0"/>
-              </a:rPr>
-              <a:t>UserelationShip</a:t>
-            </a:r>
-            <a:r>
-              <a:rPr lang="en-US" b="1" dirty="0" smtClean="0">
-                <a:latin typeface="Segoe UI" panose="020B0502040204020203" pitchFamily="34" charset="0"/>
-                <a:ea typeface="Calibri" panose="020F0502020204030204" pitchFamily="34" charset="0"/>
-              </a:rPr>
-              <a:t> function </a:t>
-            </a:r>
-            <a:r>
-              <a:rPr lang="en-US" dirty="0" smtClean="0">
-                <a:latin typeface="Segoe UI" panose="020B0502040204020203" pitchFamily="34" charset="0"/>
-                <a:ea typeface="Calibri" panose="020F0502020204030204" pitchFamily="34" charset="0"/>
-              </a:rPr>
-              <a:t>to force the calculation to go through </a:t>
-            </a:r>
-            <a:r>
-              <a:rPr lang="en-US" b="1" dirty="0" err="1" smtClean="0">
-                <a:latin typeface="Segoe UI" panose="020B0502040204020203" pitchFamily="34" charset="0"/>
-                <a:ea typeface="Calibri" panose="020F0502020204030204" pitchFamily="34" charset="0"/>
-              </a:rPr>
-              <a:t>DueDateKey</a:t>
-            </a:r>
-            <a:r>
-              <a:rPr lang="en-US" b="1" dirty="0" smtClean="0">
-                <a:latin typeface="Segoe UI" panose="020B0502040204020203" pitchFamily="34" charset="0"/>
-                <a:ea typeface="Calibri" panose="020F0502020204030204" pitchFamily="34" charset="0"/>
-              </a:rPr>
-              <a:t> </a:t>
-            </a:r>
-            <a:r>
-              <a:rPr lang="en-US" dirty="0" smtClean="0">
-                <a:latin typeface="Segoe UI" panose="020B0502040204020203" pitchFamily="34" charset="0"/>
-                <a:ea typeface="Calibri" panose="020F0502020204030204" pitchFamily="34" charset="0"/>
-              </a:rPr>
-              <a:t>instead of </a:t>
-            </a:r>
-            <a:r>
-              <a:rPr lang="en-US" b="1" dirty="0" err="1" smtClean="0">
-                <a:latin typeface="Segoe UI" panose="020B0502040204020203" pitchFamily="34" charset="0"/>
-                <a:ea typeface="Calibri" panose="020F0502020204030204" pitchFamily="34" charset="0"/>
-              </a:rPr>
-              <a:t>DateKey</a:t>
-            </a:r>
-            <a:r>
-              <a:rPr lang="en-US" b="1" dirty="0" smtClean="0">
-                <a:latin typeface="Segoe UI" panose="020B0502040204020203" pitchFamily="34" charset="0"/>
-                <a:ea typeface="Calibri" panose="020F0502020204030204" pitchFamily="34" charset="0"/>
-              </a:rPr>
-              <a:t> </a:t>
-            </a:r>
-            <a:r>
-              <a:rPr lang="en-US" dirty="0" smtClean="0">
-                <a:latin typeface="Segoe UI" panose="020B0502040204020203" pitchFamily="34" charset="0"/>
-                <a:ea typeface="Calibri" panose="020F0502020204030204" pitchFamily="34" charset="0"/>
-              </a:rPr>
-              <a:t>by creating the relationship between </a:t>
-            </a:r>
-            <a:r>
-              <a:rPr lang="en-US" b="1" dirty="0" err="1" smtClean="0">
-                <a:latin typeface="Segoe UI" panose="020B0502040204020203" pitchFamily="34" charset="0"/>
-                <a:ea typeface="Calibri" panose="020F0502020204030204" pitchFamily="34" charset="0"/>
-              </a:rPr>
-              <a:t>DimDate</a:t>
-            </a:r>
-            <a:r>
-              <a:rPr lang="en-US" b="1" dirty="0" smtClean="0">
-                <a:latin typeface="Segoe UI" panose="020B0502040204020203" pitchFamily="34" charset="0"/>
-                <a:ea typeface="Calibri" panose="020F0502020204030204" pitchFamily="34" charset="0"/>
-              </a:rPr>
-              <a:t> </a:t>
-            </a:r>
-            <a:r>
-              <a:rPr lang="en-US" dirty="0" smtClean="0">
-                <a:latin typeface="Segoe UI" panose="020B0502040204020203" pitchFamily="34" charset="0"/>
-                <a:ea typeface="Calibri" panose="020F0502020204030204" pitchFamily="34" charset="0"/>
-              </a:rPr>
-              <a:t>on one hand and </a:t>
-            </a:r>
-            <a:r>
-              <a:rPr lang="en-US" b="1" dirty="0" err="1" smtClean="0">
-                <a:latin typeface="Segoe UI" panose="020B0502040204020203" pitchFamily="34" charset="0"/>
-                <a:ea typeface="Calibri" panose="020F0502020204030204" pitchFamily="34" charset="0"/>
-              </a:rPr>
-              <a:t>FactInternetSales</a:t>
-            </a:r>
-            <a:r>
-              <a:rPr lang="en-US" b="1" dirty="0" smtClean="0">
-                <a:latin typeface="Segoe UI" panose="020B0502040204020203" pitchFamily="34" charset="0"/>
-                <a:ea typeface="Calibri" panose="020F0502020204030204" pitchFamily="34" charset="0"/>
-              </a:rPr>
-              <a:t> </a:t>
-            </a:r>
-            <a:r>
-              <a:rPr lang="en-US" dirty="0" smtClean="0">
-                <a:latin typeface="Segoe UI" panose="020B0502040204020203" pitchFamily="34" charset="0"/>
-                <a:ea typeface="Calibri" panose="020F0502020204030204" pitchFamily="34" charset="0"/>
-              </a:rPr>
-              <a:t>on the other hand</a:t>
-            </a:r>
-            <a:endParaRPr lang="en-US" dirty="0"/>
           </a:p>
         </p:txBody>
       </p:sp>
@@ -4096,8 +4108,8 @@
           </a:bodyPr>
           <a:lstStyle/>
           <a:p>
-            <a:r>
-              <a:rPr lang="en-US" dirty="0">
+            <a:r xmlns:a="http://schemas.openxmlformats.org/drawingml/2006/main">
+              <a:rPr lang="en" dirty="0">
                 <a:solidFill>
                   <a:srgbClr val="000000"/>
                 </a:solidFill>
@@ -4105,179 +4117,179 @@
               </a:rPr>
               <a:t>Sales First Quarter = </a:t>
             </a:r>
-            <a:r>
-              <a:rPr lang="en-US" dirty="0">
+            <a:r xmlns:a="http://schemas.openxmlformats.org/drawingml/2006/main">
+              <a:rPr lang="en" dirty="0">
                 <a:solidFill>
                   <a:srgbClr val="3165BB"/>
                 </a:solidFill>
                 <a:latin typeface="Consolas" panose="020B0609020204030204" pitchFamily="49" charset="0"/>
               </a:rPr>
-              <a:t>CALCULATE</a:t>
-            </a:r>
-            <a:r>
-              <a:rPr lang="en-US" dirty="0">
+              <a:t>CALCULATE </a:t>
+            </a:r>
+            <a:r xmlns:a="http://schemas.openxmlformats.org/drawingml/2006/main">
+              <a:rPr lang="en" dirty="0">
                 <a:solidFill>
                   <a:srgbClr val="000000"/>
                 </a:solidFill>
                 <a:latin typeface="Consolas" panose="020B0609020204030204" pitchFamily="49" charset="0"/>
               </a:rPr>
-              <a:t>(</a:t>
-            </a:r>
-            <a:r>
-              <a:rPr lang="en-US" dirty="0">
+              <a:t>( </a:t>
+            </a:r>
+            <a:r xmlns:a="http://schemas.openxmlformats.org/drawingml/2006/main">
+              <a:rPr lang="en" dirty="0">
                 <a:solidFill>
                   <a:srgbClr val="3165BB"/>
                 </a:solidFill>
                 <a:latin typeface="Consolas" panose="020B0609020204030204" pitchFamily="49" charset="0"/>
               </a:rPr>
-              <a:t>SUMX</a:t>
-            </a:r>
-            <a:r>
-              <a:rPr lang="en-US" dirty="0">
+              <a:t>SUMX </a:t>
+            </a:r>
+            <a:r xmlns:a="http://schemas.openxmlformats.org/drawingml/2006/main">
+              <a:rPr lang="en" dirty="0">
                 <a:solidFill>
                   <a:srgbClr val="000000"/>
                 </a:solidFill>
                 <a:latin typeface="Consolas" panose="020B0609020204030204" pitchFamily="49" charset="0"/>
               </a:rPr>
-              <a:t>(</a:t>
-            </a:r>
-            <a:r>
-              <a:rPr lang="en-US" dirty="0" err="1">
+              <a:t>( </a:t>
+            </a:r>
+            <a:r xmlns:a="http://schemas.openxmlformats.org/drawingml/2006/main">
+              <a:rPr lang="en" dirty="0" err="1">
                 <a:solidFill>
                   <a:srgbClr val="001080"/>
                 </a:solidFill>
                 <a:latin typeface="Consolas" panose="020B0609020204030204" pitchFamily="49" charset="0"/>
               </a:rPr>
-              <a:t>FactInternetSales</a:t>
-            </a:r>
-            <a:r>
-              <a:rPr lang="en-US" dirty="0" err="1">
+              <a:t>FactInternetSales </a:t>
+            </a:r>
+            <a:r xmlns:a="http://schemas.openxmlformats.org/drawingml/2006/main">
+              <a:rPr lang="en" dirty="0" err="1">
                 <a:solidFill>
                   <a:srgbClr val="000000"/>
                 </a:solidFill>
                 <a:latin typeface="Consolas" panose="020B0609020204030204" pitchFamily="49" charset="0"/>
               </a:rPr>
-              <a:t>,</a:t>
-            </a:r>
-            <a:r>
-              <a:rPr lang="en-US" dirty="0" err="1">
+              <a:t>, </a:t>
+            </a:r>
+            <a:r xmlns:a="http://schemas.openxmlformats.org/drawingml/2006/main">
+              <a:rPr lang="en" dirty="0" err="1">
                 <a:solidFill>
                   <a:srgbClr val="001080"/>
                 </a:solidFill>
                 <a:latin typeface="Consolas" panose="020B0609020204030204" pitchFamily="49" charset="0"/>
               </a:rPr>
-              <a:t>FactInternetSales</a:t>
-            </a:r>
-            <a:r>
-              <a:rPr lang="en-US" dirty="0">
+              <a:t>FactInternetSales </a:t>
+            </a:r>
+            <a:r xmlns:a="http://schemas.openxmlformats.org/drawingml/2006/main">
+              <a:rPr lang="en" dirty="0">
                 <a:solidFill>
                   <a:srgbClr val="001080"/>
                 </a:solidFill>
                 <a:latin typeface="Consolas" panose="020B0609020204030204" pitchFamily="49" charset="0"/>
               </a:rPr>
-              <a:t>[</a:t>
-            </a:r>
-            <a:r>
-              <a:rPr lang="en-US" dirty="0" err="1">
+              <a:t>[ </a:t>
+            </a:r>
+            <a:r xmlns:a="http://schemas.openxmlformats.org/drawingml/2006/main">
+              <a:rPr lang="en" dirty="0" err="1">
                 <a:solidFill>
                   <a:srgbClr val="001080"/>
                 </a:solidFill>
                 <a:latin typeface="Consolas" panose="020B0609020204030204" pitchFamily="49" charset="0"/>
               </a:rPr>
-              <a:t>OrderQuantity</a:t>
-            </a:r>
-            <a:r>
-              <a:rPr lang="en-US" dirty="0">
+              <a:t>OrderQuantity </a:t>
+            </a:r>
+            <a:r xmlns:a="http://schemas.openxmlformats.org/drawingml/2006/main">
+              <a:rPr lang="en" dirty="0">
                 <a:solidFill>
                   <a:srgbClr val="001080"/>
                 </a:solidFill>
                 <a:latin typeface="Consolas" panose="020B0609020204030204" pitchFamily="49" charset="0"/>
               </a:rPr>
-              <a:t>]</a:t>
-            </a:r>
-            <a:r>
-              <a:rPr lang="en-US" dirty="0">
+              <a:t>] </a:t>
+            </a:r>
+            <a:r xmlns:a="http://schemas.openxmlformats.org/drawingml/2006/main">
+              <a:rPr lang="en" dirty="0">
                 <a:solidFill>
                   <a:srgbClr val="000000"/>
                 </a:solidFill>
                 <a:latin typeface="Consolas" panose="020B0609020204030204" pitchFamily="49" charset="0"/>
               </a:rPr>
-              <a:t>*</a:t>
-            </a:r>
-            <a:r>
-              <a:rPr lang="en-US" dirty="0" err="1">
+              <a:t>* </a:t>
+            </a:r>
+            <a:r xmlns:a="http://schemas.openxmlformats.org/drawingml/2006/main">
+              <a:rPr lang="en" dirty="0" err="1">
                 <a:solidFill>
                   <a:srgbClr val="001080"/>
                 </a:solidFill>
                 <a:latin typeface="Consolas" panose="020B0609020204030204" pitchFamily="49" charset="0"/>
               </a:rPr>
-              <a:t>FactInternetSales</a:t>
-            </a:r>
-            <a:r>
-              <a:rPr lang="en-US" dirty="0">
+              <a:t>FactInternetSales </a:t>
+            </a:r>
+            <a:r xmlns:a="http://schemas.openxmlformats.org/drawingml/2006/main">
+              <a:rPr lang="en" dirty="0">
                 <a:solidFill>
                   <a:srgbClr val="001080"/>
                 </a:solidFill>
                 <a:latin typeface="Consolas" panose="020B0609020204030204" pitchFamily="49" charset="0"/>
               </a:rPr>
-              <a:t>[</a:t>
-            </a:r>
-            <a:r>
-              <a:rPr lang="en-US" dirty="0" err="1">
+              <a:t>[ </a:t>
+            </a:r>
+            <a:r xmlns:a="http://schemas.openxmlformats.org/drawingml/2006/main">
+              <a:rPr lang="en" dirty="0" err="1">
                 <a:solidFill>
                   <a:srgbClr val="001080"/>
                 </a:solidFill>
                 <a:latin typeface="Consolas" panose="020B0609020204030204" pitchFamily="49" charset="0"/>
               </a:rPr>
-              <a:t>UnitPrice</a:t>
-            </a:r>
-            <a:r>
-              <a:rPr lang="en-US" dirty="0">
+              <a:t>UnitPrice </a:t>
+            </a:r>
+            <a:r xmlns:a="http://schemas.openxmlformats.org/drawingml/2006/main">
+              <a:rPr lang="en" dirty="0">
                 <a:solidFill>
                   <a:srgbClr val="001080"/>
                 </a:solidFill>
                 <a:latin typeface="Consolas" panose="020B0609020204030204" pitchFamily="49" charset="0"/>
               </a:rPr>
-              <a:t>]</a:t>
-            </a:r>
-            <a:r>
-              <a:rPr lang="en-US" dirty="0">
+              <a:t>] </a:t>
+            </a:r>
+            <a:r xmlns:a="http://schemas.openxmlformats.org/drawingml/2006/main">
+              <a:rPr lang="en" dirty="0">
                 <a:solidFill>
                   <a:srgbClr val="000000"/>
                 </a:solidFill>
                 <a:latin typeface="Consolas" panose="020B0609020204030204" pitchFamily="49" charset="0"/>
               </a:rPr>
-              <a:t>),</a:t>
-            </a:r>
-            <a:r>
-              <a:rPr lang="en-US" dirty="0">
+              <a:t>), </a:t>
+            </a:r>
+            <a:r xmlns:a="http://schemas.openxmlformats.org/drawingml/2006/main">
+              <a:rPr lang="en" dirty="0">
                 <a:solidFill>
                   <a:srgbClr val="3165BB"/>
                 </a:solidFill>
                 <a:latin typeface="Consolas" panose="020B0609020204030204" pitchFamily="49" charset="0"/>
               </a:rPr>
-              <a:t>FILTER</a:t>
-            </a:r>
-            <a:r>
-              <a:rPr lang="en-US" dirty="0">
+              <a:t>FILTER </a:t>
+            </a:r>
+            <a:r xmlns:a="http://schemas.openxmlformats.org/drawingml/2006/main">
+              <a:rPr lang="en" dirty="0">
                 <a:solidFill>
                   <a:srgbClr val="000000"/>
                 </a:solidFill>
                 <a:latin typeface="Consolas" panose="020B0609020204030204" pitchFamily="49" charset="0"/>
               </a:rPr>
-              <a:t>(</a:t>
-            </a:r>
-            <a:r>
-              <a:rPr lang="en-US" dirty="0" err="1">
+              <a:t>( </a:t>
+            </a:r>
+            <a:r xmlns:a="http://schemas.openxmlformats.org/drawingml/2006/main">
+              <a:rPr lang="en" dirty="0" err="1">
                 <a:solidFill>
                   <a:srgbClr val="001080"/>
                 </a:solidFill>
                 <a:latin typeface="Consolas" panose="020B0609020204030204" pitchFamily="49" charset="0"/>
               </a:rPr>
-              <a:t>DimDate</a:t>
-            </a:r>
-            <a:r>
-              <a:rPr lang="en-US" dirty="0">
+              <a:t>DimDate </a:t>
+            </a:r>
+            <a:r xmlns:a="http://schemas.openxmlformats.org/drawingml/2006/main">
+              <a:rPr lang="en" dirty="0">
                 <a:solidFill>
                   <a:srgbClr val="000000"/>
                 </a:solidFill>
@@ -4285,62 +4297,62 @@
               </a:rPr>
               <a:t>, </a:t>
             </a:r>
-            <a:r>
-              <a:rPr lang="en-US" dirty="0" err="1">
+            <a:r xmlns:a="http://schemas.openxmlformats.org/drawingml/2006/main">
+              <a:rPr lang="en" dirty="0" err="1">
                 <a:solidFill>
                   <a:srgbClr val="001080"/>
                 </a:solidFill>
                 <a:latin typeface="Consolas" panose="020B0609020204030204" pitchFamily="49" charset="0"/>
               </a:rPr>
-              <a:t>DimDate</a:t>
-            </a:r>
-            <a:r>
-              <a:rPr lang="en-US" dirty="0">
+              <a:t>DimDate </a:t>
+            </a:r>
+            <a:r xmlns:a="http://schemas.openxmlformats.org/drawingml/2006/main">
+              <a:rPr lang="en" dirty="0">
                 <a:solidFill>
                   <a:srgbClr val="001080"/>
                 </a:solidFill>
                 <a:latin typeface="Consolas" panose="020B0609020204030204" pitchFamily="49" charset="0"/>
               </a:rPr>
-              <a:t>[</a:t>
-            </a:r>
-            <a:r>
-              <a:rPr lang="en-US" dirty="0" err="1">
+              <a:t>[ </a:t>
+            </a:r>
+            <a:r xmlns:a="http://schemas.openxmlformats.org/drawingml/2006/main">
+              <a:rPr lang="en" dirty="0" err="1">
                 <a:solidFill>
                   <a:srgbClr val="001080"/>
                 </a:solidFill>
                 <a:latin typeface="Consolas" panose="020B0609020204030204" pitchFamily="49" charset="0"/>
               </a:rPr>
-              <a:t>CalendarQuarter</a:t>
-            </a:r>
-            <a:r>
-              <a:rPr lang="en-US" dirty="0">
+              <a:t>CalendarQuarter </a:t>
+            </a:r>
+            <a:r xmlns:a="http://schemas.openxmlformats.org/drawingml/2006/main">
+              <a:rPr lang="en" dirty="0">
                 <a:solidFill>
                   <a:srgbClr val="001080"/>
                 </a:solidFill>
                 <a:latin typeface="Consolas" panose="020B0609020204030204" pitchFamily="49" charset="0"/>
               </a:rPr>
-              <a:t>]</a:t>
-            </a:r>
-            <a:r>
-              <a:rPr lang="en-US" dirty="0">
+              <a:t>] </a:t>
+            </a:r>
+            <a:r xmlns:a="http://schemas.openxmlformats.org/drawingml/2006/main">
+              <a:rPr lang="en" dirty="0">
                 <a:solidFill>
                   <a:srgbClr val="000000"/>
                 </a:solidFill>
                 <a:latin typeface="Consolas" panose="020B0609020204030204" pitchFamily="49" charset="0"/>
               </a:rPr>
-              <a:t>=</a:t>
-            </a:r>
-            <a:r>
-              <a:rPr lang="en-US" dirty="0">
+              <a:t>= </a:t>
+            </a:r>
+            <a:r xmlns:a="http://schemas.openxmlformats.org/drawingml/2006/main">
+              <a:rPr lang="en" dirty="0">
                 <a:solidFill>
                   <a:srgbClr val="098658"/>
                 </a:solidFill>
                 <a:latin typeface="Consolas" panose="020B0609020204030204" pitchFamily="49" charset="0"/>
               </a:rPr>
-              <a:t>1</a:t>
-            </a:r>
-            <a:r>
-              <a:rPr lang="en-US" dirty="0">
+              <a:t>1 </a:t>
+            </a:r>
+            <a:r xmlns:a="http://schemas.openxmlformats.org/drawingml/2006/main">
+              <a:rPr lang="en" dirty="0">
                 <a:solidFill>
                   <a:srgbClr val="000000"/>
                 </a:solidFill>
@@ -4348,7 +4360,7 @@
               </a:rPr>
               <a:t>))</a:t>
             </a:r>
-            <a:endParaRPr lang="en-US" b="0" dirty="0">
+            <a:endParaRPr xmlns:a="http://schemas.openxmlformats.org/drawingml/2006/main" lang="en-US" b="0" dirty="0">
               <a:solidFill>
                 <a:srgbClr val="000000"/>
               </a:solidFill>
@@ -4379,8 +4391,8 @@
           </a:bodyPr>
           <a:lstStyle/>
           <a:p>
-            <a:r>
-              <a:rPr lang="en-US" dirty="0">
+            <a:r xmlns:a="http://schemas.openxmlformats.org/drawingml/2006/main">
+              <a:rPr lang="en" dirty="0">
                 <a:solidFill>
                   <a:srgbClr val="000000"/>
                 </a:solidFill>
@@ -4388,134 +4400,134 @@
               </a:rPr>
               <a:t>Sales First </a:t>
             </a:r>
-            <a:r>
-              <a:rPr lang="en-US" dirty="0">
+            <a:r xmlns:a="http://schemas.openxmlformats.org/drawingml/2006/main">
+              <a:rPr lang="en" dirty="0">
                 <a:solidFill>
                   <a:srgbClr val="3165BB"/>
                 </a:solidFill>
                 <a:latin typeface="Consolas" panose="020B0609020204030204" pitchFamily="49" charset="0"/>
               </a:rPr>
-              <a:t>Quarter</a:t>
-            </a:r>
-            <a:r>
-              <a:rPr lang="en-US" dirty="0">
+              <a:t>Quarter </a:t>
+            </a:r>
+            <a:r xmlns:a="http://schemas.openxmlformats.org/drawingml/2006/main">
+              <a:rPr lang="en" dirty="0">
                 <a:solidFill>
                   <a:srgbClr val="000000"/>
                 </a:solidFill>
                 <a:latin typeface="Consolas" panose="020B0609020204030204" pitchFamily="49" charset="0"/>
               </a:rPr>
-              <a:t> (Due Date) = </a:t>
-            </a:r>
-            <a:r>
-              <a:rPr lang="en-US" dirty="0">
+              <a:t>(Due Date) = </a:t>
+            </a:r>
+            <a:r xmlns:a="http://schemas.openxmlformats.org/drawingml/2006/main">
+              <a:rPr lang="en" dirty="0">
                 <a:solidFill>
                   <a:srgbClr val="3165BB"/>
                 </a:solidFill>
                 <a:latin typeface="Consolas" panose="020B0609020204030204" pitchFamily="49" charset="0"/>
               </a:rPr>
-              <a:t>CALCULATE</a:t>
-            </a:r>
-            <a:r>
-              <a:rPr lang="en-US" dirty="0">
+              <a:t>CALCULATE </a:t>
+            </a:r>
+            <a:r xmlns:a="http://schemas.openxmlformats.org/drawingml/2006/main">
+              <a:rPr lang="en" dirty="0">
                 <a:solidFill>
                   <a:srgbClr val="000000"/>
                 </a:solidFill>
                 <a:latin typeface="Consolas" panose="020B0609020204030204" pitchFamily="49" charset="0"/>
               </a:rPr>
-              <a:t>(</a:t>
-            </a:r>
-            <a:r>
-              <a:rPr lang="en-US" dirty="0">
+              <a:t>( </a:t>
+            </a:r>
+            <a:r xmlns:a="http://schemas.openxmlformats.org/drawingml/2006/main">
+              <a:rPr lang="en" dirty="0">
                 <a:solidFill>
                   <a:srgbClr val="3165BB"/>
                 </a:solidFill>
                 <a:latin typeface="Consolas" panose="020B0609020204030204" pitchFamily="49" charset="0"/>
               </a:rPr>
-              <a:t>SUMX</a:t>
-            </a:r>
-            <a:r>
-              <a:rPr lang="en-US" dirty="0">
+              <a:t>SUMX </a:t>
+            </a:r>
+            <a:r xmlns:a="http://schemas.openxmlformats.org/drawingml/2006/main">
+              <a:rPr lang="en" dirty="0">
                 <a:solidFill>
                   <a:srgbClr val="000000"/>
                 </a:solidFill>
                 <a:latin typeface="Consolas" panose="020B0609020204030204" pitchFamily="49" charset="0"/>
               </a:rPr>
-              <a:t>(</a:t>
-            </a:r>
-            <a:r>
-              <a:rPr lang="en-US" dirty="0" err="1">
+              <a:t>( </a:t>
+            </a:r>
+            <a:r xmlns:a="http://schemas.openxmlformats.org/drawingml/2006/main">
+              <a:rPr lang="en" dirty="0" err="1">
                 <a:solidFill>
                   <a:srgbClr val="000000"/>
                 </a:solidFill>
                 <a:latin typeface="Consolas" panose="020B0609020204030204" pitchFamily="49" charset="0"/>
               </a:rPr>
-              <a:t>FactInternetSales,FactInternetSales</a:t>
-            </a:r>
-            <a:r>
-              <a:rPr lang="en-US" dirty="0">
+              <a:t>FactInternetSales,FactInternetSales </a:t>
+            </a:r>
+            <a:r xmlns:a="http://schemas.openxmlformats.org/drawingml/2006/main">
+              <a:rPr lang="en" dirty="0">
                 <a:solidFill>
                   <a:srgbClr val="000000"/>
                 </a:solidFill>
                 <a:latin typeface="Consolas" panose="020B0609020204030204" pitchFamily="49" charset="0"/>
               </a:rPr>
-              <a:t>[</a:t>
-            </a:r>
-            <a:r>
-              <a:rPr lang="en-US" dirty="0" err="1">
+              <a:t>[ </a:t>
+            </a:r>
+            <a:r xmlns:a="http://schemas.openxmlformats.org/drawingml/2006/main">
+              <a:rPr lang="en" dirty="0" err="1">
                 <a:solidFill>
                   <a:srgbClr val="000000"/>
                 </a:solidFill>
                 <a:latin typeface="Consolas" panose="020B0609020204030204" pitchFamily="49" charset="0"/>
               </a:rPr>
-              <a:t>OrderQuantity</a:t>
-            </a:r>
-            <a:r>
-              <a:rPr lang="en-US" dirty="0">
+              <a:t>OrderQuantity </a:t>
+            </a:r>
+            <a:r xmlns:a="http://schemas.openxmlformats.org/drawingml/2006/main">
+              <a:rPr lang="en" dirty="0">
                 <a:solidFill>
                   <a:srgbClr val="000000"/>
                 </a:solidFill>
                 <a:latin typeface="Consolas" panose="020B0609020204030204" pitchFamily="49" charset="0"/>
               </a:rPr>
-              <a:t>]*</a:t>
-            </a:r>
-            <a:r>
-              <a:rPr lang="en-US" dirty="0" err="1">
+              <a:t>]* </a:t>
+            </a:r>
+            <a:r xmlns:a="http://schemas.openxmlformats.org/drawingml/2006/main">
+              <a:rPr lang="en" dirty="0" err="1">
                 <a:solidFill>
                   <a:srgbClr val="000000"/>
                 </a:solidFill>
                 <a:latin typeface="Consolas" panose="020B0609020204030204" pitchFamily="49" charset="0"/>
               </a:rPr>
-              <a:t>FactInternetSales</a:t>
-            </a:r>
-            <a:r>
-              <a:rPr lang="en-US" dirty="0">
+              <a:t>FactInternetSales </a:t>
+            </a:r>
+            <a:r xmlns:a="http://schemas.openxmlformats.org/drawingml/2006/main">
+              <a:rPr lang="en" dirty="0">
                 <a:solidFill>
                   <a:srgbClr val="000000"/>
                 </a:solidFill>
                 <a:latin typeface="Consolas" panose="020B0609020204030204" pitchFamily="49" charset="0"/>
               </a:rPr>
-              <a:t>[</a:t>
-            </a:r>
-            <a:r>
-              <a:rPr lang="en-US" dirty="0" err="1">
+              <a:t>[ </a:t>
+            </a:r>
+            <a:r xmlns:a="http://schemas.openxmlformats.org/drawingml/2006/main">
+              <a:rPr lang="en" dirty="0" err="1">
                 <a:solidFill>
                   <a:srgbClr val="000000"/>
                 </a:solidFill>
                 <a:latin typeface="Consolas" panose="020B0609020204030204" pitchFamily="49" charset="0"/>
               </a:rPr>
-              <a:t>UnitPrice</a:t>
-            </a:r>
-            <a:r>
-              <a:rPr lang="en-US" dirty="0">
+              <a:t>UnitPrice </a:t>
+            </a:r>
+            <a:r xmlns:a="http://schemas.openxmlformats.org/drawingml/2006/main">
+              <a:rPr lang="en" dirty="0">
                 <a:solidFill>
                   <a:srgbClr val="000000"/>
                 </a:solidFill>
                 <a:latin typeface="Consolas" panose="020B0609020204030204" pitchFamily="49" charset="0"/>
               </a:rPr>
-              <a:t>]),</a:t>
-            </a:r>
-            <a:r>
-              <a:rPr lang="en-US" sz="2000" b="1" i="1" dirty="0">
+              <a:t>]), </a:t>
+            </a:r>
+            <a:r xmlns:a="http://schemas.openxmlformats.org/drawingml/2006/main">
+              <a:rPr lang="en" sz="2000" b="1" i="1" dirty="0">
                 <a:solidFill>
                   <a:srgbClr val="3165BB"/>
                 </a:solidFill>
@@ -4528,10 +4540,10 @@
                 </a:effectLst>
                 <a:latin typeface="Consolas" panose="020B0609020204030204" pitchFamily="49" charset="0"/>
               </a:rPr>
-              <a:t>USERELATIONSHIP</a:t>
-            </a:r>
-            <a:r>
-              <a:rPr lang="en-US" sz="2000" b="1" i="1" dirty="0">
+              <a:t>USERELATIONSHIP </a:t>
+            </a:r>
+            <a:r xmlns:a="http://schemas.openxmlformats.org/drawingml/2006/main">
+              <a:rPr lang="en" sz="2000" b="1" i="1" dirty="0">
                 <a:solidFill>
                   <a:srgbClr val="000000"/>
                 </a:solidFill>
@@ -4544,10 +4556,10 @@
                 </a:effectLst>
                 <a:latin typeface="Consolas" panose="020B0609020204030204" pitchFamily="49" charset="0"/>
               </a:rPr>
-              <a:t>(</a:t>
-            </a:r>
-            <a:r>
-              <a:rPr lang="en-US" sz="2000" b="1" i="1" dirty="0" err="1">
+              <a:t>( </a:t>
+            </a:r>
+            <a:r xmlns:a="http://schemas.openxmlformats.org/drawingml/2006/main">
+              <a:rPr lang="en" sz="2000" b="1" i="1" dirty="0" err="1">
                 <a:solidFill>
                   <a:srgbClr val="000000"/>
                 </a:solidFill>
@@ -4560,10 +4572,10 @@
                 </a:effectLst>
                 <a:latin typeface="Consolas" panose="020B0609020204030204" pitchFamily="49" charset="0"/>
               </a:rPr>
-              <a:t>DimDate</a:t>
-            </a:r>
-            <a:r>
-              <a:rPr lang="en-US" sz="2000" b="1" i="1" dirty="0">
+              <a:t>DimDate </a:t>
+            </a:r>
+            <a:r xmlns:a="http://schemas.openxmlformats.org/drawingml/2006/main">
+              <a:rPr lang="en" sz="2000" b="1" i="1" dirty="0">
                 <a:solidFill>
                   <a:srgbClr val="000000"/>
                 </a:solidFill>
@@ -4576,10 +4588,10 @@
                 </a:effectLst>
                 <a:latin typeface="Consolas" panose="020B0609020204030204" pitchFamily="49" charset="0"/>
               </a:rPr>
-              <a:t>[</a:t>
-            </a:r>
-            <a:r>
-              <a:rPr lang="en-US" sz="2000" b="1" i="1" dirty="0" err="1">
+              <a:t>[ </a:t>
+            </a:r>
+            <a:r xmlns:a="http://schemas.openxmlformats.org/drawingml/2006/main">
+              <a:rPr lang="en" sz="2000" b="1" i="1" dirty="0" err="1">
                 <a:solidFill>
                   <a:srgbClr val="000000"/>
                 </a:solidFill>
@@ -4592,10 +4604,10 @@
                 </a:effectLst>
                 <a:latin typeface="Consolas" panose="020B0609020204030204" pitchFamily="49" charset="0"/>
               </a:rPr>
-              <a:t>DateKey</a:t>
-            </a:r>
-            <a:r>
-              <a:rPr lang="en-US" sz="2000" b="1" i="1" dirty="0">
+              <a:t>DateKey </a:t>
+            </a:r>
+            <a:r xmlns:a="http://schemas.openxmlformats.org/drawingml/2006/main">
+              <a:rPr lang="en" sz="2000" b="1" i="1" dirty="0">
                 <a:solidFill>
                   <a:srgbClr val="000000"/>
                 </a:solidFill>
@@ -4608,10 +4620,10 @@
                 </a:effectLst>
                 <a:latin typeface="Consolas" panose="020B0609020204030204" pitchFamily="49" charset="0"/>
               </a:rPr>
-              <a:t>],</a:t>
-            </a:r>
-            <a:r>
-              <a:rPr lang="en-US" sz="2000" b="1" i="1" dirty="0" err="1">
+              <a:t>], </a:t>
+            </a:r>
+            <a:r xmlns:a="http://schemas.openxmlformats.org/drawingml/2006/main">
+              <a:rPr lang="en" sz="2000" b="1" i="1" dirty="0" err="1">
                 <a:solidFill>
                   <a:srgbClr val="000000"/>
                 </a:solidFill>
@@ -4624,10 +4636,10 @@
                 </a:effectLst>
                 <a:latin typeface="Consolas" panose="020B0609020204030204" pitchFamily="49" charset="0"/>
               </a:rPr>
-              <a:t>FactInternetSales</a:t>
-            </a:r>
-            <a:r>
-              <a:rPr lang="en-US" sz="2000" b="1" i="1" dirty="0">
+              <a:t>FactInternetSales </a:t>
+            </a:r>
+            <a:r xmlns:a="http://schemas.openxmlformats.org/drawingml/2006/main">
+              <a:rPr lang="en" sz="2000" b="1" i="1" dirty="0">
                 <a:solidFill>
                   <a:srgbClr val="000000"/>
                 </a:solidFill>
@@ -4640,10 +4652,10 @@
                 </a:effectLst>
                 <a:latin typeface="Consolas" panose="020B0609020204030204" pitchFamily="49" charset="0"/>
               </a:rPr>
-              <a:t>[</a:t>
-            </a:r>
-            <a:r>
-              <a:rPr lang="en-US" sz="2000" b="1" i="1" dirty="0" err="1">
+              <a:t>[ </a:t>
+            </a:r>
+            <a:r xmlns:a="http://schemas.openxmlformats.org/drawingml/2006/main">
+              <a:rPr lang="en" sz="2000" b="1" i="1" dirty="0" err="1">
                 <a:solidFill>
                   <a:srgbClr val="000000"/>
                 </a:solidFill>
@@ -4656,10 +4668,10 @@
                 </a:effectLst>
                 <a:latin typeface="Consolas" panose="020B0609020204030204" pitchFamily="49" charset="0"/>
               </a:rPr>
-              <a:t>DueDateKey</a:t>
-            </a:r>
-            <a:r>
-              <a:rPr lang="en-US" sz="2000" b="1" i="1" dirty="0">
+              <a:t>DueDateKey </a:t>
+            </a:r>
+            <a:r xmlns:a="http://schemas.openxmlformats.org/drawingml/2006/main">
+              <a:rPr lang="en" sz="2000" b="1" i="1" dirty="0">
                 <a:solidFill>
                   <a:srgbClr val="000000"/>
                 </a:solidFill>
@@ -4672,46 +4684,46 @@
                 </a:effectLst>
                 <a:latin typeface="Consolas" panose="020B0609020204030204" pitchFamily="49" charset="0"/>
               </a:rPr>
-              <a:t>])</a:t>
-            </a:r>
-            <a:r>
-              <a:rPr lang="en-US" dirty="0">
+              <a:t>]) </a:t>
+            </a:r>
+            <a:r xmlns:a="http://schemas.openxmlformats.org/drawingml/2006/main">
+              <a:rPr lang="en" dirty="0">
                 <a:solidFill>
                   <a:srgbClr val="000000"/>
                 </a:solidFill>
                 <a:latin typeface="Consolas" panose="020B0609020204030204" pitchFamily="49" charset="0"/>
               </a:rPr>
-              <a:t>,</a:t>
-            </a:r>
-            <a:r>
-              <a:rPr lang="en-US" dirty="0">
+              <a:t>, </a:t>
+            </a:r>
+            <a:r xmlns:a="http://schemas.openxmlformats.org/drawingml/2006/main">
+              <a:rPr lang="en" dirty="0">
                 <a:solidFill>
                   <a:srgbClr val="3165BB"/>
                 </a:solidFill>
                 <a:latin typeface="Consolas" panose="020B0609020204030204" pitchFamily="49" charset="0"/>
               </a:rPr>
-              <a:t>FILTER</a:t>
-            </a:r>
-            <a:r>
-              <a:rPr lang="en-US" dirty="0">
+              <a:t>FILTER </a:t>
+            </a:r>
+            <a:r xmlns:a="http://schemas.openxmlformats.org/drawingml/2006/main">
+              <a:rPr lang="en" dirty="0">
                 <a:solidFill>
                   <a:srgbClr val="000000"/>
                 </a:solidFill>
                 <a:latin typeface="Consolas" panose="020B0609020204030204" pitchFamily="49" charset="0"/>
               </a:rPr>
-              <a:t>(</a:t>
-            </a:r>
-            <a:r>
-              <a:rPr lang="en-US" dirty="0" err="1">
+              <a:t>( </a:t>
+            </a:r>
+            <a:r xmlns:a="http://schemas.openxmlformats.org/drawingml/2006/main">
+              <a:rPr lang="en" dirty="0" err="1">
                 <a:solidFill>
                   <a:srgbClr val="000000"/>
                 </a:solidFill>
                 <a:latin typeface="Consolas" panose="020B0609020204030204" pitchFamily="49" charset="0"/>
               </a:rPr>
-              <a:t>DimDate</a:t>
-            </a:r>
-            <a:r>
-              <a:rPr lang="en-US" dirty="0">
+              <a:t>DimDate </a:t>
+            </a:r>
+            <a:r xmlns:a="http://schemas.openxmlformats.org/drawingml/2006/main">
+              <a:rPr lang="en" dirty="0">
                 <a:solidFill>
                   <a:srgbClr val="000000"/>
                 </a:solidFill>
@@ -4719,53 +4731,53 @@
               </a:rPr>
               <a:t>, </a:t>
             </a:r>
-            <a:r>
-              <a:rPr lang="en-US" dirty="0" err="1">
+            <a:r xmlns:a="http://schemas.openxmlformats.org/drawingml/2006/main">
+              <a:rPr lang="en" dirty="0" err="1">
                 <a:solidFill>
                   <a:srgbClr val="000000"/>
                 </a:solidFill>
                 <a:latin typeface="Consolas" panose="020B0609020204030204" pitchFamily="49" charset="0"/>
               </a:rPr>
-              <a:t>DimDate</a:t>
-            </a:r>
-            <a:r>
-              <a:rPr lang="en-US" dirty="0">
+              <a:t>DimDate </a:t>
+            </a:r>
+            <a:r xmlns:a="http://schemas.openxmlformats.org/drawingml/2006/main">
+              <a:rPr lang="en" dirty="0">
                 <a:solidFill>
                   <a:srgbClr val="000000"/>
                 </a:solidFill>
                 <a:latin typeface="Consolas" panose="020B0609020204030204" pitchFamily="49" charset="0"/>
               </a:rPr>
-              <a:t>[</a:t>
-            </a:r>
-            <a:r>
-              <a:rPr lang="en-US" dirty="0" err="1">
+              <a:t>[ </a:t>
+            </a:r>
+            <a:r xmlns:a="http://schemas.openxmlformats.org/drawingml/2006/main">
+              <a:rPr lang="en" dirty="0" err="1">
                 <a:solidFill>
                   <a:srgbClr val="000000"/>
                 </a:solidFill>
                 <a:latin typeface="Consolas" panose="020B0609020204030204" pitchFamily="49" charset="0"/>
               </a:rPr>
-              <a:t>CalendarQuarter</a:t>
-            </a:r>
-            <a:r>
-              <a:rPr lang="en-US" dirty="0">
+              <a:t>CalendarQuarter </a:t>
+            </a:r>
+            <a:r xmlns:a="http://schemas.openxmlformats.org/drawingml/2006/main">
+              <a:rPr lang="en" dirty="0">
                 <a:solidFill>
                   <a:srgbClr val="000000"/>
                 </a:solidFill>
                 <a:latin typeface="Consolas" panose="020B0609020204030204" pitchFamily="49" charset="0"/>
               </a:rPr>
-              <a:t>]=</a:t>
-            </a:r>
-            <a:r>
-              <a:rPr lang="en-US" dirty="0">
+              <a:t>] = </a:t>
+            </a:r>
+            <a:r xmlns:a="http://schemas.openxmlformats.org/drawingml/2006/main">
+              <a:rPr lang="en" dirty="0">
                 <a:solidFill>
                   <a:srgbClr val="098658"/>
                 </a:solidFill>
                 <a:latin typeface="Consolas" panose="020B0609020204030204" pitchFamily="49" charset="0"/>
               </a:rPr>
-              <a:t>1</a:t>
-            </a:r>
-            <a:r>
-              <a:rPr lang="en-US" dirty="0">
+              <a:t>1 </a:t>
+            </a:r>
+            <a:r xmlns:a="http://schemas.openxmlformats.org/drawingml/2006/main">
+              <a:rPr lang="en" dirty="0">
                 <a:solidFill>
                   <a:srgbClr val="000000"/>
                 </a:solidFill>
@@ -4773,13 +4785,471 @@
               </a:rPr>
               <a:t>))</a:t>
             </a:r>
-            <a:endParaRPr lang="en-US" b="0" dirty="0">
+            <a:endParaRPr xmlns:a="http://schemas.openxmlformats.org/drawingml/2006/main" lang="en-US" b="0" dirty="0">
               <a:solidFill>
                 <a:srgbClr val="000000"/>
               </a:solidFill>
               <a:effectLst/>
               <a:latin typeface="Consolas" panose="020B0609020204030204" pitchFamily="49" charset="0"/>
             </a:endParaRPr>
+          </a:p>
+        </p:txBody>
+      </p:sp>
+      <p:sp>
+        <p:nvSpPr>
+          <p:cNvPr id="5" name="Rectangle 4"/>
+          <p:cNvSpPr/>
+          <p:nvPr/>
+        </p:nvSpPr>
+        <p:spPr>
+          <a:xfrm>
+            <a:off x="387377" y="737752"/>
+            <a:ext cx="10701867" cy="646331"/>
+          </a:xfrm>
+          <a:prstGeom prst="rect">
+            <a:avLst/>
+          </a:prstGeom>
+        </p:spPr>
+        <p:txBody>
+          <a:bodyPr wrap="square">
+            <a:spAutoFit/>
+          </a:bodyPr>
+          <a:lstStyle/>
+          <a:p>
+            <a:r xmlns:a="http://schemas.openxmlformats.org/drawingml/2006/main">
+              <a:rPr lang="en" dirty="0"/>
+              <a:t>Start by creating a measure that returns the sum of sales for the first half of the year in the </a:t>
+            </a:r>
+            <a:r xmlns:a="http://schemas.openxmlformats.org/drawingml/2006/main">
+              <a:rPr lang="en" b="1" dirty="0" err="1"/>
+              <a:t>FactInternetSales table </a:t>
+            </a:r>
+            <a:r xmlns:a="http://schemas.openxmlformats.org/drawingml/2006/main">
+              <a:rPr lang="en" dirty="0"/>
+              <a:t>.</a:t>
+            </a:r>
+            <a:endParaRPr xmlns:a="http://schemas.openxmlformats.org/drawingml/2006/main" lang="en-US" dirty="0"/>
+          </a:p>
+        </p:txBody>
+      </p:sp>
+      <p:sp>
+        <p:nvSpPr>
+          <p:cNvPr id="6" name="Rectangle 1"/>
+          <p:cNvSpPr>
+            <a:spLocks noChangeArrowheads="1"/>
+          </p:cNvSpPr>
+          <p:nvPr/>
+        </p:nvSpPr>
+        <p:spPr bwMode="auto">
+          <a:xfrm>
+            <a:off x="387377" y="2855393"/>
+            <a:ext cx="10899330" cy="707886"/>
+          </a:xfrm>
+          <a:prstGeom prst="rect">
+            <a:avLst/>
+          </a:prstGeom>
+          <a:noFill/>
+          <a:ln>
+            <a:noFill/>
+          </a:ln>
+          <a:effectLst/>
+          <a:extLst>
+            <a:ext uri="{909E8E84-426E-40DD-AFC4-6F175D3DCCD1}">
+              <a14:hiddenFill xmlns:a14="http://schemas.microsoft.com/office/drawing/2010/main">
+                <a:solidFill>
+                  <a:schemeClr val="accent1"/>
+                </a:solidFill>
+              </a14:hiddenFill>
+            </a:ext>
+            <a:ext uri="{91240B29-F687-4F45-9708-019B960494DF}">
+              <a14:hiddenLine xmlns:a14="http://schemas.microsoft.com/office/drawing/2010/main" w="9525">
+                <a:solidFill>
+                  <a:schemeClr val="tx1"/>
+                </a:solidFill>
+                <a:miter lim="800000"/>
+                <a:headEnd/>
+                <a:tailEnd/>
+              </a14:hiddenLine>
+            </a:ext>
+            <a:ext uri="{AF507438-7753-43E0-B8FC-AC1667EBCBE1}">
+              <a14:hiddenEffects xmlns:a14="http://schemas.microsoft.com/office/drawing/2010/main">
+                <a:effectLst>
+                  <a:outerShdw dist="35921" dir="2700000" algn="ctr" rotWithShape="0">
+                    <a:schemeClr val="bg2"/>
+                  </a:outerShdw>
+                </a:effectLst>
+              </a14:hiddenEffects>
+            </a:ext>
+          </a:extLst>
+        </p:spPr>
+        <p:txBody>
+          <a:bodyPr vert="horz" wrap="none" lIns="91440" tIns="45720" rIns="91440" bIns="45720" numCol="1" anchor="ctr" anchorCtr="0" compatLnSpc="1">
+            <a:prstTxWarp prst="textNoShape">
+              <a:avLst/>
+            </a:prstTxWarp>
+            <a:spAutoFit/>
+          </a:bodyPr>
+          <a:lstStyle/>
+          <a:p>
+            <a:pPr xmlns:a="http://schemas.openxmlformats.org/drawingml/2006/main" marL="0" marR="0" lvl="0" indent="0" algn="l" defTabSz="914400" rtl="0" eaLnBrk="0" fontAlgn="base" latinLnBrk="0" hangingPunct="0">
+              <a:lnSpc>
+                <a:spcPct val="100000"/>
+              </a:lnSpc>
+              <a:spcBef>
+                <a:spcPct val="0"/>
+              </a:spcBef>
+              <a:spcAft>
+                <a:spcPct val="0"/>
+              </a:spcAft>
+              <a:buClrTx/>
+              <a:buSzTx/>
+              <a:buFontTx/>
+              <a:buNone/>
+              <a:tabLst/>
+            </a:pPr>
+            <a:r xmlns:a="http://schemas.openxmlformats.org/drawingml/2006/main">
+              <a:rPr kumimoji="0" lang="en" altLang="en-US" sz="2000" b="0" i="0" u="none" strike="noStrike" cap="none" normalizeH="0" baseline="0" dirty="0" err="1" smtClean="0">
+                <a:ln>
+                  <a:noFill/>
+                </a:ln>
+                <a:solidFill>
+                  <a:schemeClr val="tx1"/>
+                </a:solidFill>
+                <a:effectLst/>
+                <a:latin typeface="Calibri "/>
+              </a:rPr>
+              <a:t>Use </a:t>
+            </a:r>
+            <a:r xmlns:a="http://schemas.openxmlformats.org/drawingml/2006/main">
+              <a:rPr kumimoji="0" lang="en" altLang="en-US" sz="2000" b="0" i="0" u="none" strike="noStrike" cap="none" normalizeH="0" baseline="0" dirty="0" smtClean="0">
+                <a:ln>
+                  <a:noFill/>
+                </a:ln>
+                <a:solidFill>
+                  <a:schemeClr val="tx1"/>
+                </a:solidFill>
+                <a:effectLst/>
+                <a:latin typeface="Calibri "/>
+              </a:rPr>
+              <a:t>the </a:t>
+            </a:r>
+            <a:r xmlns:a="http://schemas.openxmlformats.org/drawingml/2006/main">
+              <a:rPr kumimoji="0" lang="en" altLang="en-US" sz="2000" b="0" i="0" u="none" strike="noStrike" cap="none" normalizeH="0" baseline="0" dirty="0" err="1" smtClean="0">
+                <a:ln>
+                  <a:noFill/>
+                </a:ln>
+                <a:solidFill>
+                  <a:schemeClr val="tx1"/>
+                </a:solidFill>
+                <a:effectLst/>
+                <a:latin typeface="Calibri "/>
+              </a:rPr>
+              <a:t>function</a:t>
+            </a:r>
+            <a:r xmlns:a="http://schemas.openxmlformats.org/drawingml/2006/main">
+              <a:rPr kumimoji="0" lang="en" altLang="en-US" sz="2000" b="0" i="0" u="none" strike="noStrike" cap="none" normalizeH="0" baseline="0" dirty="0" smtClean="0">
+                <a:ln>
+                  <a:noFill/>
+                </a:ln>
+                <a:solidFill>
+                  <a:schemeClr val="tx1"/>
+                </a:solidFill>
+                <a:effectLst/>
+                <a:latin typeface="Calibri "/>
+              </a:rPr>
+              <a:t> </a:t>
+            </a:r>
+            <a:r xmlns:a="http://schemas.openxmlformats.org/drawingml/2006/main">
+              <a:rPr kumimoji="0" lang="en" altLang="en-US" sz="2000" b="1" i="0" u="none" strike="noStrike" cap="none" normalizeH="0" baseline="0" dirty="0" smtClean="0">
+                <a:ln>
+                  <a:noFill/>
+                </a:ln>
+                <a:solidFill>
+                  <a:schemeClr val="tx1"/>
+                </a:solidFill>
+                <a:effectLst/>
+                <a:latin typeface="Calibri "/>
+              </a:rPr>
+              <a:t>USERELATIONSHIP </a:t>
+            </a:r>
+            <a:r xmlns:a="http://schemas.openxmlformats.org/drawingml/2006/main">
+              <a:rPr kumimoji="0" lang="en" altLang="en-US" sz="2000" b="0" i="0" u="none" strike="noStrike" cap="none" normalizeH="0" baseline="0" dirty="0" smtClean="0">
+                <a:ln>
+                  <a:noFill/>
+                </a:ln>
+                <a:solidFill>
+                  <a:schemeClr val="tx1"/>
+                </a:solidFill>
+                <a:effectLst/>
+                <a:latin typeface="Calibri "/>
+              </a:rPr>
+              <a:t>to force the </a:t>
+            </a:r>
+            <a:r xmlns:a="http://schemas.openxmlformats.org/drawingml/2006/main">
+              <a:rPr kumimoji="0" lang="en" altLang="en-US" sz="2000" b="0" i="0" u="none" strike="noStrike" cap="none" normalizeH="0" baseline="0" dirty="0" err="1" smtClean="0">
+                <a:ln>
+                  <a:noFill/>
+                </a:ln>
+                <a:solidFill>
+                  <a:schemeClr val="tx1"/>
+                </a:solidFill>
+                <a:effectLst/>
+                <a:latin typeface="Calibri "/>
+              </a:rPr>
+              <a:t>calculation </a:t>
+            </a:r>
+            <a:r xmlns:a="http://schemas.openxmlformats.org/drawingml/2006/main">
+              <a:rPr kumimoji="0" lang="en" altLang="en-US" sz="2000" b="0" i="0" u="none" strike="noStrike" cap="none" normalizeH="0" baseline="0" dirty="0" smtClean="0">
+                <a:ln>
+                  <a:noFill/>
+                </a:ln>
+                <a:solidFill>
+                  <a:schemeClr val="tx1"/>
+                </a:solidFill>
+                <a:effectLst/>
+                <a:latin typeface="Calibri "/>
+              </a:rPr>
+              <a:t>to go through </a:t>
+            </a:r>
+            <a:r xmlns:a="http://schemas.openxmlformats.org/drawingml/2006/main">
+              <a:rPr kumimoji="0" lang="en" altLang="en-US" sz="2000" b="1" i="0" u="none" strike="noStrike" cap="none" normalizeH="0" baseline="0" dirty="0" err="1" smtClean="0">
+                <a:ln>
+                  <a:noFill/>
+                </a:ln>
+                <a:solidFill>
+                  <a:schemeClr val="tx1"/>
+                </a:solidFill>
+                <a:effectLst/>
+                <a:latin typeface="Calibri "/>
+              </a:rPr>
+              <a:t>DueDateKey </a:t>
+            </a:r>
+            <a:r xmlns:a="http://schemas.openxmlformats.org/drawingml/2006/main">
+              <a:rPr kumimoji="0" lang="en" altLang="en-US" sz="2000" b="0" i="0" u="none" strike="noStrike" cap="none" normalizeH="0" baseline="0" dirty="0" smtClean="0">
+                <a:ln>
+                  <a:noFill/>
+                </a:ln>
+                <a:solidFill>
+                  <a:schemeClr val="tx1"/>
+                </a:solidFill>
+                <a:effectLst/>
+                <a:latin typeface="Calibri "/>
+              </a:rPr>
+              <a:t>instead</a:t>
+            </a:r>
+          </a:p>
+          <a:p>
+            <a:pPr xmlns:a="http://schemas.openxmlformats.org/drawingml/2006/main" marL="0" marR="0" lvl="0" indent="0" algn="l" defTabSz="914400" rtl="0" eaLnBrk="0" fontAlgn="base" latinLnBrk="0" hangingPunct="0">
+              <a:lnSpc>
+                <a:spcPct val="100000"/>
+              </a:lnSpc>
+              <a:spcBef>
+                <a:spcPct val="0"/>
+              </a:spcBef>
+              <a:spcAft>
+                <a:spcPct val="0"/>
+              </a:spcAft>
+              <a:buClrTx/>
+              <a:buSzTx/>
+              <a:buFontTx/>
+              <a:buNone/>
+              <a:tabLst/>
+            </a:pPr>
+            <a:r xmlns:a="http://schemas.openxmlformats.org/drawingml/2006/main">
+              <a:rPr kumimoji="0" lang="en" altLang="en-US" sz="2000" b="0" i="0" u="none" strike="noStrike" cap="none" normalizeH="0" baseline="0" dirty="0" smtClean="0">
+                <a:ln>
+                  <a:noFill/>
+                </a:ln>
+                <a:solidFill>
+                  <a:schemeClr val="tx1"/>
+                </a:solidFill>
+                <a:effectLst/>
+                <a:latin typeface="Calibri "/>
+              </a:rPr>
+              <a:t>from </a:t>
+            </a:r>
+            <a:r xmlns:a="http://schemas.openxmlformats.org/drawingml/2006/main">
+              <a:rPr kumimoji="0" lang="en" altLang="en-US" sz="2000" b="1" i="0" u="none" strike="noStrike" cap="none" normalizeH="0" baseline="0" dirty="0" err="1" smtClean="0">
+                <a:ln>
+                  <a:noFill/>
+                </a:ln>
+                <a:solidFill>
+                  <a:schemeClr val="tx1"/>
+                </a:solidFill>
+                <a:effectLst/>
+                <a:latin typeface="Calibri "/>
+              </a:rPr>
+              <a:t>DateKey</a:t>
+            </a:r>
+            <a:r xmlns:a="http://schemas.openxmlformats.org/drawingml/2006/main">
+              <a:rPr kumimoji="0" lang="en" altLang="en-US" sz="2000" b="0" i="0" u="none" strike="noStrike" cap="none" normalizeH="0" baseline="0" dirty="0" smtClean="0">
+                <a:ln>
+                  <a:noFill/>
+                </a:ln>
+                <a:solidFill>
+                  <a:schemeClr val="tx1"/>
+                </a:solidFill>
+                <a:effectLst/>
+                <a:latin typeface="Calibri "/>
+              </a:rPr>
+              <a:t> </a:t>
+            </a:r>
+            <a:r xmlns:a="http://schemas.openxmlformats.org/drawingml/2006/main">
+              <a:rPr kumimoji="0" lang="en" altLang="en-US" sz="2000" b="0" i="0" u="none" strike="noStrike" cap="none" normalizeH="0" baseline="0" dirty="0" err="1" smtClean="0">
+                <a:ln>
+                  <a:noFill/>
+                </a:ln>
+                <a:solidFill>
+                  <a:schemeClr val="tx1"/>
+                </a:solidFill>
+                <a:effectLst/>
+                <a:latin typeface="Calibri "/>
+              </a:rPr>
+              <a:t>in</a:t>
+            </a:r>
+            <a:r xmlns:a="http://schemas.openxmlformats.org/drawingml/2006/main">
+              <a:rPr kumimoji="0" lang="en" altLang="en-US" sz="2000" b="0" i="0" u="none" strike="noStrike" cap="none" normalizeH="0" baseline="0" dirty="0" smtClean="0">
+                <a:ln>
+                  <a:noFill/>
+                </a:ln>
+                <a:solidFill>
+                  <a:schemeClr val="tx1"/>
+                </a:solidFill>
+                <a:effectLst/>
+                <a:latin typeface="Calibri "/>
+              </a:rPr>
+              <a:t> </a:t>
+            </a:r>
+            <a:r xmlns:a="http://schemas.openxmlformats.org/drawingml/2006/main">
+              <a:rPr kumimoji="0" lang="en" altLang="en-US" sz="2000" b="0" i="0" u="none" strike="noStrike" cap="none" normalizeH="0" baseline="0" dirty="0" err="1" smtClean="0">
+                <a:ln>
+                  <a:noFill/>
+                </a:ln>
+                <a:solidFill>
+                  <a:schemeClr val="tx1"/>
+                </a:solidFill>
+                <a:effectLst/>
+                <a:latin typeface="Calibri "/>
+              </a:rPr>
+              <a:t>creating </a:t>
+            </a:r>
+            <a:r xmlns:a="http://schemas.openxmlformats.org/drawingml/2006/main">
+              <a:rPr kumimoji="0" lang="en" altLang="en-US" sz="2000" b="0" i="0" u="none" strike="noStrike" cap="none" normalizeH="0" baseline="0" dirty="0" smtClean="0">
+                <a:ln>
+                  <a:noFill/>
+                </a:ln>
+                <a:solidFill>
+                  <a:schemeClr val="tx1"/>
+                </a:solidFill>
+                <a:effectLst/>
+                <a:latin typeface="Calibri "/>
+              </a:rPr>
+              <a:t>the relationship between </a:t>
+            </a:r>
+            <a:r xmlns:a="http://schemas.openxmlformats.org/drawingml/2006/main">
+              <a:rPr kumimoji="0" lang="en" altLang="en-US" sz="2000" b="1" i="0" u="none" strike="noStrike" cap="none" normalizeH="0" baseline="0" dirty="0" err="1" smtClean="0">
+                <a:ln>
+                  <a:noFill/>
+                </a:ln>
+                <a:solidFill>
+                  <a:schemeClr val="tx1"/>
+                </a:solidFill>
+                <a:effectLst/>
+                <a:latin typeface="Calibri "/>
+              </a:rPr>
+              <a:t>DimDate</a:t>
+            </a:r>
+            <a:r xmlns:a="http://schemas.openxmlformats.org/drawingml/2006/main">
+              <a:rPr kumimoji="0" lang="en" altLang="en-US" sz="2000" b="0" i="0" u="none" strike="noStrike" cap="none" normalizeH="0" baseline="0" dirty="0" smtClean="0">
+                <a:ln>
+                  <a:noFill/>
+                </a:ln>
+                <a:solidFill>
+                  <a:schemeClr val="tx1"/>
+                </a:solidFill>
+                <a:effectLst/>
+                <a:latin typeface="Calibri "/>
+              </a:rPr>
+              <a:t> </a:t>
+            </a:r>
+            <a:r xmlns:a="http://schemas.openxmlformats.org/drawingml/2006/main">
+              <a:rPr kumimoji="0" lang="en" altLang="en-US" sz="2000" b="0" i="0" u="none" strike="noStrike" cap="none" normalizeH="0" baseline="0" dirty="0" err="1" smtClean="0">
+                <a:ln>
+                  <a:noFill/>
+                </a:ln>
+                <a:solidFill>
+                  <a:schemeClr val="tx1"/>
+                </a:solidFill>
+                <a:effectLst/>
+                <a:latin typeface="Calibri "/>
+              </a:rPr>
+              <a:t>on the one </a:t>
+            </a:r>
+            <a:r xmlns:a="http://schemas.openxmlformats.org/drawingml/2006/main">
+              <a:rPr kumimoji="0" lang="en" altLang="en-US" sz="2000" b="0" i="0" u="none" strike="noStrike" cap="none" normalizeH="0" baseline="0" dirty="0" smtClean="0">
+                <a:ln>
+                  <a:noFill/>
+                </a:ln>
+                <a:solidFill>
+                  <a:schemeClr val="tx1"/>
+                </a:solidFill>
+                <a:effectLst/>
+                <a:latin typeface="Calibri "/>
+              </a:rPr>
+              <a:t>hand and </a:t>
+            </a:r>
+            <a:r xmlns:a="http://schemas.openxmlformats.org/drawingml/2006/main">
+              <a:rPr kumimoji="0" lang="en" altLang="en-US" sz="2000" b="1" i="0" u="none" strike="noStrike" cap="none" normalizeH="0" baseline="0" dirty="0" err="1" smtClean="0">
+                <a:ln>
+                  <a:noFill/>
+                </a:ln>
+                <a:solidFill>
+                  <a:schemeClr val="tx1"/>
+                </a:solidFill>
+                <a:effectLst/>
+                <a:latin typeface="Calibri "/>
+              </a:rPr>
+              <a:t>FactInternetSales</a:t>
+            </a:r>
+            <a:r xmlns:a="http://schemas.openxmlformats.org/drawingml/2006/main">
+              <a:rPr kumimoji="0" lang="en" altLang="en-US" sz="2000" b="0" i="0" u="none" strike="noStrike" cap="none" normalizeH="0" baseline="0" dirty="0" smtClean="0">
+                <a:ln>
+                  <a:noFill/>
+                </a:ln>
+                <a:solidFill>
+                  <a:schemeClr val="tx1"/>
+                </a:solidFill>
+                <a:effectLst/>
+                <a:latin typeface="Calibri "/>
+              </a:rPr>
+              <a:t> </a:t>
+            </a:r>
+            <a:r xmlns:a="http://schemas.openxmlformats.org/drawingml/2006/main">
+              <a:rPr kumimoji="0" lang="en" altLang="en-US" sz="2000" b="0" i="0" u="none" strike="noStrike" cap="none" normalizeH="0" baseline="0" dirty="0" err="1" smtClean="0">
+                <a:ln>
+                  <a:noFill/>
+                </a:ln>
+                <a:solidFill>
+                  <a:schemeClr val="tx1"/>
+                </a:solidFill>
+                <a:effectLst/>
+                <a:latin typeface="Calibri "/>
+              </a:rPr>
+              <a:t>on the other </a:t>
+            </a:r>
+            <a:r xmlns:a="http://schemas.openxmlformats.org/drawingml/2006/main">
+              <a:rPr kumimoji="0" lang="en" altLang="en-US" sz="2000" b="0" i="0" u="none" strike="noStrike" cap="none" normalizeH="0" baseline="0" dirty="0" smtClean="0">
+                <a:ln>
+                  <a:noFill/>
+                </a:ln>
+                <a:solidFill>
+                  <a:schemeClr val="tx1"/>
+                </a:solidFill>
+                <a:effectLst/>
+                <a:latin typeface="Calibri "/>
+              </a:rPr>
+              <a:t>hand.</a:t>
+            </a:r>
           </a:p>
         </p:txBody>
       </p:sp>
@@ -4822,7 +5292,7 @@
         <p:spPr>
           <a:xfrm>
             <a:off x="309383" y="261257"/>
-            <a:ext cx="2385012" cy="461665"/>
+            <a:ext cx="2541401" cy="461665"/>
           </a:xfrm>
           <a:prstGeom prst="rect">
             <a:avLst/>
@@ -4835,156 +5305,16 @@
           </a:bodyPr>
           <a:lstStyle/>
           <a:p>
-            <a:r>
-              <a:rPr lang="en-US" sz="2400" dirty="0" smtClean="0">
+            <a:r xmlns:a="http://schemas.openxmlformats.org/drawingml/2006/main">
+              <a:rPr lang="en" sz="2400" b="1" dirty="0" smtClean="0">
                 <a:latin typeface="Segoe UI" panose="020B0502040204020203" pitchFamily="34" charset="0"/>
                 <a:cs typeface="Segoe UI" panose="020B0502040204020203" pitchFamily="34" charset="0"/>
               </a:rPr>
               <a:t>UseRelationShip</a:t>
             </a:r>
-            <a:endParaRPr lang="en-US" sz="2400" dirty="0">
+            <a:endParaRPr xmlns:a="http://schemas.openxmlformats.org/drawingml/2006/main" lang="en-US" sz="2400" b="1" dirty="0">
               <a:latin typeface="Segoe UI" panose="020B0502040204020203" pitchFamily="34" charset="0"/>
               <a:cs typeface="Segoe UI" panose="020B0502040204020203" pitchFamily="34" charset="0"/>
-            </a:endParaRPr>
-          </a:p>
-        </p:txBody>
-      </p:sp>
-      <p:sp>
-        <p:nvSpPr>
-          <p:cNvPr id="5" name="Rectangle 4"/>
-          <p:cNvSpPr/>
-          <p:nvPr/>
-        </p:nvSpPr>
-        <p:spPr>
-          <a:xfrm>
-            <a:off x="309383" y="812300"/>
-            <a:ext cx="11715321" cy="373692"/>
-          </a:xfrm>
-          <a:prstGeom prst="rect">
-            <a:avLst/>
-          </a:prstGeom>
-        </p:spPr>
-        <p:txBody>
-          <a:bodyPr wrap="square">
-            <a:spAutoFit/>
-          </a:bodyPr>
-          <a:lstStyle/>
-          <a:p>
-            <a:pPr lvl="0">
-              <a:lnSpc>
-                <a:spcPct val="107000"/>
-              </a:lnSpc>
-              <a:spcAft>
-                <a:spcPts val="800"/>
-              </a:spcAft>
-            </a:pPr>
-            <a:r>
-              <a:rPr lang="en-US" dirty="0" smtClean="0">
-                <a:latin typeface="Segoe UI" panose="020B0502040204020203" pitchFamily="34" charset="0"/>
-                <a:ea typeface="Calibri" panose="020F0502020204030204" pitchFamily="34" charset="0"/>
-                <a:cs typeface="Times New Roman" panose="02020603050405020304" pitchFamily="18" charset="0"/>
-              </a:rPr>
-              <a:t>Repeat the previous step replacing </a:t>
-            </a:r>
-            <a:r>
-              <a:rPr lang="en-US" b="1" dirty="0" err="1" smtClean="0">
-                <a:latin typeface="Segoe UI" panose="020B0502040204020203" pitchFamily="34" charset="0"/>
-                <a:ea typeface="Calibri" panose="020F0502020204030204" pitchFamily="34" charset="0"/>
-                <a:cs typeface="Times New Roman" panose="02020603050405020304" pitchFamily="18" charset="0"/>
-              </a:rPr>
-              <a:t>DueDateKey</a:t>
-            </a:r>
-            <a:r>
-              <a:rPr lang="en-US" b="1" dirty="0" smtClean="0">
-                <a:latin typeface="Segoe UI" panose="020B0502040204020203" pitchFamily="34" charset="0"/>
-                <a:ea typeface="Calibri" panose="020F0502020204030204" pitchFamily="34" charset="0"/>
-                <a:cs typeface="Times New Roman" panose="02020603050405020304" pitchFamily="18" charset="0"/>
-              </a:rPr>
-              <a:t> </a:t>
-            </a:r>
-            <a:r>
-              <a:rPr lang="en-US" dirty="0" smtClean="0">
-                <a:latin typeface="Segoe UI" panose="020B0502040204020203" pitchFamily="34" charset="0"/>
-                <a:ea typeface="Calibri" panose="020F0502020204030204" pitchFamily="34" charset="0"/>
-                <a:cs typeface="Times New Roman" panose="02020603050405020304" pitchFamily="18" charset="0"/>
-              </a:rPr>
-              <a:t>with </a:t>
-            </a:r>
-            <a:r>
-              <a:rPr lang="en-US" b="1" dirty="0" err="1" smtClean="0">
-                <a:latin typeface="Segoe UI" panose="020B0502040204020203" pitchFamily="34" charset="0"/>
-                <a:ea typeface="Calibri" panose="020F0502020204030204" pitchFamily="34" charset="0"/>
-                <a:cs typeface="Times New Roman" panose="02020603050405020304" pitchFamily="18" charset="0"/>
-              </a:rPr>
-              <a:t>ShipDateKey</a:t>
-            </a:r>
-            <a:r>
-              <a:rPr lang="en-US" b="1" dirty="0" smtClean="0">
-                <a:latin typeface="Segoe UI" panose="020B0502040204020203" pitchFamily="34" charset="0"/>
-                <a:ea typeface="Calibri" panose="020F0502020204030204" pitchFamily="34" charset="0"/>
-                <a:cs typeface="Times New Roman" panose="02020603050405020304" pitchFamily="18" charset="0"/>
-              </a:rPr>
-              <a:t> </a:t>
-            </a:r>
-            <a:r>
-              <a:rPr lang="en-US" dirty="0" smtClean="0">
-                <a:latin typeface="Segoe UI" panose="020B0502040204020203" pitchFamily="34" charset="0"/>
-                <a:ea typeface="Calibri" panose="020F0502020204030204" pitchFamily="34" charset="0"/>
-                <a:cs typeface="Times New Roman" panose="02020603050405020304" pitchFamily="18" charset="0"/>
-              </a:rPr>
-              <a:t>which also represents an inactive relationship</a:t>
-            </a:r>
-            <a:endParaRPr lang="en-US" sz="1400" dirty="0">
-              <a:effectLst/>
-              <a:latin typeface="Calibri" panose="020F0502020204030204" pitchFamily="34" charset="0"/>
-              <a:ea typeface="Calibri" panose="020F0502020204030204" pitchFamily="34" charset="0"/>
-              <a:cs typeface="Times New Roman" panose="02020603050405020304" pitchFamily="18" charset="0"/>
-            </a:endParaRPr>
-          </a:p>
-        </p:txBody>
-      </p:sp>
-      <p:sp>
-        <p:nvSpPr>
-          <p:cNvPr id="6" name="Rectangle 5"/>
-          <p:cNvSpPr/>
-          <p:nvPr/>
-        </p:nvSpPr>
-        <p:spPr>
-          <a:xfrm>
-            <a:off x="309383" y="3024595"/>
-            <a:ext cx="7986676" cy="373692"/>
-          </a:xfrm>
-          <a:prstGeom prst="rect">
-            <a:avLst/>
-          </a:prstGeom>
-        </p:spPr>
-        <p:txBody>
-          <a:bodyPr wrap="square">
-            <a:spAutoFit/>
-          </a:bodyPr>
-          <a:lstStyle/>
-          <a:p>
-            <a:pPr lvl="0">
-              <a:lnSpc>
-                <a:spcPct val="107000"/>
-              </a:lnSpc>
-              <a:spcAft>
-                <a:spcPts val="800"/>
-              </a:spcAft>
-            </a:pPr>
-            <a:r>
-              <a:rPr lang="en-US" dirty="0" smtClean="0">
-                <a:latin typeface="Segoe UI" panose="020B0502040204020203" pitchFamily="34" charset="0"/>
-                <a:ea typeface="Calibri" panose="020F0502020204030204" pitchFamily="34" charset="0"/>
-                <a:cs typeface="Times New Roman" panose="02020603050405020304" pitchFamily="18" charset="0"/>
-              </a:rPr>
-              <a:t>Put the three measurements next to each other and try to compare them.</a:t>
-            </a:r>
-            <a:endParaRPr lang="en-US" sz="1400" dirty="0">
-              <a:effectLst/>
-              <a:latin typeface="Calibri" panose="020F0502020204030204" pitchFamily="34" charset="0"/>
-              <a:ea typeface="Calibri" panose="020F0502020204030204" pitchFamily="34" charset="0"/>
-              <a:cs typeface="Times New Roman" panose="02020603050405020304" pitchFamily="18" charset="0"/>
             </a:endParaRPr>
           </a:p>
         </p:txBody>
@@ -5049,8 +5379,8 @@
           </a:bodyPr>
           <a:lstStyle/>
           <a:p>
-            <a:r>
-              <a:rPr lang="en-US" dirty="0">
+            <a:r xmlns:a="http://schemas.openxmlformats.org/drawingml/2006/main">
+              <a:rPr lang="en" dirty="0">
                 <a:solidFill>
                   <a:srgbClr val="000000"/>
                 </a:solidFill>
@@ -5058,8 +5388,8 @@
               </a:rPr>
               <a:t>Sales First </a:t>
             </a:r>
-            <a:r>
-              <a:rPr lang="en-US" dirty="0">
+            <a:r xmlns:a="http://schemas.openxmlformats.org/drawingml/2006/main">
+              <a:rPr lang="en" dirty="0">
                 <a:solidFill>
                   <a:srgbClr val="3165BB"/>
                 </a:solidFill>
@@ -5067,8 +5397,8 @@
               </a:rPr>
               <a:t>Quarter</a:t>
             </a:r>
-            <a:r>
-              <a:rPr lang="en-US" dirty="0">
+            <a:r xmlns:a="http://schemas.openxmlformats.org/drawingml/2006/main">
+              <a:rPr lang="en" dirty="0">
                 <a:solidFill>
                   <a:srgbClr val="000000"/>
                 </a:solidFill>
@@ -5076,8 +5406,8 @@
               </a:rPr>
               <a:t> </a:t>
             </a:r>
-            <a:r>
-              <a:rPr lang="en-US" dirty="0" smtClean="0">
+            <a:r xmlns:a="http://schemas.openxmlformats.org/drawingml/2006/main">
+              <a:rPr lang="en" dirty="0" smtClean="0">
                 <a:solidFill>
                   <a:srgbClr val="000000"/>
                 </a:solidFill>
@@ -5085,8 +5415,8 @@
               </a:rPr>
               <a:t>(Ship </a:t>
             </a:r>
-            <a:r>
-              <a:rPr lang="en-US" dirty="0">
+            <a:r xmlns:a="http://schemas.openxmlformats.org/drawingml/2006/main">
+              <a:rPr lang="en" dirty="0">
                 <a:solidFill>
                   <a:srgbClr val="000000"/>
                 </a:solidFill>
@@ -5094,116 +5424,116 @@
               </a:rPr>
               <a:t>Date) = </a:t>
             </a:r>
-            <a:r>
-              <a:rPr lang="en-US" dirty="0">
+            <a:r xmlns:a="http://schemas.openxmlformats.org/drawingml/2006/main">
+              <a:rPr lang="en" dirty="0">
                 <a:solidFill>
                   <a:srgbClr val="3165BB"/>
                 </a:solidFill>
                 <a:latin typeface="Consolas" panose="020B0609020204030204" pitchFamily="49" charset="0"/>
               </a:rPr>
-              <a:t>CALCULATE</a:t>
-            </a:r>
-            <a:r>
-              <a:rPr lang="en-US" dirty="0">
+              <a:t>CALCULATE </a:t>
+            </a:r>
+            <a:r xmlns:a="http://schemas.openxmlformats.org/drawingml/2006/main">
+              <a:rPr lang="en" dirty="0">
                 <a:solidFill>
                   <a:srgbClr val="000000"/>
                 </a:solidFill>
                 <a:latin typeface="Consolas" panose="020B0609020204030204" pitchFamily="49" charset="0"/>
               </a:rPr>
-              <a:t>(</a:t>
-            </a:r>
-            <a:r>
-              <a:rPr lang="en-US" dirty="0">
+              <a:t>( </a:t>
+            </a:r>
+            <a:r xmlns:a="http://schemas.openxmlformats.org/drawingml/2006/main">
+              <a:rPr lang="en" dirty="0">
                 <a:solidFill>
                   <a:srgbClr val="3165BB"/>
                 </a:solidFill>
                 <a:latin typeface="Consolas" panose="020B0609020204030204" pitchFamily="49" charset="0"/>
               </a:rPr>
-              <a:t>SUMX</a:t>
-            </a:r>
-            <a:r>
-              <a:rPr lang="en-US" dirty="0">
+              <a:t>SUMX </a:t>
+            </a:r>
+            <a:r xmlns:a="http://schemas.openxmlformats.org/drawingml/2006/main">
+              <a:rPr lang="en" dirty="0">
                 <a:solidFill>
                   <a:srgbClr val="000000"/>
                 </a:solidFill>
                 <a:latin typeface="Consolas" panose="020B0609020204030204" pitchFamily="49" charset="0"/>
               </a:rPr>
-              <a:t>(</a:t>
-            </a:r>
-            <a:r>
-              <a:rPr lang="en-US" dirty="0" err="1">
+              <a:t>( </a:t>
+            </a:r>
+            <a:r xmlns:a="http://schemas.openxmlformats.org/drawingml/2006/main">
+              <a:rPr lang="en" dirty="0" err="1">
                 <a:solidFill>
                   <a:srgbClr val="000000"/>
                 </a:solidFill>
                 <a:latin typeface="Consolas" panose="020B0609020204030204" pitchFamily="49" charset="0"/>
               </a:rPr>
-              <a:t>FactInternetSales,FactInternetSales</a:t>
-            </a:r>
-            <a:r>
-              <a:rPr lang="en-US" dirty="0">
+              <a:t>FactInternetSales,FactInternetSales </a:t>
+            </a:r>
+            <a:r xmlns:a="http://schemas.openxmlformats.org/drawingml/2006/main">
+              <a:rPr lang="en" dirty="0">
                 <a:solidFill>
                   <a:srgbClr val="000000"/>
                 </a:solidFill>
                 <a:latin typeface="Consolas" panose="020B0609020204030204" pitchFamily="49" charset="0"/>
               </a:rPr>
-              <a:t>[</a:t>
-            </a:r>
-            <a:r>
-              <a:rPr lang="en-US" dirty="0" err="1">
+              <a:t>[ </a:t>
+            </a:r>
+            <a:r xmlns:a="http://schemas.openxmlformats.org/drawingml/2006/main">
+              <a:rPr lang="en" dirty="0" err="1">
                 <a:solidFill>
                   <a:srgbClr val="000000"/>
                 </a:solidFill>
                 <a:latin typeface="Consolas" panose="020B0609020204030204" pitchFamily="49" charset="0"/>
               </a:rPr>
-              <a:t>OrderQuantity</a:t>
-            </a:r>
-            <a:r>
-              <a:rPr lang="en-US" dirty="0">
+              <a:t>OrderQuantity </a:t>
+            </a:r>
+            <a:r xmlns:a="http://schemas.openxmlformats.org/drawingml/2006/main">
+              <a:rPr lang="en" dirty="0">
                 <a:solidFill>
                   <a:srgbClr val="000000"/>
                 </a:solidFill>
                 <a:latin typeface="Consolas" panose="020B0609020204030204" pitchFamily="49" charset="0"/>
               </a:rPr>
-              <a:t>]*</a:t>
-            </a:r>
-            <a:r>
-              <a:rPr lang="en-US" dirty="0" err="1">
+              <a:t>]* </a:t>
+            </a:r>
+            <a:r xmlns:a="http://schemas.openxmlformats.org/drawingml/2006/main">
+              <a:rPr lang="en" dirty="0" err="1">
                 <a:solidFill>
                   <a:srgbClr val="000000"/>
                 </a:solidFill>
                 <a:latin typeface="Consolas" panose="020B0609020204030204" pitchFamily="49" charset="0"/>
               </a:rPr>
-              <a:t>FactInternetSales</a:t>
-            </a:r>
-            <a:r>
-              <a:rPr lang="en-US" dirty="0">
+              <a:t>FactInternetSales </a:t>
+            </a:r>
+            <a:r xmlns:a="http://schemas.openxmlformats.org/drawingml/2006/main">
+              <a:rPr lang="en" dirty="0">
                 <a:solidFill>
                   <a:srgbClr val="000000"/>
                 </a:solidFill>
                 <a:latin typeface="Consolas" panose="020B0609020204030204" pitchFamily="49" charset="0"/>
               </a:rPr>
-              <a:t>[</a:t>
-            </a:r>
-            <a:r>
-              <a:rPr lang="en-US" dirty="0" err="1">
+              <a:t>[ </a:t>
+            </a:r>
+            <a:r xmlns:a="http://schemas.openxmlformats.org/drawingml/2006/main">
+              <a:rPr lang="en" dirty="0" err="1">
                 <a:solidFill>
                   <a:srgbClr val="000000"/>
                 </a:solidFill>
                 <a:latin typeface="Consolas" panose="020B0609020204030204" pitchFamily="49" charset="0"/>
               </a:rPr>
-              <a:t>UnitPrice</a:t>
-            </a:r>
-            <a:r>
-              <a:rPr lang="en-US" dirty="0">
+              <a:t>UnitPrice </a:t>
+            </a:r>
+            <a:r xmlns:a="http://schemas.openxmlformats.org/drawingml/2006/main">
+              <a:rPr lang="en" dirty="0">
                 <a:solidFill>
                   <a:srgbClr val="000000"/>
                 </a:solidFill>
                 <a:latin typeface="Consolas" panose="020B0609020204030204" pitchFamily="49" charset="0"/>
               </a:rPr>
-              <a:t>]),</a:t>
-            </a:r>
-            <a:r>
-              <a:rPr lang="en-US" sz="2000" b="1" i="1" dirty="0">
+              <a:t>]), </a:t>
+            </a:r>
+            <a:r xmlns:a="http://schemas.openxmlformats.org/drawingml/2006/main">
+              <a:rPr lang="en" sz="2000" b="1" i="1" dirty="0">
                 <a:solidFill>
                   <a:srgbClr val="3165BB"/>
                 </a:solidFill>
@@ -5216,10 +5546,10 @@
                 </a:effectLst>
                 <a:latin typeface="Consolas" panose="020B0609020204030204" pitchFamily="49" charset="0"/>
               </a:rPr>
-              <a:t>USERELATIONSHIP</a:t>
-            </a:r>
-            <a:r>
-              <a:rPr lang="en-US" sz="2000" b="1" i="1" dirty="0">
+              <a:t>USERELATIONSHIP </a:t>
+            </a:r>
+            <a:r xmlns:a="http://schemas.openxmlformats.org/drawingml/2006/main">
+              <a:rPr lang="en" sz="2000" b="1" i="1" dirty="0">
                 <a:solidFill>
                   <a:srgbClr val="000000"/>
                 </a:solidFill>
@@ -5232,10 +5562,10 @@
                 </a:effectLst>
                 <a:latin typeface="Consolas" panose="020B0609020204030204" pitchFamily="49" charset="0"/>
               </a:rPr>
-              <a:t>(</a:t>
-            </a:r>
-            <a:r>
-              <a:rPr lang="en-US" sz="2000" b="1" i="1" dirty="0" err="1">
+              <a:t>( </a:t>
+            </a:r>
+            <a:r xmlns:a="http://schemas.openxmlformats.org/drawingml/2006/main">
+              <a:rPr lang="en" sz="2000" b="1" i="1" dirty="0" err="1">
                 <a:solidFill>
                   <a:srgbClr val="000000"/>
                 </a:solidFill>
@@ -5248,10 +5578,10 @@
                 </a:effectLst>
                 <a:latin typeface="Consolas" panose="020B0609020204030204" pitchFamily="49" charset="0"/>
               </a:rPr>
-              <a:t>DimDate</a:t>
-            </a:r>
-            <a:r>
-              <a:rPr lang="en-US" sz="2000" b="1" i="1" dirty="0">
+              <a:t>DimDate </a:t>
+            </a:r>
+            <a:r xmlns:a="http://schemas.openxmlformats.org/drawingml/2006/main">
+              <a:rPr lang="en" sz="2000" b="1" i="1" dirty="0">
                 <a:solidFill>
                   <a:srgbClr val="000000"/>
                 </a:solidFill>
@@ -5264,10 +5594,10 @@
                 </a:effectLst>
                 <a:latin typeface="Consolas" panose="020B0609020204030204" pitchFamily="49" charset="0"/>
               </a:rPr>
-              <a:t>[</a:t>
-            </a:r>
-            <a:r>
-              <a:rPr lang="en-US" sz="2000" b="1" i="1" dirty="0" err="1">
+              <a:t>[ </a:t>
+            </a:r>
+            <a:r xmlns:a="http://schemas.openxmlformats.org/drawingml/2006/main">
+              <a:rPr lang="en" sz="2000" b="1" i="1" dirty="0" err="1">
                 <a:solidFill>
                   <a:srgbClr val="000000"/>
                 </a:solidFill>
@@ -5280,10 +5610,10 @@
                 </a:effectLst>
                 <a:latin typeface="Consolas" panose="020B0609020204030204" pitchFamily="49" charset="0"/>
               </a:rPr>
-              <a:t>DateKey</a:t>
-            </a:r>
-            <a:r>
-              <a:rPr lang="en-US" sz="2000" b="1" i="1" dirty="0">
+              <a:t>DateKey </a:t>
+            </a:r>
+            <a:r xmlns:a="http://schemas.openxmlformats.org/drawingml/2006/main">
+              <a:rPr lang="en" sz="2000" b="1" i="1" dirty="0">
                 <a:solidFill>
                   <a:srgbClr val="000000"/>
                 </a:solidFill>
@@ -5296,10 +5626,10 @@
                 </a:effectLst>
                 <a:latin typeface="Consolas" panose="020B0609020204030204" pitchFamily="49" charset="0"/>
               </a:rPr>
-              <a:t>],</a:t>
-            </a:r>
-            <a:r>
-              <a:rPr lang="en-US" sz="2000" b="1" i="1" dirty="0" err="1" smtClean="0">
+              <a:t>], </a:t>
+            </a:r>
+            <a:r xmlns:a="http://schemas.openxmlformats.org/drawingml/2006/main">
+              <a:rPr lang="en" sz="2000" b="1" i="1" dirty="0" err="1" smtClean="0">
                 <a:solidFill>
                   <a:srgbClr val="000000"/>
                 </a:solidFill>
@@ -5312,10 +5642,10 @@
                 </a:effectLst>
                 <a:latin typeface="Consolas" panose="020B0609020204030204" pitchFamily="49" charset="0"/>
               </a:rPr>
-              <a:t>FactInternetSales</a:t>
-            </a:r>
-            <a:r>
-              <a:rPr lang="en-US" sz="2000" b="1" i="1" dirty="0" smtClean="0">
+              <a:t>FactInternetSales </a:t>
+            </a:r>
+            <a:r xmlns:a="http://schemas.openxmlformats.org/drawingml/2006/main">
+              <a:rPr lang="en" sz="2000" b="1" i="1" dirty="0" smtClean="0">
                 <a:solidFill>
                   <a:srgbClr val="000000"/>
                 </a:solidFill>
@@ -5328,10 +5658,10 @@
                 </a:effectLst>
                 <a:latin typeface="Consolas" panose="020B0609020204030204" pitchFamily="49" charset="0"/>
               </a:rPr>
-              <a:t>[</a:t>
-            </a:r>
-            <a:r>
-              <a:rPr lang="en-US" sz="2000" b="1" i="1" dirty="0" err="1" smtClean="0">
+              <a:t>[ </a:t>
+            </a:r>
+            <a:r xmlns:a="http://schemas.openxmlformats.org/drawingml/2006/main">
+              <a:rPr lang="en" sz="2000" b="1" i="1" dirty="0" err="1" smtClean="0">
                 <a:solidFill>
                   <a:srgbClr val="000000"/>
                 </a:solidFill>
@@ -5344,10 +5674,10 @@
                 </a:effectLst>
                 <a:latin typeface="Consolas" panose="020B0609020204030204" pitchFamily="49" charset="0"/>
               </a:rPr>
-              <a:t>ShipDateKey</a:t>
-            </a:r>
-            <a:r>
-              <a:rPr lang="en-US" sz="2000" b="1" i="1" dirty="0">
+              <a:t>ShipDateKey </a:t>
+            </a:r>
+            <a:r xmlns:a="http://schemas.openxmlformats.org/drawingml/2006/main">
+              <a:rPr lang="en" sz="2000" b="1" i="1" dirty="0">
                 <a:solidFill>
                   <a:srgbClr val="000000"/>
                 </a:solidFill>
@@ -5360,46 +5690,46 @@
                 </a:effectLst>
                 <a:latin typeface="Consolas" panose="020B0609020204030204" pitchFamily="49" charset="0"/>
               </a:rPr>
-              <a:t>])</a:t>
-            </a:r>
-            <a:r>
-              <a:rPr lang="en-US" dirty="0">
+              <a:t>]) </a:t>
+            </a:r>
+            <a:r xmlns:a="http://schemas.openxmlformats.org/drawingml/2006/main">
+              <a:rPr lang="en" dirty="0">
                 <a:solidFill>
                   <a:srgbClr val="000000"/>
                 </a:solidFill>
                 <a:latin typeface="Consolas" panose="020B0609020204030204" pitchFamily="49" charset="0"/>
               </a:rPr>
-              <a:t>,</a:t>
-            </a:r>
-            <a:r>
-              <a:rPr lang="en-US" dirty="0">
+              <a:t>, </a:t>
+            </a:r>
+            <a:r xmlns:a="http://schemas.openxmlformats.org/drawingml/2006/main">
+              <a:rPr lang="en" dirty="0">
                 <a:solidFill>
                   <a:srgbClr val="3165BB"/>
                 </a:solidFill>
                 <a:latin typeface="Consolas" panose="020B0609020204030204" pitchFamily="49" charset="0"/>
               </a:rPr>
-              <a:t>FILTER</a:t>
-            </a:r>
-            <a:r>
-              <a:rPr lang="en-US" dirty="0">
+              <a:t>FILTER </a:t>
+            </a:r>
+            <a:r xmlns:a="http://schemas.openxmlformats.org/drawingml/2006/main">
+              <a:rPr lang="en" dirty="0">
                 <a:solidFill>
                   <a:srgbClr val="000000"/>
                 </a:solidFill>
                 <a:latin typeface="Consolas" panose="020B0609020204030204" pitchFamily="49" charset="0"/>
               </a:rPr>
-              <a:t>(</a:t>
-            </a:r>
-            <a:r>
-              <a:rPr lang="en-US" dirty="0" err="1">
+              <a:t>( </a:t>
+            </a:r>
+            <a:r xmlns:a="http://schemas.openxmlformats.org/drawingml/2006/main">
+              <a:rPr lang="en" dirty="0" err="1">
                 <a:solidFill>
                   <a:srgbClr val="000000"/>
                 </a:solidFill>
                 <a:latin typeface="Consolas" panose="020B0609020204030204" pitchFamily="49" charset="0"/>
               </a:rPr>
-              <a:t>DimDate</a:t>
-            </a:r>
-            <a:r>
-              <a:rPr lang="en-US" dirty="0">
+              <a:t>DimDate </a:t>
+            </a:r>
+            <a:r xmlns:a="http://schemas.openxmlformats.org/drawingml/2006/main">
+              <a:rPr lang="en" dirty="0">
                 <a:solidFill>
                   <a:srgbClr val="000000"/>
                 </a:solidFill>
@@ -5407,53 +5737,53 @@
               </a:rPr>
               <a:t>, </a:t>
             </a:r>
-            <a:r>
-              <a:rPr lang="en-US" dirty="0" err="1">
+            <a:r xmlns:a="http://schemas.openxmlformats.org/drawingml/2006/main">
+              <a:rPr lang="en" dirty="0" err="1">
                 <a:solidFill>
                   <a:srgbClr val="000000"/>
                 </a:solidFill>
                 <a:latin typeface="Consolas" panose="020B0609020204030204" pitchFamily="49" charset="0"/>
               </a:rPr>
-              <a:t>DimDate</a:t>
-            </a:r>
-            <a:r>
-              <a:rPr lang="en-US" dirty="0">
+              <a:t>DimDate </a:t>
+            </a:r>
+            <a:r xmlns:a="http://schemas.openxmlformats.org/drawingml/2006/main">
+              <a:rPr lang="en" dirty="0">
                 <a:solidFill>
                   <a:srgbClr val="000000"/>
                 </a:solidFill>
                 <a:latin typeface="Consolas" panose="020B0609020204030204" pitchFamily="49" charset="0"/>
               </a:rPr>
-              <a:t>[</a:t>
-            </a:r>
-            <a:r>
-              <a:rPr lang="en-US" dirty="0" err="1">
+              <a:t>[ </a:t>
+            </a:r>
+            <a:r xmlns:a="http://schemas.openxmlformats.org/drawingml/2006/main">
+              <a:rPr lang="en" dirty="0" err="1">
                 <a:solidFill>
                   <a:srgbClr val="000000"/>
                 </a:solidFill>
                 <a:latin typeface="Consolas" panose="020B0609020204030204" pitchFamily="49" charset="0"/>
               </a:rPr>
-              <a:t>CalendarQuarter</a:t>
-            </a:r>
-            <a:r>
-              <a:rPr lang="en-US" dirty="0">
+              <a:t>CalendarQuarter </a:t>
+            </a:r>
+            <a:r xmlns:a="http://schemas.openxmlformats.org/drawingml/2006/main">
+              <a:rPr lang="en" dirty="0">
                 <a:solidFill>
                   <a:srgbClr val="000000"/>
                 </a:solidFill>
                 <a:latin typeface="Consolas" panose="020B0609020204030204" pitchFamily="49" charset="0"/>
               </a:rPr>
-              <a:t>]=</a:t>
-            </a:r>
-            <a:r>
-              <a:rPr lang="en-US" dirty="0">
+              <a:t>]= </a:t>
+            </a:r>
+            <a:r xmlns:a="http://schemas.openxmlformats.org/drawingml/2006/main">
+              <a:rPr lang="en" dirty="0">
                 <a:solidFill>
                   <a:srgbClr val="098658"/>
                 </a:solidFill>
                 <a:latin typeface="Consolas" panose="020B0609020204030204" pitchFamily="49" charset="0"/>
               </a:rPr>
-              <a:t>1</a:t>
-            </a:r>
-            <a:r>
-              <a:rPr lang="en-US" dirty="0">
+              <a:t>1 </a:t>
+            </a:r>
+            <a:r xmlns:a="http://schemas.openxmlformats.org/drawingml/2006/main">
+              <a:rPr lang="en" dirty="0">
                 <a:solidFill>
                   <a:srgbClr val="000000"/>
                 </a:solidFill>
@@ -5461,13 +5791,87 @@
               </a:rPr>
               <a:t>))</a:t>
             </a:r>
-            <a:endParaRPr lang="en-US" b="0" dirty="0">
+            <a:endParaRPr xmlns:a="http://schemas.openxmlformats.org/drawingml/2006/main" lang="en-US" b="0" dirty="0">
               <a:solidFill>
                 <a:srgbClr val="000000"/>
               </a:solidFill>
               <a:effectLst/>
               <a:latin typeface="Consolas" panose="020B0609020204030204" pitchFamily="49" charset="0"/>
             </a:endParaRPr>
+          </a:p>
+        </p:txBody>
+      </p:sp>
+      <p:sp>
+        <p:nvSpPr>
+          <p:cNvPr id="3" name="Rectangle 2"/>
+          <p:cNvSpPr/>
+          <p:nvPr/>
+        </p:nvSpPr>
+        <p:spPr>
+          <a:xfrm>
+            <a:off x="381465" y="783165"/>
+            <a:ext cx="10427646" cy="707886"/>
+          </a:xfrm>
+          <a:prstGeom prst="rect">
+            <a:avLst/>
+          </a:prstGeom>
+        </p:spPr>
+        <p:txBody>
+          <a:bodyPr wrap="square">
+            <a:spAutoFit/>
+          </a:bodyPr>
+          <a:lstStyle/>
+          <a:p>
+            <a:r xmlns:a="http://schemas.openxmlformats.org/drawingml/2006/main">
+              <a:rPr lang="en" sz="2000" dirty="0"/>
+              <a:t>Repeat the previous step, replacing </a:t>
+            </a:r>
+            <a:r xmlns:a="http://schemas.openxmlformats.org/drawingml/2006/main">
+              <a:rPr lang="en" sz="2000" b="1" dirty="0" err="1"/>
+              <a:t>DueDateKey </a:t>
+            </a:r>
+            <a:r xmlns:a="http://schemas.openxmlformats.org/drawingml/2006/main">
+              <a:rPr lang="en" sz="2000" dirty="0"/>
+              <a:t>with </a:t>
+            </a:r>
+            <a:r xmlns:a="http://schemas.openxmlformats.org/drawingml/2006/main">
+              <a:rPr lang="en" sz="2000" b="1" dirty="0" err="1"/>
+              <a:t>ShipDateKey </a:t>
+            </a:r>
+            <a:r xmlns:a="http://schemas.openxmlformats.org/drawingml/2006/main">
+              <a:rPr lang="en" sz="2000" dirty="0"/>
+              <a:t>, which also represents an inactive relationship.</a:t>
+            </a:r>
+            <a:endParaRPr xmlns:a="http://schemas.openxmlformats.org/drawingml/2006/main" lang="en-US" sz="2000" dirty="0"/>
+          </a:p>
+        </p:txBody>
+      </p:sp>
+      <p:sp>
+        <p:nvSpPr>
+          <p:cNvPr id="4" name="Rectangle 3"/>
+          <p:cNvSpPr/>
+          <p:nvPr/>
+        </p:nvSpPr>
+        <p:spPr>
+          <a:xfrm>
+            <a:off x="381465" y="2874901"/>
+            <a:ext cx="6742295" cy="400110"/>
+          </a:xfrm>
+          <a:prstGeom prst="rect">
+            <a:avLst/>
+          </a:prstGeom>
+        </p:spPr>
+        <p:txBody>
+          <a:bodyPr wrap="none">
+            <a:spAutoFit/>
+          </a:bodyPr>
+          <a:lstStyle/>
+          <a:p>
+            <a:r xmlns:a="http://schemas.openxmlformats.org/drawingml/2006/main">
+              <a:rPr lang="en" sz="2000" dirty="0"/>
+              <a:t>Place the three measurements side by side and try to compare them.</a:t>
+            </a:r>
+            <a:endParaRPr xmlns:a="http://schemas.openxmlformats.org/drawingml/2006/main" lang="en-US" sz="2000" dirty="0"/>
           </a:p>
         </p:txBody>
       </p:sp>
@@ -5510,7 +5914,7 @@
         <p:spPr>
           <a:xfrm>
             <a:off x="309383" y="261257"/>
-            <a:ext cx="2385012" cy="461665"/>
+            <a:ext cx="2541401" cy="461665"/>
           </a:xfrm>
           <a:prstGeom prst="rect">
             <a:avLst/>
@@ -5523,78 +5927,16 @@
           </a:bodyPr>
           <a:lstStyle/>
           <a:p>
-            <a:r>
-              <a:rPr lang="en-US" sz="2400" dirty="0" smtClean="0">
+            <a:r xmlns:a="http://schemas.openxmlformats.org/drawingml/2006/main">
+              <a:rPr lang="en" sz="2400" b="1" dirty="0" smtClean="0">
                 <a:latin typeface="Segoe UI" panose="020B0502040204020203" pitchFamily="34" charset="0"/>
                 <a:cs typeface="Segoe UI" panose="020B0502040204020203" pitchFamily="34" charset="0"/>
               </a:rPr>
               <a:t>UseRelationShip</a:t>
             </a:r>
-            <a:endParaRPr lang="en-US" sz="2400" dirty="0">
+            <a:endParaRPr xmlns:a="http://schemas.openxmlformats.org/drawingml/2006/main" lang="en-US" sz="2400" b="1" dirty="0">
               <a:latin typeface="Segoe UI" panose="020B0502040204020203" pitchFamily="34" charset="0"/>
               <a:cs typeface="Segoe UI" panose="020B0502040204020203" pitchFamily="34" charset="0"/>
-            </a:endParaRPr>
-          </a:p>
-        </p:txBody>
-      </p:sp>
-      <p:sp>
-        <p:nvSpPr>
-          <p:cNvPr id="3" name="Rectangle 2"/>
-          <p:cNvSpPr/>
-          <p:nvPr/>
-        </p:nvSpPr>
-        <p:spPr>
-          <a:xfrm>
-            <a:off x="309383" y="868858"/>
-            <a:ext cx="11488440" cy="685059"/>
-          </a:xfrm>
-          <a:prstGeom prst="rect">
-            <a:avLst/>
-          </a:prstGeom>
-        </p:spPr>
-        <p:txBody>
-          <a:bodyPr wrap="square">
-            <a:spAutoFit/>
-          </a:bodyPr>
-          <a:lstStyle/>
-          <a:p>
-            <a:pPr lvl="0">
-              <a:lnSpc>
-                <a:spcPct val="107000"/>
-              </a:lnSpc>
-              <a:spcAft>
-                <a:spcPts val="800"/>
-              </a:spcAft>
-            </a:pPr>
-            <a:r>
-              <a:rPr lang="en-US" dirty="0" smtClean="0">
-                <a:latin typeface="Segoe UI" panose="020B0502040204020203" pitchFamily="34" charset="0"/>
-                <a:ea typeface="Calibri" panose="020F0502020204030204" pitchFamily="34" charset="0"/>
-                <a:cs typeface="Times New Roman" panose="02020603050405020304" pitchFamily="18" charset="0"/>
-              </a:rPr>
-              <a:t>Try to represent the measures by a </a:t>
-            </a:r>
-            <a:r>
-              <a:rPr lang="en-US" b="1" dirty="0" smtClean="0">
-                <a:latin typeface="Segoe UI" panose="020B0502040204020203" pitchFamily="34" charset="0"/>
-                <a:ea typeface="Calibri" panose="020F0502020204030204" pitchFamily="34" charset="0"/>
-                <a:cs typeface="Times New Roman" panose="02020603050405020304" pitchFamily="18" charset="0"/>
-              </a:rPr>
-              <a:t>Stacked Columns visualization </a:t>
-            </a:r>
-            <a:r>
-              <a:rPr lang="en-US" dirty="0" smtClean="0">
-                <a:latin typeface="Segoe UI" panose="020B0502040204020203" pitchFamily="34" charset="0"/>
-                <a:ea typeface="Calibri" panose="020F0502020204030204" pitchFamily="34" charset="0"/>
-                <a:cs typeface="Times New Roman" panose="02020603050405020304" pitchFamily="18" charset="0"/>
-              </a:rPr>
-              <a:t>repartitioned on the basis of years at the x-axis level</a:t>
-            </a:r>
-            <a:endParaRPr lang="en-US" sz="1400" dirty="0">
-              <a:effectLst/>
-              <a:latin typeface="Calibri" panose="020F0502020204030204" pitchFamily="34" charset="0"/>
-              <a:ea typeface="Calibri" panose="020F0502020204030204" pitchFamily="34" charset="0"/>
-              <a:cs typeface="Times New Roman" panose="02020603050405020304" pitchFamily="18" charset="0"/>
             </a:endParaRPr>
           </a:p>
         </p:txBody>
@@ -5620,8 +5962,8 @@
         </p:blipFill>
         <p:spPr bwMode="auto">
           <a:xfrm>
-            <a:off x="309383" y="1699853"/>
-            <a:ext cx="4427622" cy="3628418"/>
+            <a:off x="3248470" y="1716786"/>
+            <a:ext cx="5156108" cy="3967170"/>
           </a:xfrm>
           <a:prstGeom prst="rect">
             <a:avLst/>
@@ -5638,6 +5980,453 @@
           </a:effectLst>
         </p:spPr>
       </p:pic>
+      <p:sp>
+        <p:nvSpPr>
+          <p:cNvPr id="4" name="Rectangle 1"/>
+          <p:cNvSpPr>
+            <a:spLocks noChangeArrowheads="1"/>
+          </p:cNvSpPr>
+          <p:nvPr/>
+        </p:nvSpPr>
+        <p:spPr bwMode="auto">
+          <a:xfrm>
+            <a:off x="309383" y="722922"/>
+            <a:ext cx="10610597" cy="646331"/>
+          </a:xfrm>
+          <a:prstGeom prst="rect">
+            <a:avLst/>
+          </a:prstGeom>
+          <a:noFill/>
+          <a:ln>
+            <a:noFill/>
+          </a:ln>
+          <a:effectLst/>
+          <a:extLst>
+            <a:ext uri="{909E8E84-426E-40DD-AFC4-6F175D3DCCD1}">
+              <a14:hiddenFill xmlns:a14="http://schemas.microsoft.com/office/drawing/2010/main">
+                <a:solidFill>
+                  <a:schemeClr val="accent1"/>
+                </a:solidFill>
+              </a14:hiddenFill>
+            </a:ext>
+            <a:ext uri="{91240B29-F687-4F45-9708-019B960494DF}">
+              <a14:hiddenLine xmlns:a14="http://schemas.microsoft.com/office/drawing/2010/main" w="9525">
+                <a:solidFill>
+                  <a:schemeClr val="tx1"/>
+                </a:solidFill>
+                <a:miter lim="800000"/>
+                <a:headEnd/>
+                <a:tailEnd/>
+              </a14:hiddenLine>
+            </a:ext>
+            <a:ext uri="{AF507438-7753-43E0-B8FC-AC1667EBCBE1}">
+              <a14:hiddenEffects xmlns:a14="http://schemas.microsoft.com/office/drawing/2010/main">
+                <a:effectLst>
+                  <a:outerShdw dist="35921" dir="2700000" algn="ctr" rotWithShape="0">
+                    <a:schemeClr val="bg2"/>
+                  </a:outerShdw>
+                </a:effectLst>
+              </a14:hiddenEffects>
+            </a:ext>
+          </a:extLst>
+        </p:spPr>
+        <p:txBody>
+          <a:bodyPr vert="horz" wrap="none" lIns="91440" tIns="45720" rIns="91440" bIns="45720" numCol="1" anchor="ctr" anchorCtr="0" compatLnSpc="1">
+            <a:prstTxWarp prst="textNoShape">
+              <a:avLst/>
+            </a:prstTxWarp>
+            <a:spAutoFit/>
+          </a:bodyPr>
+          <a:lstStyle/>
+          <a:p>
+            <a:pPr xmlns:a="http://schemas.openxmlformats.org/drawingml/2006/main" marL="0" marR="0" lvl="0" indent="0" algn="l" defTabSz="914400" rtl="0" eaLnBrk="0" fontAlgn="base" latinLnBrk="0" hangingPunct="0">
+              <a:lnSpc>
+                <a:spcPct val="100000"/>
+              </a:lnSpc>
+              <a:spcBef>
+                <a:spcPct val="0"/>
+              </a:spcBef>
+              <a:spcAft>
+                <a:spcPct val="0"/>
+              </a:spcAft>
+              <a:buClrTx/>
+              <a:buSzTx/>
+              <a:buFontTx/>
+              <a:buNone/>
+              <a:tabLst/>
+            </a:pPr>
+            <a:r xmlns:a="http://schemas.openxmlformats.org/drawingml/2006/main">
+              <a:rPr kumimoji="0" lang="en" altLang="en-US" sz="1800" b="0" i="0" u="none" strike="noStrike" cap="none" normalizeH="0" baseline="0" dirty="0" err="1" smtClean="0">
+                <a:ln>
+                  <a:noFill/>
+                </a:ln>
+                <a:solidFill>
+                  <a:schemeClr val="tx1"/>
+                </a:solidFill>
+                <a:effectLst/>
+                <a:latin typeface="Arial" panose="020B0604020202020204" pitchFamily="34" charset="0"/>
+              </a:rPr>
+              <a:t>Try </a:t>
+            </a:r>
+            <a:r xmlns:a="http://schemas.openxmlformats.org/drawingml/2006/main">
+              <a:rPr kumimoji="0" lang="en" altLang="en-US" sz="1800" b="0" i="0" u="none" strike="noStrike" cap="none" normalizeH="0" baseline="0" dirty="0" smtClean="0">
+                <a:ln>
+                  <a:noFill/>
+                </a:ln>
+                <a:solidFill>
+                  <a:schemeClr val="tx1"/>
+                </a:solidFill>
+                <a:effectLst/>
+                <a:latin typeface="Arial" panose="020B0604020202020204" pitchFamily="34" charset="0"/>
+              </a:rPr>
+              <a:t>to </a:t>
+            </a:r>
+            <a:r xmlns:a="http://schemas.openxmlformats.org/drawingml/2006/main">
+              <a:rPr kumimoji="0" lang="en" altLang="en-US" sz="1800" b="0" i="0" u="none" strike="noStrike" cap="none" normalizeH="0" baseline="0" dirty="0" err="1" smtClean="0">
+                <a:ln>
+                  <a:noFill/>
+                </a:ln>
+                <a:solidFill>
+                  <a:schemeClr val="tx1"/>
+                </a:solidFill>
+                <a:effectLst/>
+                <a:latin typeface="Arial" panose="020B0604020202020204" pitchFamily="34" charset="0"/>
+              </a:rPr>
+              <a:t>represent </a:t>
+            </a:r>
+            <a:r xmlns:a="http://schemas.openxmlformats.org/drawingml/2006/main">
+              <a:rPr kumimoji="0" lang="en" altLang="en-US" sz="1800" b="0" i="0" u="none" strike="noStrike" cap="none" normalizeH="0" baseline="0" dirty="0" smtClean="0">
+                <a:ln>
+                  <a:noFill/>
+                </a:ln>
+                <a:solidFill>
+                  <a:schemeClr val="tx1"/>
+                </a:solidFill>
+                <a:effectLst/>
+                <a:latin typeface="Arial" panose="020B0604020202020204" pitchFamily="34" charset="0"/>
+              </a:rPr>
+              <a:t>the </a:t>
+            </a:r>
+            <a:r xmlns:a="http://schemas.openxmlformats.org/drawingml/2006/main">
+              <a:rPr kumimoji="0" lang="en" altLang="en-US" sz="1800" b="0" i="0" u="none" strike="noStrike" cap="none" normalizeH="0" baseline="0" dirty="0" err="1" smtClean="0">
+                <a:ln>
+                  <a:noFill/>
+                </a:ln>
+                <a:solidFill>
+                  <a:schemeClr val="tx1"/>
+                </a:solidFill>
+                <a:effectLst/>
+                <a:latin typeface="Arial" panose="020B0604020202020204" pitchFamily="34" charset="0"/>
+              </a:rPr>
+              <a:t>measurements </a:t>
+            </a:r>
+            <a:r xmlns:a="http://schemas.openxmlformats.org/drawingml/2006/main">
+              <a:rPr kumimoji="0" lang="en" altLang="en-US" sz="1800" b="0" i="0" u="none" strike="noStrike" cap="none" normalizeH="0" baseline="0" dirty="0" smtClean="0">
+                <a:ln>
+                  <a:noFill/>
+                </a:ln>
+                <a:solidFill>
+                  <a:schemeClr val="tx1"/>
+                </a:solidFill>
+                <a:effectLst/>
+                <a:latin typeface="Arial" panose="020B0604020202020204" pitchFamily="34" charset="0"/>
+              </a:rPr>
+              <a:t>by </a:t>
+            </a:r>
+            <a:r xmlns:a="http://schemas.openxmlformats.org/drawingml/2006/main">
+              <a:rPr kumimoji="0" lang="en" altLang="en-US" sz="1800" b="0" i="0" u="none" strike="noStrike" cap="none" normalizeH="0" baseline="0" dirty="0" err="1" smtClean="0">
+                <a:ln>
+                  <a:noFill/>
+                </a:ln>
+                <a:solidFill>
+                  <a:schemeClr val="tx1"/>
+                </a:solidFill>
+                <a:effectLst/>
+                <a:latin typeface="Arial" panose="020B0604020202020204" pitchFamily="34" charset="0"/>
+              </a:rPr>
+              <a:t>a</a:t>
+            </a:r>
+            <a:r xmlns:a="http://schemas.openxmlformats.org/drawingml/2006/main">
+              <a:rPr kumimoji="0" lang="en" altLang="en-US" sz="1800" b="0" i="0" u="none" strike="noStrike" cap="none" normalizeH="0" baseline="0" dirty="0" smtClean="0">
+                <a:ln>
+                  <a:noFill/>
+                </a:ln>
+                <a:solidFill>
+                  <a:schemeClr val="tx1"/>
+                </a:solidFill>
+                <a:effectLst/>
+                <a:latin typeface="Arial" panose="020B0604020202020204" pitchFamily="34" charset="0"/>
+              </a:rPr>
+              <a:t> </a:t>
+            </a:r>
+            <a:r xmlns:a="http://schemas.openxmlformats.org/drawingml/2006/main">
+              <a:rPr kumimoji="0" lang="en" altLang="en-US" sz="1800" b="0" i="0" u="none" strike="noStrike" cap="none" normalizeH="0" baseline="0" dirty="0" smtClean="0">
+                <a:ln>
+                  <a:noFill/>
+                </a:ln>
+                <a:solidFill>
+                  <a:schemeClr val="tx1"/>
+                </a:solidFill>
+                <a:effectLst/>
+                <a:latin typeface="Arial" panose="020B0604020202020204" pitchFamily="34" charset="0"/>
+              </a:rPr>
+              <a:t>column </a:t>
+            </a:r>
+            <a:r xmlns:a="http://schemas.openxmlformats.org/drawingml/2006/main">
+              <a:rPr kumimoji="0" lang="en" altLang="en-US" sz="1800" b="0" i="0" u="none" strike="noStrike" cap="none" normalizeH="0" baseline="0" dirty="0" err="1" smtClean="0">
+                <a:ln>
+                  <a:noFill/>
+                </a:ln>
+                <a:solidFill>
+                  <a:schemeClr val="tx1"/>
+                </a:solidFill>
+                <a:effectLst/>
+                <a:latin typeface="Arial" panose="020B0604020202020204" pitchFamily="34" charset="0"/>
+              </a:rPr>
+              <a:t>visualization</a:t>
+            </a:r>
+            <a:r xmlns:a="http://schemas.openxmlformats.org/drawingml/2006/main">
+              <a:rPr kumimoji="0" lang="en" altLang="en-US" sz="1800" b="0" i="0" u="none" strike="noStrike" cap="none" normalizeH="0" baseline="0" dirty="0" err="1" smtClean="0">
+                <a:ln>
+                  <a:noFill/>
+                </a:ln>
+                <a:solidFill>
+                  <a:schemeClr val="tx1"/>
+                </a:solidFill>
+                <a:effectLst/>
+                <a:latin typeface="Arial" panose="020B0604020202020204" pitchFamily="34" charset="0"/>
+              </a:rPr>
+              <a:t>​</a:t>
+            </a:r>
+            <a:r xmlns:a="http://schemas.openxmlformats.org/drawingml/2006/main">
+              <a:rPr kumimoji="0" lang="en" altLang="en-US" sz="1800" b="0" i="0" u="none" strike="noStrike" cap="none" normalizeH="0" baseline="0" dirty="0" smtClean="0">
+                <a:ln>
+                  <a:noFill/>
+                </a:ln>
+                <a:solidFill>
+                  <a:schemeClr val="tx1"/>
+                </a:solidFill>
+                <a:effectLst/>
+                <a:latin typeface="Arial" panose="020B0604020202020204" pitchFamily="34" charset="0"/>
+              </a:rPr>
+              <a:t> </a:t>
+            </a:r>
+            <a:r xmlns:a="http://schemas.openxmlformats.org/drawingml/2006/main">
+              <a:rPr kumimoji="0" lang="en" altLang="en-US" sz="1800" b="0" i="0" u="none" strike="noStrike" cap="none" normalizeH="0" baseline="0" dirty="0" err="1" smtClean="0">
+                <a:ln>
+                  <a:noFill/>
+                </a:ln>
+                <a:solidFill>
+                  <a:schemeClr val="tx1"/>
+                </a:solidFill>
+                <a:effectLst/>
+                <a:latin typeface="Arial" panose="020B0604020202020204" pitchFamily="34" charset="0"/>
+              </a:rPr>
+              <a:t>stacked</a:t>
+            </a:r>
+            <a:r xmlns:a="http://schemas.openxmlformats.org/drawingml/2006/main">
+              <a:rPr kumimoji="0" lang="en" altLang="en-US" sz="1800" b="0" i="0" u="none" strike="noStrike" cap="none" normalizeH="0" baseline="0" dirty="0" smtClean="0">
+                <a:ln>
+                  <a:noFill/>
+                </a:ln>
+                <a:solidFill>
+                  <a:schemeClr val="tx1"/>
+                </a:solidFill>
+                <a:effectLst/>
+                <a:latin typeface="Arial" panose="020B0604020202020204" pitchFamily="34" charset="0"/>
+              </a:rPr>
+              <a:t> </a:t>
+            </a:r>
+            <a:r xmlns:a="http://schemas.openxmlformats.org/drawingml/2006/main">
+              <a:rPr kumimoji="0" lang="en" altLang="en-US" sz="1800" b="0" i="0" u="none" strike="noStrike" cap="none" normalizeH="0" baseline="0" dirty="0" err="1" smtClean="0">
+                <a:ln>
+                  <a:noFill/>
+                </a:ln>
+                <a:solidFill>
+                  <a:schemeClr val="tx1"/>
+                </a:solidFill>
+                <a:effectLst/>
+                <a:latin typeface="Arial" panose="020B0604020202020204" pitchFamily="34" charset="0"/>
+              </a:rPr>
+              <a:t>distributed</a:t>
+            </a:r>
+            <a:r xmlns:a="http://schemas.openxmlformats.org/drawingml/2006/main">
+              <a:rPr kumimoji="0" lang="en" altLang="en-US" sz="1800" b="0" i="0" u="none" strike="noStrike" cap="none" normalizeH="0" baseline="0" dirty="0" smtClean="0">
+                <a:ln>
+                  <a:noFill/>
+                </a:ln>
+                <a:solidFill>
+                  <a:schemeClr val="tx1"/>
+                </a:solidFill>
+                <a:effectLst/>
+                <a:latin typeface="Arial" panose="020B0604020202020204" pitchFamily="34" charset="0"/>
+              </a:rPr>
+              <a:t> </a:t>
+            </a:r>
+            <a:r xmlns:a="http://schemas.openxmlformats.org/drawingml/2006/main">
+              <a:rPr kumimoji="0" lang="en" altLang="en-US" sz="1800" b="0" i="0" u="none" strike="noStrike" cap="none" normalizeH="0" baseline="0" dirty="0" err="1" smtClean="0">
+                <a:ln>
+                  <a:noFill/>
+                </a:ln>
+                <a:solidFill>
+                  <a:schemeClr val="tx1"/>
+                </a:solidFill>
+                <a:effectLst/>
+                <a:latin typeface="Arial" panose="020B0604020202020204" pitchFamily="34" charset="0"/>
+              </a:rPr>
+              <a:t>in</a:t>
+            </a:r>
+            <a:r xmlns:a="http://schemas.openxmlformats.org/drawingml/2006/main">
+              <a:rPr kumimoji="0" lang="en" altLang="en-US" sz="1800" b="0" i="0" u="none" strike="noStrike" cap="none" normalizeH="0" baseline="0" dirty="0" smtClean="0">
+                <a:ln>
+                  <a:noFill/>
+                </a:ln>
+                <a:solidFill>
+                  <a:schemeClr val="tx1"/>
+                </a:solidFill>
+                <a:effectLst/>
+                <a:latin typeface="Arial" panose="020B0604020202020204" pitchFamily="34" charset="0"/>
+              </a:rPr>
+              <a:t> </a:t>
+            </a:r>
+            <a:r xmlns:a="http://schemas.openxmlformats.org/drawingml/2006/main">
+              <a:rPr kumimoji="0" lang="en" altLang="en-US" sz="1800" b="0" i="0" u="none" strike="noStrike" cap="none" normalizeH="0" baseline="0" dirty="0" err="1" smtClean="0">
+                <a:ln>
+                  <a:noFill/>
+                </a:ln>
+                <a:solidFill>
+                  <a:schemeClr val="tx1"/>
+                </a:solidFill>
+                <a:effectLst/>
+                <a:latin typeface="Arial" panose="020B0604020202020204" pitchFamily="34" charset="0"/>
+              </a:rPr>
+              <a:t>function</a:t>
+            </a:r>
+            <a:r xmlns:a="http://schemas.openxmlformats.org/drawingml/2006/main">
+              <a:rPr kumimoji="0" lang="en" altLang="en-US" sz="1800" b="0" i="0" u="none" strike="noStrike" cap="none" normalizeH="0" baseline="0" dirty="0" smtClean="0">
+                <a:ln>
+                  <a:noFill/>
+                </a:ln>
+                <a:solidFill>
+                  <a:schemeClr val="tx1"/>
+                </a:solidFill>
+                <a:effectLst/>
+                <a:latin typeface="Arial" panose="020B0604020202020204" pitchFamily="34" charset="0"/>
+              </a:rPr>
+              <a:t> </a:t>
+            </a:r>
+          </a:p>
+          <a:p>
+            <a:pPr xmlns:a="http://schemas.openxmlformats.org/drawingml/2006/main" marL="0" marR="0" lvl="0" indent="0" algn="l" defTabSz="914400" rtl="0" eaLnBrk="0" fontAlgn="base" latinLnBrk="0" hangingPunct="0">
+              <a:lnSpc>
+                <a:spcPct val="100000"/>
+              </a:lnSpc>
+              <a:spcBef>
+                <a:spcPct val="0"/>
+              </a:spcBef>
+              <a:spcAft>
+                <a:spcPct val="0"/>
+              </a:spcAft>
+              <a:buClrTx/>
+              <a:buSzTx/>
+              <a:buFontTx/>
+              <a:buNone/>
+              <a:tabLst/>
+            </a:pPr>
+            <a:r xmlns:a="http://schemas.openxmlformats.org/drawingml/2006/main">
+              <a:rPr kumimoji="0" lang="en" altLang="en-US" sz="1800" b="0" i="0" u="none" strike="noStrike" cap="none" normalizeH="0" baseline="0" dirty="0" smtClean="0">
+                <a:ln>
+                  <a:noFill/>
+                </a:ln>
+                <a:solidFill>
+                  <a:schemeClr val="tx1"/>
+                </a:solidFill>
+                <a:effectLst/>
+                <a:latin typeface="Arial" panose="020B0604020202020204" pitchFamily="34" charset="0"/>
+              </a:rPr>
+              <a:t>years </a:t>
+            </a:r>
+            <a:r xmlns:a="http://schemas.openxmlformats.org/drawingml/2006/main">
+              <a:rPr kumimoji="0" lang="en" altLang="en-US" sz="1800" b="0" i="0" u="none" strike="noStrike" cap="none" normalizeH="0" baseline="0" dirty="0" smtClean="0">
+                <a:ln>
+                  <a:noFill/>
+                </a:ln>
+                <a:solidFill>
+                  <a:schemeClr val="tx1"/>
+                </a:solidFill>
+                <a:effectLst/>
+                <a:latin typeface="Arial" panose="020B0604020202020204" pitchFamily="34" charset="0"/>
+              </a:rPr>
+              <a:t>on </a:t>
+            </a:r>
+            <a:r xmlns:a="http://schemas.openxmlformats.org/drawingml/2006/main">
+              <a:rPr kumimoji="0" lang="en" altLang="en-US" sz="1800" b="0" i="0" u="none" strike="noStrike" cap="none" normalizeH="0" baseline="0" dirty="0" smtClean="0">
+                <a:ln>
+                  <a:noFill/>
+                </a:ln>
+                <a:solidFill>
+                  <a:schemeClr val="tx1"/>
+                </a:solidFill>
+                <a:effectLst/>
+                <a:latin typeface="Arial" panose="020B0604020202020204" pitchFamily="34" charset="0"/>
+              </a:rPr>
+              <a:t>the </a:t>
+            </a:r>
+            <a:r xmlns:a="http://schemas.openxmlformats.org/drawingml/2006/main">
+              <a:rPr kumimoji="0" lang="en" altLang="en-US" sz="1800" b="0" i="0" u="none" strike="noStrike" cap="none" normalizeH="0" baseline="0" dirty="0" err="1" smtClean="0">
+                <a:ln>
+                  <a:noFill/>
+                </a:ln>
+                <a:solidFill>
+                  <a:schemeClr val="tx1"/>
+                </a:solidFill>
+                <a:effectLst/>
+                <a:latin typeface="Arial" panose="020B0604020202020204" pitchFamily="34" charset="0"/>
+              </a:rPr>
+              <a:t>x </a:t>
+            </a:r>
+            <a:r xmlns:a="http://schemas.openxmlformats.org/drawingml/2006/main">
+              <a:rPr kumimoji="0" lang="en" altLang="en-US" sz="1800" b="0" i="0" u="none" strike="noStrike" cap="none" normalizeH="0" baseline="0" dirty="0" err="1" smtClean="0">
+                <a:ln>
+                  <a:noFill/>
+                </a:ln>
+                <a:solidFill>
+                  <a:schemeClr val="tx1"/>
+                </a:solidFill>
+                <a:effectLst/>
+                <a:latin typeface="Arial" panose="020B0604020202020204" pitchFamily="34" charset="0"/>
+              </a:rPr>
+              <a:t>- </a:t>
+            </a:r>
+            <a:r xmlns:a="http://schemas.openxmlformats.org/drawingml/2006/main">
+              <a:rPr kumimoji="0" lang="en" altLang="en-US" sz="1800" b="0" i="0" u="none" strike="noStrike" cap="none" normalizeH="0" baseline="0" dirty="0" err="1" smtClean="0">
+                <a:ln>
+                  <a:noFill/>
+                </a:ln>
+                <a:solidFill>
+                  <a:schemeClr val="tx1"/>
+                </a:solidFill>
+                <a:effectLst/>
+                <a:latin typeface="Arial" panose="020B0604020202020204" pitchFamily="34" charset="0"/>
+              </a:rPr>
+              <a:t>axis </a:t>
+            </a:r>
+            <a:r xmlns:a="http://schemas.openxmlformats.org/drawingml/2006/main">
+              <a:rPr kumimoji="0" lang="en" altLang="en-US" sz="1800" b="0" i="0" u="none" strike="noStrike" cap="none" normalizeH="0" baseline="0" dirty="0" smtClean="0">
+                <a:ln>
+                  <a:noFill/>
+                </a:ln>
+                <a:solidFill>
+                  <a:schemeClr val="tx1"/>
+                </a:solidFill>
+                <a:effectLst/>
+                <a:latin typeface="Arial" panose="020B0604020202020204" pitchFamily="34" charset="0"/>
+              </a:rPr>
+              <a:t>.</a:t>
+            </a:r>
+          </a:p>
+        </p:txBody>
+      </p:sp>
     </p:spTree>
     <p:extLst>
       <p:ext uri="{BB962C8B-B14F-4D97-AF65-F5344CB8AC3E}">
@@ -5737,8 +6526,8 @@
           </a:bodyPr>
           <a:lstStyle/>
           <a:p>
-            <a:r>
-              <a:rPr lang="en-US" sz="9600" b="1" dirty="0" smtClean="0">
+            <a:r xmlns:a="http://schemas.openxmlformats.org/drawingml/2006/main">
+              <a:rPr lang="en" sz="9600" b="1" dirty="0" smtClean="0">
                 <a:solidFill>
                   <a:srgbClr val="7030A0"/>
                 </a:solidFill>
@@ -5748,7 +6537,7 @@
               </a:rPr>
               <a:t>Thank you</a:t>
             </a:r>
-            <a:endParaRPr lang="en-US" sz="9600" b="1" dirty="0">
+            <a:endParaRPr xmlns:a="http://schemas.openxmlformats.org/drawingml/2006/main" lang="en-US" sz="9600" b="1" dirty="0">
               <a:solidFill>
                 <a:srgbClr val="7030A0"/>
               </a:solidFill>
@@ -5781,8 +6570,8 @@
           </a:bodyPr>
           <a:lstStyle/>
           <a:p>
-            <a:r>
-              <a:rPr lang="en-US" sz="9600" b="1" dirty="0" smtClean="0">
+            <a:r xmlns:a="http://schemas.openxmlformats.org/drawingml/2006/main">
+              <a:rPr lang="en" sz="9600" b="1" dirty="0" smtClean="0">
                 <a:solidFill>
                   <a:schemeClr val="bg1"/>
                 </a:solidFill>
@@ -5792,7 +6581,7 @@
               </a:rPr>
               <a:t>Thank you</a:t>
             </a:r>
-            <a:endParaRPr lang="en-US" sz="9600" b="1" dirty="0">
+            <a:endParaRPr xmlns:a="http://schemas.openxmlformats.org/drawingml/2006/main" lang="en-US" sz="9600" b="1" dirty="0">
               <a:solidFill>
                 <a:schemeClr val="bg1"/>
               </a:solidFill>

--- a/English/5.DAX/2.UseRelationShip.pptx
+++ b/English/5.DAX/2.UseRelationShip.pptx
@@ -5,15 +5,14 @@
     <p:sldMasterId id="2147483648" r:id="rId1"/>
   </p:sldMasterIdLst>
   <p:notesMasterIdLst>
-    <p:notesMasterId r:id="rId8"/>
+    <p:notesMasterId r:id="rId7"/>
   </p:notesMasterIdLst>
   <p:sldIdLst>
     <p:sldId id="256" r:id="rId2"/>
     <p:sldId id="257" r:id="rId3"/>
     <p:sldId id="259" r:id="rId4"/>
     <p:sldId id="260" r:id="rId5"/>
-    <p:sldId id="261" r:id="rId6"/>
-    <p:sldId id="258" r:id="rId7"/>
+    <p:sldId id="258" r:id="rId6"/>
   </p:sldIdLst>
   <p:sldSz cx="12192000" cy="6858000"/>
   <p:notesSz cx="6858000" cy="9144000"/>
@@ -202,7 +201,7 @@
           <a:p>
             <a:fld id="{056BA3B8-9F76-4D81-B71D-76CB85363062}" type="datetimeFigureOut">
               <a:rPr lang="en-US" smtClean="0"/>
-              <a:t>2/26/2025</a:t>
+              <a:t>4/7/2025</a:t>
             </a:fld>
             <a:endParaRPr lang="en-US"/>
           </a:p>
@@ -601,7 +600,7 @@
           <a:p>
             <a:fld id="{6F01DA4D-20EA-48D2-973C-0311EC3005D6}" type="datetimeFigureOut">
               <a:rPr lang="en-US" smtClean="0"/>
-              <a:t>2/26/2025</a:t>
+              <a:t>4/7/2025</a:t>
             </a:fld>
             <a:endParaRPr lang="en-US"/>
           </a:p>
@@ -771,7 +770,7 @@
           <a:p>
             <a:fld id="{6F01DA4D-20EA-48D2-973C-0311EC3005D6}" type="datetimeFigureOut">
               <a:rPr lang="en-US" smtClean="0"/>
-              <a:t>2/26/2025</a:t>
+              <a:t>4/7/2025</a:t>
             </a:fld>
             <a:endParaRPr lang="en-US"/>
           </a:p>
@@ -951,7 +950,7 @@
           <a:p>
             <a:fld id="{6F01DA4D-20EA-48D2-973C-0311EC3005D6}" type="datetimeFigureOut">
               <a:rPr lang="en-US" smtClean="0"/>
-              <a:t>2/26/2025</a:t>
+              <a:t>4/7/2025</a:t>
             </a:fld>
             <a:endParaRPr lang="en-US"/>
           </a:p>
@@ -1121,7 +1120,7 @@
           <a:p>
             <a:fld id="{6F01DA4D-20EA-48D2-973C-0311EC3005D6}" type="datetimeFigureOut">
               <a:rPr lang="en-US" smtClean="0"/>
-              <a:t>2/26/2025</a:t>
+              <a:t>4/7/2025</a:t>
             </a:fld>
             <a:endParaRPr lang="en-US"/>
           </a:p>
@@ -1367,7 +1366,7 @@
           <a:p>
             <a:fld id="{6F01DA4D-20EA-48D2-973C-0311EC3005D6}" type="datetimeFigureOut">
               <a:rPr lang="en-US" smtClean="0"/>
-              <a:t>2/26/2025</a:t>
+              <a:t>4/7/2025</a:t>
             </a:fld>
             <a:endParaRPr lang="en-US"/>
           </a:p>
@@ -1599,7 +1598,7 @@
           <a:p>
             <a:fld id="{6F01DA4D-20EA-48D2-973C-0311EC3005D6}" type="datetimeFigureOut">
               <a:rPr lang="en-US" smtClean="0"/>
-              <a:t>2/26/2025</a:t>
+              <a:t>4/7/2025</a:t>
             </a:fld>
             <a:endParaRPr lang="en-US"/>
           </a:p>
@@ -1966,7 +1965,7 @@
           <a:p>
             <a:fld id="{6F01DA4D-20EA-48D2-973C-0311EC3005D6}" type="datetimeFigureOut">
               <a:rPr lang="en-US" smtClean="0"/>
-              <a:t>2/26/2025</a:t>
+              <a:t>4/7/2025</a:t>
             </a:fld>
             <a:endParaRPr lang="en-US"/>
           </a:p>
@@ -2084,7 +2083,7 @@
           <a:p>
             <a:fld id="{6F01DA4D-20EA-48D2-973C-0311EC3005D6}" type="datetimeFigureOut">
               <a:rPr lang="en-US" smtClean="0"/>
-              <a:t>2/26/2025</a:t>
+              <a:t>4/7/2025</a:t>
             </a:fld>
             <a:endParaRPr lang="en-US"/>
           </a:p>
@@ -2179,7 +2178,7 @@
           <a:p>
             <a:fld id="{6F01DA4D-20EA-48D2-973C-0311EC3005D6}" type="datetimeFigureOut">
               <a:rPr lang="en-US" smtClean="0"/>
-              <a:t>2/26/2025</a:t>
+              <a:t>4/7/2025</a:t>
             </a:fld>
             <a:endParaRPr lang="en-US"/>
           </a:p>
@@ -2456,7 +2455,7 @@
           <a:p>
             <a:fld id="{6F01DA4D-20EA-48D2-973C-0311EC3005D6}" type="datetimeFigureOut">
               <a:rPr lang="en-US" smtClean="0"/>
-              <a:t>2/26/2025</a:t>
+              <a:t>4/7/2025</a:t>
             </a:fld>
             <a:endParaRPr lang="en-US"/>
           </a:p>
@@ -2709,7 +2708,7 @@
           <a:p>
             <a:fld id="{6F01DA4D-20EA-48D2-973C-0311EC3005D6}" type="datetimeFigureOut">
               <a:rPr lang="en-US" smtClean="0"/>
-              <a:t>2/26/2025</a:t>
+              <a:t>4/7/2025</a:t>
             </a:fld>
             <a:endParaRPr lang="en-US"/>
           </a:p>
@@ -2922,7 +2921,7 @@
           <a:p>
             <a:fld id="{6F01DA4D-20EA-48D2-973C-0311EC3005D6}" type="datetimeFigureOut">
               <a:rPr lang="en-US" smtClean="0"/>
-              <a:t>2/26/2025</a:t>
+              <a:t>4/7/2025</a:t>
             </a:fld>
             <a:endParaRPr lang="en-US"/>
           </a:p>
@@ -3357,8 +3356,8 @@
           </a:bodyPr>
           <a:lstStyle/>
           <a:p>
-            <a:pPr xmlns:a="http://schemas.openxmlformats.org/drawingml/2006/main" algn="ctr"/>
-            <a:r xmlns:a="http://schemas.openxmlformats.org/drawingml/2006/main">
+            <a:pPr algn="ctr"/>
+            <a:r>
               <a:rPr lang="en" sz="8000" b="1" dirty="0" smtClean="0">
                 <a:solidFill>
                   <a:srgbClr val="7030A0"/>
@@ -3369,7 +3368,7 @@
               </a:rPr>
               <a:t>UseRelationShip</a:t>
             </a:r>
-            <a:endParaRPr xmlns:a="http://schemas.openxmlformats.org/drawingml/2006/main" lang="en-US" sz="8000" b="1" dirty="0">
+            <a:endParaRPr lang="en-US" sz="8000" b="1" dirty="0">
               <a:solidFill>
                 <a:srgbClr val="7030A0"/>
               </a:solidFill>
@@ -3402,8 +3401,8 @@
           </a:bodyPr>
           <a:lstStyle/>
           <a:p>
-            <a:pPr xmlns:a="http://schemas.openxmlformats.org/drawingml/2006/main" algn="ctr"/>
-            <a:r xmlns:a="http://schemas.openxmlformats.org/drawingml/2006/main">
+            <a:pPr algn="ctr"/>
+            <a:r>
               <a:rPr lang="en" sz="8000" b="1" dirty="0" smtClean="0">
                 <a:solidFill>
                   <a:schemeClr val="bg1"/>
@@ -3414,7 +3413,7 @@
               </a:rPr>
               <a:t>UseRelationShip</a:t>
             </a:r>
-            <a:endParaRPr xmlns:a="http://schemas.openxmlformats.org/drawingml/2006/main" lang="en-US" sz="8000" b="1" dirty="0">
+            <a:endParaRPr lang="en-US" sz="8000" b="1" dirty="0">
               <a:solidFill>
                 <a:schemeClr val="bg1"/>
               </a:solidFill>
@@ -3464,7 +3463,7 @@
         <p:spPr>
           <a:xfrm>
             <a:off x="309383" y="261257"/>
-            <a:ext cx="2541401" cy="461665"/>
+            <a:ext cx="2019399" cy="400110"/>
           </a:xfrm>
           <a:prstGeom prst="rect">
             <a:avLst/>
@@ -3477,14 +3476,14 @@
           </a:bodyPr>
           <a:lstStyle/>
           <a:p>
-            <a:r xmlns:a="http://schemas.openxmlformats.org/drawingml/2006/main">
-              <a:rPr lang="en" sz="2400" b="1" dirty="0" smtClean="0">
+            <a:r>
+              <a:rPr lang="en" sz="2000" dirty="0" smtClean="0">
                 <a:latin typeface="Segoe UI" panose="020B0502040204020203" pitchFamily="34" charset="0"/>
                 <a:cs typeface="Segoe UI" panose="020B0502040204020203" pitchFamily="34" charset="0"/>
               </a:rPr>
               <a:t>UseRelationShip</a:t>
             </a:r>
-            <a:endParaRPr xmlns:a="http://schemas.openxmlformats.org/drawingml/2006/main" lang="en-US" sz="2400" b="1" dirty="0">
+            <a:endParaRPr lang="en-US" sz="2000" dirty="0">
               <a:latin typeface="Segoe UI" panose="020B0502040204020203" pitchFamily="34" charset="0"/>
               <a:cs typeface="Segoe UI" panose="020B0502040204020203" pitchFamily="34" charset="0"/>
             </a:endParaRPr>
@@ -3534,7 +3533,7 @@
         <p:spPr>
           <a:xfrm>
             <a:off x="309381" y="761650"/>
-            <a:ext cx="10278533" cy="707886"/>
+            <a:ext cx="10278533" cy="646331"/>
           </a:xfrm>
           <a:prstGeom prst="rect">
             <a:avLst/>
@@ -3546,39 +3545,43 @@
           </a:bodyPr>
           <a:lstStyle/>
           <a:p>
-            <a:r xmlns:a="http://schemas.openxmlformats.org/drawingml/2006/main">
-              <a:rPr lang="en" sz="2000" b="1" dirty="0"/>
-              <a:t>Note: This demo uses the </a:t>
-            </a:r>
-            <a:r xmlns:a="http://schemas.openxmlformats.org/drawingml/2006/main">
-              <a:rPr lang="en" sz="2000" b="1" dirty="0"/>
-              <a:t>AdventureWorks2016 </a:t>
-            </a:r>
-            <a:r xmlns:a="http://schemas.openxmlformats.org/drawingml/2006/main">
-              <a:rPr lang="en" sz="2000" dirty="0"/>
-              <a:t>database </a:t>
-            </a:r>
-            <a:r xmlns:a="http://schemas.openxmlformats.org/drawingml/2006/main">
-              <a:rPr lang="en" sz="2000" dirty="0"/>
-              <a:t>, specifically the </a:t>
-            </a:r>
-            <a:r xmlns:a="http://schemas.openxmlformats.org/drawingml/2006/main">
-              <a:rPr lang="en" sz="2000" b="1" dirty="0" err="1"/>
-              <a:t>DimDate </a:t>
-            </a:r>
-            <a:r xmlns:a="http://schemas.openxmlformats.org/drawingml/2006/main">
-              <a:rPr lang="en" sz="2000" dirty="0"/>
-              <a:t>and </a:t>
-            </a:r>
-            <a:r xmlns:a="http://schemas.openxmlformats.org/drawingml/2006/main">
-              <a:rPr lang="en" sz="2000" b="1" dirty="0" err="1"/>
-              <a:t>FactInternetSales tables </a:t>
-            </a:r>
-            <a:r xmlns:a="http://schemas.openxmlformats.org/drawingml/2006/main">
-              <a:rPr lang="en" sz="2000" dirty="0"/>
-              <a:t>.</a:t>
-            </a:r>
-            <a:endParaRPr xmlns:a="http://schemas.openxmlformats.org/drawingml/2006/main" lang="en-US" sz="2000" dirty="0"/>
+            <a:r>
+              <a:rPr lang="en" b="1" dirty="0"/>
+              <a:t>Note: </a:t>
+            </a:r>
+            <a:r>
+              <a:rPr lang="en" dirty="0"/>
+              <a:t>This demo uses the </a:t>
+            </a:r>
+            <a:r>
+              <a:rPr lang="en" b="1" dirty="0" smtClean="0"/>
+              <a:t>AdventureWorksDW2016</a:t>
+            </a:r>
+            <a:r>
+              <a:rPr lang="en" dirty="0" smtClean="0"/>
+              <a:t> </a:t>
+            </a:r>
+            <a:r>
+              <a:rPr lang="en" dirty="0"/>
+              <a:t>database , specifically the </a:t>
+            </a:r>
+            <a:r>
+              <a:rPr lang="en" b="1" dirty="0"/>
+              <a:t>DimDate</a:t>
+            </a:r>
+            <a:r>
+              <a:rPr lang="en" dirty="0"/>
+              <a:t> and </a:t>
+            </a:r>
+            <a:r>
+              <a:rPr lang="en" b="1" dirty="0"/>
+              <a:t>FactInternetSales</a:t>
+            </a:r>
+            <a:r>
+              <a:rPr lang="en" dirty="0"/>
+              <a:t> tables .</a:t>
+            </a:r>
+            <a:endParaRPr lang="en-US" dirty="0"/>
           </a:p>
         </p:txBody>
       </p:sp>
@@ -3591,7 +3594,7 @@
         <p:spPr>
           <a:xfrm>
             <a:off x="309381" y="1446709"/>
-            <a:ext cx="10319108" cy="707886"/>
+            <a:ext cx="10319108" cy="646331"/>
           </a:xfrm>
           <a:prstGeom prst="rect">
             <a:avLst/>
@@ -3603,35 +3606,35 @@
           </a:bodyPr>
           <a:lstStyle/>
           <a:p>
-            <a:r xmlns:a="http://schemas.openxmlformats.org/drawingml/2006/main">
-              <a:rPr lang="en" sz="2000" dirty="0"/>
+            <a:r>
+              <a:rPr lang="en" dirty="0"/>
               <a:t>Note that there are at least two inactive relationships between </a:t>
             </a:r>
-            <a:r xmlns:a="http://schemas.openxmlformats.org/drawingml/2006/main">
-              <a:rPr lang="en" sz="2000" b="1" dirty="0" err="1"/>
+            <a:r>
+              <a:rPr lang="en" b="1" dirty="0" err="1"/>
               <a:t>DimDate </a:t>
             </a:r>
-            <a:r xmlns:a="http://schemas.openxmlformats.org/drawingml/2006/main">
-              <a:rPr lang="en" sz="2000" dirty="0"/>
+            <a:r>
+              <a:rPr lang="en" dirty="0"/>
               <a:t>on the one hand and </a:t>
             </a:r>
-            <a:r xmlns:a="http://schemas.openxmlformats.org/drawingml/2006/main">
-              <a:rPr lang="en" sz="2000" b="1" dirty="0" err="1"/>
+            <a:r>
+              <a:rPr lang="en" b="1" dirty="0" err="1"/>
               <a:t>FactInternetSales </a:t>
             </a:r>
-            <a:r xmlns:a="http://schemas.openxmlformats.org/drawingml/2006/main">
-              <a:rPr lang="en" sz="2000" dirty="0"/>
+            <a:r>
+              <a:rPr lang="en" dirty="0"/>
               <a:t>on the other, based on the </a:t>
             </a:r>
-            <a:r xmlns:a="http://schemas.openxmlformats.org/drawingml/2006/main">
-              <a:rPr lang="en" sz="2000" b="1" dirty="0" err="1"/>
+            <a:r>
+              <a:rPr lang="en" b="1" dirty="0" err="1"/>
               <a:t>DateKey key </a:t>
             </a:r>
-            <a:r xmlns:a="http://schemas.openxmlformats.org/drawingml/2006/main">
-              <a:rPr lang="en" sz="2000" dirty="0"/>
+            <a:r>
+              <a:rPr lang="en" dirty="0"/>
               <a:t>.</a:t>
             </a:r>
-            <a:endParaRPr xmlns:a="http://schemas.openxmlformats.org/drawingml/2006/main" lang="en-US" sz="2000" dirty="0"/>
+            <a:endParaRPr lang="en-US" dirty="0"/>
           </a:p>
         </p:txBody>
       </p:sp>
@@ -3645,8 +3648,8 @@
         </p:nvSpPr>
         <p:spPr bwMode="auto">
           <a:xfrm>
-            <a:off x="309381" y="2162546"/>
-            <a:ext cx="10278533" cy="707886"/>
+            <a:off x="309381" y="2224101"/>
+            <a:ext cx="10278533" cy="584775"/>
           </a:xfrm>
           <a:prstGeom prst="rect">
             <a:avLst/>
@@ -3694,7 +3697,7 @@
           </a:bodyPr>
           <a:lstStyle/>
           <a:p>
-            <a:pPr xmlns:a="http://schemas.openxmlformats.org/drawingml/2006/main" marL="0" marR="0" lvl="0" indent="0" algn="l" defTabSz="914400" rtl="0" eaLnBrk="0" fontAlgn="base" latinLnBrk="0" hangingPunct="0">
+            <a:pPr marL="0" marR="0" lvl="0" indent="0" algn="l" defTabSz="914400" rtl="0" eaLnBrk="0" fontAlgn="base" latinLnBrk="0" hangingPunct="0">
               <a:lnSpc>
                 <a:spcPct val="100000"/>
               </a:lnSpc>
@@ -3710,8 +3713,8 @@
               <a:buNone/>
               <a:tabLst/>
             </a:pPr>
-            <a:r xmlns:a="http://schemas.openxmlformats.org/drawingml/2006/main">
-              <a:rPr kumimoji="0" lang="en" altLang="en-US" sz="2000" b="0" i="0" u="none" strike="noStrike" cap="none" normalizeH="0" baseline="0" dirty="0" smtClean="0">
+            <a:r>
+              <a:rPr kumimoji="0" lang="en" altLang="en-US" sz="1600" b="0" i="0" u="none" strike="noStrike" cap="none" normalizeH="0" baseline="0" dirty="0" smtClean="0">
                 <a:ln>
                   <a:noFill/>
                 </a:ln>
@@ -3723,8 +3726,8 @@
               </a:rPr>
               <a:t>The </a:t>
             </a:r>
-            <a:r xmlns:a="http://schemas.openxmlformats.org/drawingml/2006/main">
-              <a:rPr kumimoji="0" lang="en" altLang="en-US" sz="2000" b="0" i="0" u="none" strike="noStrike" cap="none" normalizeH="0" baseline="0" dirty="0" err="1" smtClean="0">
+            <a:r>
+              <a:rPr kumimoji="0" lang="en" altLang="en-US" sz="1600" b="0" i="0" u="none" strike="noStrike" cap="none" normalizeH="0" baseline="0" dirty="0" err="1" smtClean="0">
                 <a:ln>
                   <a:noFill/>
                 </a:ln>
@@ -3736,8 +3739,8 @@
               </a:rPr>
               <a:t>function</a:t>
             </a:r>
-            <a:r xmlns:a="http://schemas.openxmlformats.org/drawingml/2006/main">
-              <a:rPr kumimoji="0" lang="en" altLang="en-US" sz="2000" b="0" i="0" u="none" strike="noStrike" cap="none" normalizeH="0" baseline="0" dirty="0" smtClean="0">
+            <a:r>
+              <a:rPr kumimoji="0" lang="en" altLang="en-US" sz="1600" b="0" i="0" u="none" strike="noStrike" cap="none" normalizeH="0" baseline="0" dirty="0" smtClean="0">
                 <a:ln>
                   <a:noFill/>
                 </a:ln>
@@ -3749,8 +3752,8 @@
               </a:rPr>
               <a:t> </a:t>
             </a:r>
-            <a:r xmlns:a="http://schemas.openxmlformats.org/drawingml/2006/main">
-              <a:rPr kumimoji="0" lang="en" altLang="en-US" sz="2000" b="1" i="0" u="none" strike="noStrike" cap="none" normalizeH="0" baseline="0" dirty="0" smtClean="0">
+            <a:r>
+              <a:rPr kumimoji="0" lang="en" altLang="en-US" sz="1600" b="1" i="0" u="none" strike="noStrike" cap="none" normalizeH="0" baseline="0" dirty="0" smtClean="0">
                 <a:ln>
                   <a:noFill/>
                 </a:ln>
@@ -3762,8 +3765,8 @@
               </a:rPr>
               <a:t>UseRelationShip</a:t>
             </a:r>
-            <a:r xmlns:a="http://schemas.openxmlformats.org/drawingml/2006/main">
-              <a:rPr kumimoji="0" lang="en" altLang="en-US" sz="2000" b="0" i="0" u="none" strike="noStrike" cap="none" normalizeH="0" baseline="0" dirty="0" smtClean="0">
+            <a:r>
+              <a:rPr kumimoji="0" lang="en" altLang="en-US" sz="1600" b="0" i="0" u="none" strike="noStrike" cap="none" normalizeH="0" baseline="0" dirty="0" smtClean="0">
                 <a:ln>
                   <a:noFill/>
                 </a:ln>
@@ -3774,8 +3777,8 @@
               </a:rPr>
               <a:t> </a:t>
             </a:r>
-            <a:r xmlns:a="http://schemas.openxmlformats.org/drawingml/2006/main">
-              <a:rPr kumimoji="0" lang="en" altLang="en-US" sz="2000" b="0" i="0" u="none" strike="noStrike" cap="none" normalizeH="0" baseline="0" dirty="0" err="1" smtClean="0">
+            <a:r>
+              <a:rPr kumimoji="0" lang="en" altLang="en-US" sz="1600" b="0" i="0" u="none" strike="noStrike" cap="none" normalizeH="0" baseline="0" dirty="0" err="1" smtClean="0">
                 <a:ln>
                   <a:noFill/>
                 </a:ln>
@@ -3786,8 +3789,8 @@
               </a:rPr>
               <a:t>East</a:t>
             </a:r>
-            <a:r xmlns:a="http://schemas.openxmlformats.org/drawingml/2006/main">
-              <a:rPr kumimoji="0" lang="en" altLang="en-US" sz="2000" b="0" i="0" u="none" strike="noStrike" cap="none" normalizeH="0" baseline="0" dirty="0" smtClean="0">
+            <a:r>
+              <a:rPr kumimoji="0" lang="en" altLang="en-US" sz="1600" b="0" i="0" u="none" strike="noStrike" cap="none" normalizeH="0" baseline="0" dirty="0" smtClean="0">
                 <a:ln>
                   <a:noFill/>
                 </a:ln>
@@ -3798,8 +3801,8 @@
               </a:rPr>
               <a:t> </a:t>
             </a:r>
-            <a:r xmlns:a="http://schemas.openxmlformats.org/drawingml/2006/main">
-              <a:rPr kumimoji="0" lang="en" altLang="en-US" sz="2000" b="0" i="0" u="none" strike="noStrike" cap="none" normalizeH="0" baseline="0" dirty="0" err="1" smtClean="0">
+            <a:r>
+              <a:rPr kumimoji="0" lang="en" altLang="en-US" sz="1600" b="0" i="0" u="none" strike="noStrike" cap="none" normalizeH="0" baseline="0" dirty="0" err="1" smtClean="0">
                 <a:ln>
                   <a:noFill/>
                 </a:ln>
@@ -3810,8 +3813,8 @@
               </a:rPr>
               <a:t>used </a:t>
             </a:r>
-            <a:r xmlns:a="http://schemas.openxmlformats.org/drawingml/2006/main">
-              <a:rPr kumimoji="0" lang="en" altLang="en-US" sz="2000" b="0" i="0" u="none" strike="noStrike" cap="none" normalizeH="0" baseline="0" dirty="0" smtClean="0">
+            <a:r>
+              <a:rPr kumimoji="0" lang="en" altLang="en-US" sz="1600" b="0" i="0" u="none" strike="noStrike" cap="none" normalizeH="0" baseline="0" dirty="0" smtClean="0">
                 <a:ln>
                   <a:noFill/>
                 </a:ln>
@@ -3822,8 +3825,8 @@
               </a:rPr>
               <a:t>to exploit </a:t>
             </a:r>
-            <a:r xmlns:a="http://schemas.openxmlformats.org/drawingml/2006/main">
-              <a:rPr kumimoji="0" lang="en" altLang="en-US" sz="2000" b="0" i="0" u="none" strike="noStrike" cap="none" normalizeH="0" baseline="0" dirty="0" err="1" smtClean="0">
+            <a:r>
+              <a:rPr kumimoji="0" lang="en" altLang="en-US" sz="1600" b="0" i="0" u="none" strike="noStrike" cap="none" normalizeH="0" baseline="0" dirty="0" err="1" smtClean="0">
                 <a:ln>
                   <a:noFill/>
                 </a:ln>
@@ -3834,8 +3837,8 @@
               </a:rPr>
               <a:t>a </a:t>
             </a:r>
-            <a:r xmlns:a="http://schemas.openxmlformats.org/drawingml/2006/main">
-              <a:rPr kumimoji="0" lang="en" altLang="en-US" sz="2000" b="0" i="0" u="none" strike="noStrike" cap="none" normalizeH="0" baseline="0" dirty="0" smtClean="0">
+            <a:r>
+              <a:rPr kumimoji="0" lang="en" altLang="en-US" sz="1600" b="0" i="0" u="none" strike="noStrike" cap="none" normalizeH="0" baseline="0" dirty="0" smtClean="0">
                 <a:ln>
                   <a:noFill/>
                 </a:ln>
@@ -3846,8 +3849,8 @@
               </a:rPr>
               <a:t>relationship between </a:t>
             </a:r>
-            <a:r xmlns:a="http://schemas.openxmlformats.org/drawingml/2006/main">
-              <a:rPr kumimoji="0" lang="en" altLang="en-US" sz="2000" b="0" i="0" u="none" strike="noStrike" cap="none" normalizeH="0" baseline="0" dirty="0" err="1" smtClean="0">
+            <a:r>
+              <a:rPr kumimoji="0" lang="en" altLang="en-US" sz="1600" b="0" i="0" u="none" strike="noStrike" cap="none" normalizeH="0" baseline="0" dirty="0" err="1" smtClean="0">
                 <a:ln>
                   <a:noFill/>
                 </a:ln>
@@ -3858,8 +3861,8 @@
               </a:rPr>
               <a:t>two </a:t>
             </a:r>
-            <a:r xmlns:a="http://schemas.openxmlformats.org/drawingml/2006/main">
-              <a:rPr kumimoji="0" lang="en" altLang="en-US" sz="2000" b="0" i="0" u="none" strike="noStrike" cap="none" normalizeH="0" baseline="0" dirty="0" smtClean="0">
+            <a:r>
+              <a:rPr kumimoji="0" lang="en" altLang="en-US" sz="1600" b="0" i="0" u="none" strike="noStrike" cap="none" normalizeH="0" baseline="0" dirty="0" smtClean="0">
                 <a:ln>
                   <a:noFill/>
                 </a:ln>
@@ -3872,7 +3875,7 @@
             </a:r>
           </a:p>
           <a:p>
-            <a:pPr xmlns:a="http://schemas.openxmlformats.org/drawingml/2006/main" marL="0" marR="0" lvl="0" indent="0" algn="l" defTabSz="914400" rtl="0" eaLnBrk="0" fontAlgn="base" latinLnBrk="0" hangingPunct="0">
+            <a:pPr marL="0" marR="0" lvl="0" indent="0" algn="l" defTabSz="914400" rtl="0" eaLnBrk="0" fontAlgn="base" latinLnBrk="0" hangingPunct="0">
               <a:lnSpc>
                 <a:spcPct val="100000"/>
               </a:lnSpc>
@@ -3888,8 +3891,8 @@
               <a:buNone/>
               <a:tabLst/>
             </a:pPr>
-            <a:r xmlns:a="http://schemas.openxmlformats.org/drawingml/2006/main">
-              <a:rPr kumimoji="0" lang="en" altLang="en-US" sz="2000" b="0" i="0" u="none" strike="noStrike" cap="none" normalizeH="0" baseline="0" dirty="0" err="1" smtClean="0">
+            <a:r>
+              <a:rPr kumimoji="0" lang="en" altLang="en-US" sz="1600" b="0" i="0" u="none" strike="noStrike" cap="none" normalizeH="0" baseline="0" dirty="0" err="1" smtClean="0">
                 <a:ln>
                   <a:noFill/>
                 </a:ln>
@@ -3900,8 +3903,8 @@
               </a:rPr>
               <a:t>even</a:t>
             </a:r>
-            <a:r xmlns:a="http://schemas.openxmlformats.org/drawingml/2006/main">
-              <a:rPr kumimoji="0" lang="en" altLang="en-US" sz="2000" b="0" i="0" u="none" strike="noStrike" cap="none" normalizeH="0" baseline="0" dirty="0" smtClean="0">
+            <a:r>
+              <a:rPr kumimoji="0" lang="en" altLang="en-US" sz="1600" b="0" i="0" u="none" strike="noStrike" cap="none" normalizeH="0" baseline="0" dirty="0" smtClean="0">
                 <a:ln>
                   <a:noFill/>
                 </a:ln>
@@ -3912,8 +3915,8 @@
               </a:rPr>
               <a:t> </a:t>
             </a:r>
-            <a:r xmlns:a="http://schemas.openxmlformats.org/drawingml/2006/main">
-              <a:rPr kumimoji="0" lang="en" altLang="en-US" sz="2000" b="0" i="0" u="none" strike="noStrike" cap="none" normalizeH="0" baseline="0" dirty="0" err="1" smtClean="0">
+            <a:r>
+              <a:rPr kumimoji="0" lang="en" altLang="en-US" sz="1600" b="0" i="0" u="none" strike="noStrike" cap="none" normalizeH="0" baseline="0" dirty="0" err="1" smtClean="0">
                 <a:ln>
                   <a:noFill/>
                 </a:ln>
@@ -3924,8 +3927,8 @@
               </a:rPr>
               <a:t>if</a:t>
             </a:r>
-            <a:r xmlns:a="http://schemas.openxmlformats.org/drawingml/2006/main">
-              <a:rPr kumimoji="0" lang="en" altLang="en-US" sz="2000" b="0" i="0" u="none" strike="noStrike" cap="none" normalizeH="0" baseline="0" dirty="0" smtClean="0">
+            <a:r>
+              <a:rPr kumimoji="0" lang="en" altLang="en-US" sz="1600" b="0" i="0" u="none" strike="noStrike" cap="none" normalizeH="0" baseline="0" dirty="0" smtClean="0">
                 <a:ln>
                   <a:noFill/>
                 </a:ln>
@@ -3936,8 +3939,8 @@
               </a:rPr>
               <a:t> </a:t>
             </a:r>
-            <a:r xmlns:a="http://schemas.openxmlformats.org/drawingml/2006/main">
-              <a:rPr kumimoji="0" lang="en" altLang="en-US" sz="2000" b="0" i="0" u="none" strike="noStrike" cap="none" normalizeH="0" baseline="0" dirty="0" err="1" smtClean="0">
+            <a:r>
+              <a:rPr kumimoji="0" lang="en" altLang="en-US" sz="1600" b="0" i="0" u="none" strike="noStrike" cap="none" normalizeH="0" baseline="0" dirty="0" err="1" smtClean="0">
                 <a:ln>
                   <a:noFill/>
                 </a:ln>
@@ -3948,8 +3951,8 @@
               </a:rPr>
               <a:t>She</a:t>
             </a:r>
-            <a:r xmlns:a="http://schemas.openxmlformats.org/drawingml/2006/main">
-              <a:rPr kumimoji="0" lang="en" altLang="en-US" sz="2000" b="0" i="0" u="none" strike="noStrike" cap="none" normalizeH="0" baseline="0" dirty="0" smtClean="0">
+            <a:r>
+              <a:rPr kumimoji="0" lang="en" altLang="en-US" sz="1600" b="0" i="0" u="none" strike="noStrike" cap="none" normalizeH="0" baseline="0" dirty="0" smtClean="0">
                 <a:ln>
                   <a:noFill/>
                 </a:ln>
@@ -3960,8 +3963,8 @@
               </a:rPr>
               <a:t> </a:t>
             </a:r>
-            <a:r xmlns:a="http://schemas.openxmlformats.org/drawingml/2006/main">
-              <a:rPr kumimoji="0" lang="en" altLang="en-US" sz="2000" b="0" i="0" u="none" strike="noStrike" cap="none" normalizeH="0" baseline="0" dirty="0" err="1" smtClean="0">
+            <a:r>
+              <a:rPr kumimoji="0" lang="en" altLang="en-US" sz="1600" b="0" i="0" u="none" strike="noStrike" cap="none" normalizeH="0" baseline="0" dirty="0" err="1" smtClean="0">
                 <a:ln>
                   <a:noFill/>
                 </a:ln>
@@ -3972,8 +3975,8 @@
               </a:rPr>
               <a:t>is not </a:t>
             </a:r>
-            <a:r xmlns:a="http://schemas.openxmlformats.org/drawingml/2006/main">
-              <a:rPr kumimoji="0" lang="en" altLang="en-US" sz="2000" b="0" i="0" u="none" strike="noStrike" cap="none" normalizeH="0" baseline="0" dirty="0" smtClean="0">
+            <a:r>
+              <a:rPr kumimoji="0" lang="en" altLang="en-US" sz="1600" b="0" i="0" u="none" strike="noStrike" cap="none" normalizeH="0" baseline="0" dirty="0" smtClean="0">
                 <a:ln>
                   <a:noFill/>
                 </a:ln>
@@ -3984,8 +3987,8 @@
               </a:rPr>
               <a:t>fully </a:t>
             </a:r>
-            <a:r xmlns:a="http://schemas.openxmlformats.org/drawingml/2006/main">
-              <a:rPr kumimoji="0" lang="en" altLang="en-US" sz="2000" b="0" i="0" u="none" strike="noStrike" cap="none" normalizeH="0" baseline="0" dirty="0" err="1" smtClean="0">
+            <a:r>
+              <a:rPr kumimoji="0" lang="en" altLang="en-US" sz="1600" b="0" i="0" u="none" strike="noStrike" cap="none" normalizeH="0" baseline="0" dirty="0" err="1" smtClean="0">
                 <a:ln>
                   <a:noFill/>
                 </a:ln>
@@ -3996,8 +3999,8 @@
               </a:rPr>
               <a:t>active </a:t>
             </a:r>
-            <a:r xmlns:a="http://schemas.openxmlformats.org/drawingml/2006/main">
-              <a:rPr kumimoji="0" lang="en" altLang="en-US" sz="2000" b="0" i="0" u="none" strike="noStrike" cap="none" normalizeH="0" baseline="0" dirty="0" smtClean="0">
+            <a:r>
+              <a:rPr kumimoji="0" lang="en" altLang="en-US" sz="1600" b="0" i="0" u="none" strike="noStrike" cap="none" normalizeH="0" baseline="0" dirty="0" smtClean="0">
                 <a:ln>
                   <a:noFill/>
                 </a:ln>
@@ -4008,7 +4011,7 @@
               </a:rPr>
               <a:t>.</a:t>
             </a:r>
-            <a:endParaRPr xmlns:a="http://schemas.openxmlformats.org/drawingml/2006/main" kumimoji="0" lang="en-US" altLang="en-US" sz="2000" b="0" i="0" u="none" strike="noStrike" cap="none" normalizeH="0" baseline="0" dirty="0" smtClean="0">
+            <a:endParaRPr kumimoji="0" lang="en-US" altLang="en-US" sz="1600" b="0" i="0" u="none" strike="noStrike" cap="none" normalizeH="0" baseline="0" dirty="0" smtClean="0">
               <a:ln>
                 <a:noFill/>
               </a:ln>
@@ -4060,7 +4063,7 @@
         <p:spPr>
           <a:xfrm>
             <a:off x="309383" y="261257"/>
-            <a:ext cx="2541401" cy="461665"/>
+            <a:ext cx="2019399" cy="400110"/>
           </a:xfrm>
           <a:prstGeom prst="rect">
             <a:avLst/>
@@ -4073,14 +4076,14 @@
           </a:bodyPr>
           <a:lstStyle/>
           <a:p>
-            <a:r xmlns:a="http://schemas.openxmlformats.org/drawingml/2006/main">
-              <a:rPr lang="en" sz="2400" b="1" dirty="0" smtClean="0">
+            <a:r>
+              <a:rPr lang="en" sz="2000" dirty="0" smtClean="0">
                 <a:latin typeface="Segoe UI" panose="020B0502040204020203" pitchFamily="34" charset="0"/>
                 <a:cs typeface="Segoe UI" panose="020B0502040204020203" pitchFamily="34" charset="0"/>
               </a:rPr>
               <a:t>UseRelationShip</a:t>
             </a:r>
-            <a:endParaRPr xmlns:a="http://schemas.openxmlformats.org/drawingml/2006/main" lang="en-US" sz="2400" b="1" dirty="0">
+            <a:endParaRPr lang="en-US" sz="2000" dirty="0">
               <a:latin typeface="Segoe UI" panose="020B0502040204020203" pitchFamily="34" charset="0"/>
               <a:cs typeface="Segoe UI" panose="020B0502040204020203" pitchFamily="34" charset="0"/>
             </a:endParaRPr>
@@ -4096,7 +4099,7 @@
         <p:spPr>
           <a:xfrm>
             <a:off x="309383" y="1624844"/>
-            <a:ext cx="11441744" cy="923330"/>
+            <a:ext cx="11441744" cy="584775"/>
           </a:xfrm>
           <a:prstGeom prst="rect">
             <a:avLst/>
@@ -4108,8 +4111,8 @@
           </a:bodyPr>
           <a:lstStyle/>
           <a:p>
-            <a:r xmlns:a="http://schemas.openxmlformats.org/drawingml/2006/main">
-              <a:rPr lang="en" dirty="0">
+            <a:r>
+              <a:rPr lang="en" sz="1600" dirty="0">
                 <a:solidFill>
                   <a:srgbClr val="000000"/>
                 </a:solidFill>
@@ -4117,8 +4120,8 @@
               </a:rPr>
               <a:t>Sales First Quarter = </a:t>
             </a:r>
-            <a:r xmlns:a="http://schemas.openxmlformats.org/drawingml/2006/main">
-              <a:rPr lang="en" dirty="0">
+            <a:r>
+              <a:rPr lang="en" sz="1600" dirty="0">
                 <a:solidFill>
                   <a:srgbClr val="3165BB"/>
                 </a:solidFill>
@@ -4126,8 +4129,8 @@
               </a:rPr>
               <a:t>CALCULATE </a:t>
             </a:r>
-            <a:r xmlns:a="http://schemas.openxmlformats.org/drawingml/2006/main">
-              <a:rPr lang="en" dirty="0">
+            <a:r>
+              <a:rPr lang="en" sz="1600" dirty="0">
                 <a:solidFill>
                   <a:srgbClr val="000000"/>
                 </a:solidFill>
@@ -4135,8 +4138,8 @@
               </a:rPr>
               <a:t>( </a:t>
             </a:r>
-            <a:r xmlns:a="http://schemas.openxmlformats.org/drawingml/2006/main">
-              <a:rPr lang="en" dirty="0">
+            <a:r>
+              <a:rPr lang="en" sz="1600" dirty="0">
                 <a:solidFill>
                   <a:srgbClr val="3165BB"/>
                 </a:solidFill>
@@ -4144,8 +4147,8 @@
               </a:rPr>
               <a:t>SUMX </a:t>
             </a:r>
-            <a:r xmlns:a="http://schemas.openxmlformats.org/drawingml/2006/main">
-              <a:rPr lang="en" dirty="0">
+            <a:r>
+              <a:rPr lang="en" sz="1600" dirty="0">
                 <a:solidFill>
                   <a:srgbClr val="000000"/>
                 </a:solidFill>
@@ -4153,8 +4156,8 @@
               </a:rPr>
               <a:t>( </a:t>
             </a:r>
-            <a:r xmlns:a="http://schemas.openxmlformats.org/drawingml/2006/main">
-              <a:rPr lang="en" dirty="0" err="1">
+            <a:r>
+              <a:rPr lang="en" sz="1600" dirty="0" err="1">
                 <a:solidFill>
                   <a:srgbClr val="001080"/>
                 </a:solidFill>
@@ -4162,8 +4165,8 @@
               </a:rPr>
               <a:t>FactInternetSales </a:t>
             </a:r>
-            <a:r xmlns:a="http://schemas.openxmlformats.org/drawingml/2006/main">
-              <a:rPr lang="en" dirty="0" err="1">
+            <a:r>
+              <a:rPr lang="en" sz="1600" dirty="0" err="1">
                 <a:solidFill>
                   <a:srgbClr val="000000"/>
                 </a:solidFill>
@@ -4171,8 +4174,8 @@
               </a:rPr>
               <a:t>, </a:t>
             </a:r>
-            <a:r xmlns:a="http://schemas.openxmlformats.org/drawingml/2006/main">
-              <a:rPr lang="en" dirty="0" err="1">
+            <a:r>
+              <a:rPr lang="en" sz="1600" dirty="0" err="1">
                 <a:solidFill>
                   <a:srgbClr val="001080"/>
                 </a:solidFill>
@@ -4180,8 +4183,8 @@
               </a:rPr>
               <a:t>FactInternetSales </a:t>
             </a:r>
-            <a:r xmlns:a="http://schemas.openxmlformats.org/drawingml/2006/main">
-              <a:rPr lang="en" dirty="0">
+            <a:r>
+              <a:rPr lang="en" sz="1600" dirty="0">
                 <a:solidFill>
                   <a:srgbClr val="001080"/>
                 </a:solidFill>
@@ -4189,8 +4192,8 @@
               </a:rPr>
               <a:t>[ </a:t>
             </a:r>
-            <a:r xmlns:a="http://schemas.openxmlformats.org/drawingml/2006/main">
-              <a:rPr lang="en" dirty="0" err="1">
+            <a:r>
+              <a:rPr lang="en" sz="1600" dirty="0" err="1">
                 <a:solidFill>
                   <a:srgbClr val="001080"/>
                 </a:solidFill>
@@ -4198,8 +4201,8 @@
               </a:rPr>
               <a:t>OrderQuantity </a:t>
             </a:r>
-            <a:r xmlns:a="http://schemas.openxmlformats.org/drawingml/2006/main">
-              <a:rPr lang="en" dirty="0">
+            <a:r>
+              <a:rPr lang="en" sz="1600" dirty="0">
                 <a:solidFill>
                   <a:srgbClr val="001080"/>
                 </a:solidFill>
@@ -4207,8 +4210,8 @@
               </a:rPr>
               <a:t>] </a:t>
             </a:r>
-            <a:r xmlns:a="http://schemas.openxmlformats.org/drawingml/2006/main">
-              <a:rPr lang="en" dirty="0">
+            <a:r>
+              <a:rPr lang="en" sz="1600" dirty="0">
                 <a:solidFill>
                   <a:srgbClr val="000000"/>
                 </a:solidFill>
@@ -4216,8 +4219,8 @@
               </a:rPr>
               <a:t>* </a:t>
             </a:r>
-            <a:r xmlns:a="http://schemas.openxmlformats.org/drawingml/2006/main">
-              <a:rPr lang="en" dirty="0" err="1">
+            <a:r>
+              <a:rPr lang="en" sz="1600" dirty="0" err="1">
                 <a:solidFill>
                   <a:srgbClr val="001080"/>
                 </a:solidFill>
@@ -4225,8 +4228,8 @@
               </a:rPr>
               <a:t>FactInternetSales </a:t>
             </a:r>
-            <a:r xmlns:a="http://schemas.openxmlformats.org/drawingml/2006/main">
-              <a:rPr lang="en" dirty="0">
+            <a:r>
+              <a:rPr lang="en" sz="1600" dirty="0">
                 <a:solidFill>
                   <a:srgbClr val="001080"/>
                 </a:solidFill>
@@ -4234,8 +4237,8 @@
               </a:rPr>
               <a:t>[ </a:t>
             </a:r>
-            <a:r xmlns:a="http://schemas.openxmlformats.org/drawingml/2006/main">
-              <a:rPr lang="en" dirty="0" err="1">
+            <a:r>
+              <a:rPr lang="en" sz="1600" dirty="0" err="1">
                 <a:solidFill>
                   <a:srgbClr val="001080"/>
                 </a:solidFill>
@@ -4243,8 +4246,8 @@
               </a:rPr>
               <a:t>UnitPrice </a:t>
             </a:r>
-            <a:r xmlns:a="http://schemas.openxmlformats.org/drawingml/2006/main">
-              <a:rPr lang="en" dirty="0">
+            <a:r>
+              <a:rPr lang="en" sz="1600" dirty="0">
                 <a:solidFill>
                   <a:srgbClr val="001080"/>
                 </a:solidFill>
@@ -4252,8 +4255,8 @@
               </a:rPr>
               <a:t>] </a:t>
             </a:r>
-            <a:r xmlns:a="http://schemas.openxmlformats.org/drawingml/2006/main">
-              <a:rPr lang="en" dirty="0">
+            <a:r>
+              <a:rPr lang="en" sz="1600" dirty="0">
                 <a:solidFill>
                   <a:srgbClr val="000000"/>
                 </a:solidFill>
@@ -4261,8 +4264,8 @@
               </a:rPr>
               <a:t>), </a:t>
             </a:r>
-            <a:r xmlns:a="http://schemas.openxmlformats.org/drawingml/2006/main">
-              <a:rPr lang="en" dirty="0">
+            <a:r>
+              <a:rPr lang="en" sz="1600" dirty="0">
                 <a:solidFill>
                   <a:srgbClr val="3165BB"/>
                 </a:solidFill>
@@ -4270,8 +4273,8 @@
               </a:rPr>
               <a:t>FILTER </a:t>
             </a:r>
-            <a:r xmlns:a="http://schemas.openxmlformats.org/drawingml/2006/main">
-              <a:rPr lang="en" dirty="0">
+            <a:r>
+              <a:rPr lang="en" sz="1600" dirty="0">
                 <a:solidFill>
                   <a:srgbClr val="000000"/>
                 </a:solidFill>
@@ -4279,8 +4282,8 @@
               </a:rPr>
               <a:t>( </a:t>
             </a:r>
-            <a:r xmlns:a="http://schemas.openxmlformats.org/drawingml/2006/main">
-              <a:rPr lang="en" dirty="0" err="1">
+            <a:r>
+              <a:rPr lang="en" sz="1600" dirty="0" err="1">
                 <a:solidFill>
                   <a:srgbClr val="001080"/>
                 </a:solidFill>
@@ -4288,8 +4291,8 @@
               </a:rPr>
               <a:t>DimDate </a:t>
             </a:r>
-            <a:r xmlns:a="http://schemas.openxmlformats.org/drawingml/2006/main">
-              <a:rPr lang="en" dirty="0">
+            <a:r>
+              <a:rPr lang="en" sz="1600" dirty="0">
                 <a:solidFill>
                   <a:srgbClr val="000000"/>
                 </a:solidFill>
@@ -4297,8 +4300,8 @@
               </a:rPr>
               <a:t>, </a:t>
             </a:r>
-            <a:r xmlns:a="http://schemas.openxmlformats.org/drawingml/2006/main">
-              <a:rPr lang="en" dirty="0" err="1">
+            <a:r>
+              <a:rPr lang="en" sz="1600" dirty="0" err="1">
                 <a:solidFill>
                   <a:srgbClr val="001080"/>
                 </a:solidFill>
@@ -4306,8 +4309,8 @@
               </a:rPr>
               <a:t>DimDate </a:t>
             </a:r>
-            <a:r xmlns:a="http://schemas.openxmlformats.org/drawingml/2006/main">
-              <a:rPr lang="en" dirty="0">
+            <a:r>
+              <a:rPr lang="en" sz="1600" dirty="0">
                 <a:solidFill>
                   <a:srgbClr val="001080"/>
                 </a:solidFill>
@@ -4315,8 +4318,8 @@
               </a:rPr>
               <a:t>[ </a:t>
             </a:r>
-            <a:r xmlns:a="http://schemas.openxmlformats.org/drawingml/2006/main">
-              <a:rPr lang="en" dirty="0" err="1">
+            <a:r>
+              <a:rPr lang="en" sz="1600" dirty="0" err="1">
                 <a:solidFill>
                   <a:srgbClr val="001080"/>
                 </a:solidFill>
@@ -4324,8 +4327,8 @@
               </a:rPr>
               <a:t>CalendarQuarter </a:t>
             </a:r>
-            <a:r xmlns:a="http://schemas.openxmlformats.org/drawingml/2006/main">
-              <a:rPr lang="en" dirty="0">
+            <a:r>
+              <a:rPr lang="en" sz="1600" dirty="0">
                 <a:solidFill>
                   <a:srgbClr val="001080"/>
                 </a:solidFill>
@@ -4333,8 +4336,8 @@
               </a:rPr>
               <a:t>] </a:t>
             </a:r>
-            <a:r xmlns:a="http://schemas.openxmlformats.org/drawingml/2006/main">
-              <a:rPr lang="en" dirty="0">
+            <a:r>
+              <a:rPr lang="en" sz="1600" dirty="0">
                 <a:solidFill>
                   <a:srgbClr val="000000"/>
                 </a:solidFill>
@@ -4342,8 +4345,8 @@
               </a:rPr>
               <a:t>= </a:t>
             </a:r>
-            <a:r xmlns:a="http://schemas.openxmlformats.org/drawingml/2006/main">
-              <a:rPr lang="en" dirty="0">
+            <a:r>
+              <a:rPr lang="en" sz="1600" dirty="0">
                 <a:solidFill>
                   <a:srgbClr val="098658"/>
                 </a:solidFill>
@@ -4351,8 +4354,8 @@
               </a:rPr>
               <a:t>1 </a:t>
             </a:r>
-            <a:r xmlns:a="http://schemas.openxmlformats.org/drawingml/2006/main">
-              <a:rPr lang="en" dirty="0">
+            <a:r>
+              <a:rPr lang="en" sz="1600" dirty="0">
                 <a:solidFill>
                   <a:srgbClr val="000000"/>
                 </a:solidFill>
@@ -4360,7 +4363,7 @@
               </a:rPr>
               <a:t>))</a:t>
             </a:r>
-            <a:endParaRPr xmlns:a="http://schemas.openxmlformats.org/drawingml/2006/main" lang="en-US" b="0" dirty="0">
+            <a:endParaRPr lang="en-US" sz="1600" b="0" dirty="0">
               <a:solidFill>
                 <a:srgbClr val="000000"/>
               </a:solidFill>
@@ -4378,8 +4381,8 @@
         </p:nvSpPr>
         <p:spPr>
           <a:xfrm>
-            <a:off x="429929" y="3870498"/>
-            <a:ext cx="10841254" cy="1231106"/>
+            <a:off x="309383" y="3187521"/>
+            <a:ext cx="10841254" cy="892552"/>
           </a:xfrm>
           <a:prstGeom prst="rect">
             <a:avLst/>
@@ -4391,8 +4394,8 @@
           </a:bodyPr>
           <a:lstStyle/>
           <a:p>
-            <a:r xmlns:a="http://schemas.openxmlformats.org/drawingml/2006/main">
-              <a:rPr lang="en" dirty="0">
+            <a:r>
+              <a:rPr lang="en" sz="1600" dirty="0">
                 <a:solidFill>
                   <a:srgbClr val="000000"/>
                 </a:solidFill>
@@ -4400,8 +4403,8 @@
               </a:rPr>
               <a:t>Sales First </a:t>
             </a:r>
-            <a:r xmlns:a="http://schemas.openxmlformats.org/drawingml/2006/main">
-              <a:rPr lang="en" dirty="0">
+            <a:r>
+              <a:rPr lang="en" sz="1600" dirty="0">
                 <a:solidFill>
                   <a:srgbClr val="3165BB"/>
                 </a:solidFill>
@@ -4409,8 +4412,8 @@
               </a:rPr>
               <a:t>Quarter </a:t>
             </a:r>
-            <a:r xmlns:a="http://schemas.openxmlformats.org/drawingml/2006/main">
-              <a:rPr lang="en" dirty="0">
+            <a:r>
+              <a:rPr lang="en" sz="1600" dirty="0">
                 <a:solidFill>
                   <a:srgbClr val="000000"/>
                 </a:solidFill>
@@ -4418,8 +4421,8 @@
               </a:rPr>
               <a:t>(Due Date) = </a:t>
             </a:r>
-            <a:r xmlns:a="http://schemas.openxmlformats.org/drawingml/2006/main">
-              <a:rPr lang="en" dirty="0">
+            <a:r>
+              <a:rPr lang="en" sz="1600" dirty="0">
                 <a:solidFill>
                   <a:srgbClr val="3165BB"/>
                 </a:solidFill>
@@ -4427,8 +4430,8 @@
               </a:rPr>
               <a:t>CALCULATE </a:t>
             </a:r>
-            <a:r xmlns:a="http://schemas.openxmlformats.org/drawingml/2006/main">
-              <a:rPr lang="en" dirty="0">
+            <a:r>
+              <a:rPr lang="en" sz="1600" dirty="0">
                 <a:solidFill>
                   <a:srgbClr val="000000"/>
                 </a:solidFill>
@@ -4436,8 +4439,8 @@
               </a:rPr>
               <a:t>( </a:t>
             </a:r>
-            <a:r xmlns:a="http://schemas.openxmlformats.org/drawingml/2006/main">
-              <a:rPr lang="en" dirty="0">
+            <a:r>
+              <a:rPr lang="en" sz="1600" dirty="0">
                 <a:solidFill>
                   <a:srgbClr val="3165BB"/>
                 </a:solidFill>
@@ -4445,8 +4448,8 @@
               </a:rPr>
               <a:t>SUMX </a:t>
             </a:r>
-            <a:r xmlns:a="http://schemas.openxmlformats.org/drawingml/2006/main">
-              <a:rPr lang="en" dirty="0">
+            <a:r>
+              <a:rPr lang="en" sz="1600" dirty="0">
                 <a:solidFill>
                   <a:srgbClr val="000000"/>
                 </a:solidFill>
@@ -4454,8 +4457,8 @@
               </a:rPr>
               <a:t>( </a:t>
             </a:r>
-            <a:r xmlns:a="http://schemas.openxmlformats.org/drawingml/2006/main">
-              <a:rPr lang="en" dirty="0" err="1">
+            <a:r>
+              <a:rPr lang="en" sz="1600" dirty="0" err="1">
                 <a:solidFill>
                   <a:srgbClr val="000000"/>
                 </a:solidFill>
@@ -4463,8 +4466,8 @@
               </a:rPr>
               <a:t>FactInternetSales,FactInternetSales </a:t>
             </a:r>
-            <a:r xmlns:a="http://schemas.openxmlformats.org/drawingml/2006/main">
-              <a:rPr lang="en" dirty="0">
+            <a:r>
+              <a:rPr lang="en" sz="1600" dirty="0">
                 <a:solidFill>
                   <a:srgbClr val="000000"/>
                 </a:solidFill>
@@ -4472,8 +4475,8 @@
               </a:rPr>
               <a:t>[ </a:t>
             </a:r>
-            <a:r xmlns:a="http://schemas.openxmlformats.org/drawingml/2006/main">
-              <a:rPr lang="en" dirty="0" err="1">
+            <a:r>
+              <a:rPr lang="en" sz="1600" dirty="0" err="1">
                 <a:solidFill>
                   <a:srgbClr val="000000"/>
                 </a:solidFill>
@@ -4481,8 +4484,8 @@
               </a:rPr>
               <a:t>OrderQuantity </a:t>
             </a:r>
-            <a:r xmlns:a="http://schemas.openxmlformats.org/drawingml/2006/main">
-              <a:rPr lang="en" dirty="0">
+            <a:r>
+              <a:rPr lang="en" sz="1600" dirty="0">
                 <a:solidFill>
                   <a:srgbClr val="000000"/>
                 </a:solidFill>
@@ -4490,8 +4493,8 @@
               </a:rPr>
               <a:t>]* </a:t>
             </a:r>
-            <a:r xmlns:a="http://schemas.openxmlformats.org/drawingml/2006/main">
-              <a:rPr lang="en" dirty="0" err="1">
+            <a:r>
+              <a:rPr lang="en" sz="1600" dirty="0" err="1">
                 <a:solidFill>
                   <a:srgbClr val="000000"/>
                 </a:solidFill>
@@ -4499,8 +4502,8 @@
               </a:rPr>
               <a:t>FactInternetSales </a:t>
             </a:r>
-            <a:r xmlns:a="http://schemas.openxmlformats.org/drawingml/2006/main">
-              <a:rPr lang="en" dirty="0">
+            <a:r>
+              <a:rPr lang="en" sz="1600" dirty="0">
                 <a:solidFill>
                   <a:srgbClr val="000000"/>
                 </a:solidFill>
@@ -4508,8 +4511,8 @@
               </a:rPr>
               <a:t>[ </a:t>
             </a:r>
-            <a:r xmlns:a="http://schemas.openxmlformats.org/drawingml/2006/main">
-              <a:rPr lang="en" dirty="0" err="1">
+            <a:r>
+              <a:rPr lang="en" sz="1600" dirty="0" err="1">
                 <a:solidFill>
                   <a:srgbClr val="000000"/>
                 </a:solidFill>
@@ -4517,8 +4520,8 @@
               </a:rPr>
               <a:t>UnitPrice </a:t>
             </a:r>
-            <a:r xmlns:a="http://schemas.openxmlformats.org/drawingml/2006/main">
-              <a:rPr lang="en" dirty="0">
+            <a:r>
+              <a:rPr lang="en" sz="1600" dirty="0">
                 <a:solidFill>
                   <a:srgbClr val="000000"/>
                 </a:solidFill>
@@ -4526,8 +4529,8 @@
               </a:rPr>
               <a:t>]), </a:t>
             </a:r>
-            <a:r xmlns:a="http://schemas.openxmlformats.org/drawingml/2006/main">
-              <a:rPr lang="en" sz="2000" b="1" i="1" dirty="0">
+            <a:r>
+              <a:rPr lang="en" b="1" i="1" dirty="0">
                 <a:solidFill>
                   <a:srgbClr val="3165BB"/>
                 </a:solidFill>
@@ -4542,8 +4545,8 @@
               </a:rPr>
               <a:t>USERELATIONSHIP </a:t>
             </a:r>
-            <a:r xmlns:a="http://schemas.openxmlformats.org/drawingml/2006/main">
-              <a:rPr lang="en" sz="2000" b="1" i="1" dirty="0">
+            <a:r>
+              <a:rPr lang="en" b="1" i="1" dirty="0">
                 <a:solidFill>
                   <a:srgbClr val="000000"/>
                 </a:solidFill>
@@ -4558,8 +4561,8 @@
               </a:rPr>
               <a:t>( </a:t>
             </a:r>
-            <a:r xmlns:a="http://schemas.openxmlformats.org/drawingml/2006/main">
-              <a:rPr lang="en" sz="2000" b="1" i="1" dirty="0" err="1">
+            <a:r>
+              <a:rPr lang="en" b="1" i="1" dirty="0" err="1">
                 <a:solidFill>
                   <a:srgbClr val="000000"/>
                 </a:solidFill>
@@ -4574,8 +4577,8 @@
               </a:rPr>
               <a:t>DimDate </a:t>
             </a:r>
-            <a:r xmlns:a="http://schemas.openxmlformats.org/drawingml/2006/main">
-              <a:rPr lang="en" sz="2000" b="1" i="1" dirty="0">
+            <a:r>
+              <a:rPr lang="en" b="1" i="1" dirty="0">
                 <a:solidFill>
                   <a:srgbClr val="000000"/>
                 </a:solidFill>
@@ -4590,8 +4593,8 @@
               </a:rPr>
               <a:t>[ </a:t>
             </a:r>
-            <a:r xmlns:a="http://schemas.openxmlformats.org/drawingml/2006/main">
-              <a:rPr lang="en" sz="2000" b="1" i="1" dirty="0" err="1">
+            <a:r>
+              <a:rPr lang="en" b="1" i="1" dirty="0" err="1">
                 <a:solidFill>
                   <a:srgbClr val="000000"/>
                 </a:solidFill>
@@ -4606,8 +4609,8 @@
               </a:rPr>
               <a:t>DateKey </a:t>
             </a:r>
-            <a:r xmlns:a="http://schemas.openxmlformats.org/drawingml/2006/main">
-              <a:rPr lang="en" sz="2000" b="1" i="1" dirty="0">
+            <a:r>
+              <a:rPr lang="en" b="1" i="1" dirty="0">
                 <a:solidFill>
                   <a:srgbClr val="000000"/>
                 </a:solidFill>
@@ -4622,8 +4625,8 @@
               </a:rPr>
               <a:t>], </a:t>
             </a:r>
-            <a:r xmlns:a="http://schemas.openxmlformats.org/drawingml/2006/main">
-              <a:rPr lang="en" sz="2000" b="1" i="1" dirty="0" err="1">
+            <a:r>
+              <a:rPr lang="en" b="1" i="1" dirty="0" err="1">
                 <a:solidFill>
                   <a:srgbClr val="000000"/>
                 </a:solidFill>
@@ -4638,8 +4641,8 @@
               </a:rPr>
               <a:t>FactInternetSales </a:t>
             </a:r>
-            <a:r xmlns:a="http://schemas.openxmlformats.org/drawingml/2006/main">
-              <a:rPr lang="en" sz="2000" b="1" i="1" dirty="0">
+            <a:r>
+              <a:rPr lang="en" b="1" i="1" dirty="0">
                 <a:solidFill>
                   <a:srgbClr val="000000"/>
                 </a:solidFill>
@@ -4654,8 +4657,8 @@
               </a:rPr>
               <a:t>[ </a:t>
             </a:r>
-            <a:r xmlns:a="http://schemas.openxmlformats.org/drawingml/2006/main">
-              <a:rPr lang="en" sz="2000" b="1" i="1" dirty="0" err="1">
+            <a:r>
+              <a:rPr lang="en" b="1" i="1" dirty="0" err="1">
                 <a:solidFill>
                   <a:srgbClr val="000000"/>
                 </a:solidFill>
@@ -4670,8 +4673,8 @@
               </a:rPr>
               <a:t>DueDateKey </a:t>
             </a:r>
-            <a:r xmlns:a="http://schemas.openxmlformats.org/drawingml/2006/main">
-              <a:rPr lang="en" sz="2000" b="1" i="1" dirty="0">
+            <a:r>
+              <a:rPr lang="en" b="1" i="1" dirty="0">
                 <a:solidFill>
                   <a:srgbClr val="000000"/>
                 </a:solidFill>
@@ -4686,8 +4689,8 @@
               </a:rPr>
               <a:t>]) </a:t>
             </a:r>
-            <a:r xmlns:a="http://schemas.openxmlformats.org/drawingml/2006/main">
-              <a:rPr lang="en" dirty="0">
+            <a:r>
+              <a:rPr lang="en" sz="1600" dirty="0">
                 <a:solidFill>
                   <a:srgbClr val="000000"/>
                 </a:solidFill>
@@ -4695,8 +4698,8 @@
               </a:rPr>
               <a:t>, </a:t>
             </a:r>
-            <a:r xmlns:a="http://schemas.openxmlformats.org/drawingml/2006/main">
-              <a:rPr lang="en" dirty="0">
+            <a:r>
+              <a:rPr lang="en" sz="1600" dirty="0">
                 <a:solidFill>
                   <a:srgbClr val="3165BB"/>
                 </a:solidFill>
@@ -4704,8 +4707,8 @@
               </a:rPr>
               <a:t>FILTER </a:t>
             </a:r>
-            <a:r xmlns:a="http://schemas.openxmlformats.org/drawingml/2006/main">
-              <a:rPr lang="en" dirty="0">
+            <a:r>
+              <a:rPr lang="en" sz="1600" dirty="0">
                 <a:solidFill>
                   <a:srgbClr val="000000"/>
                 </a:solidFill>
@@ -4713,8 +4716,8 @@
               </a:rPr>
               <a:t>( </a:t>
             </a:r>
-            <a:r xmlns:a="http://schemas.openxmlformats.org/drawingml/2006/main">
-              <a:rPr lang="en" dirty="0" err="1">
+            <a:r>
+              <a:rPr lang="en" sz="1600" dirty="0" err="1">
                 <a:solidFill>
                   <a:srgbClr val="000000"/>
                 </a:solidFill>
@@ -4722,8 +4725,8 @@
               </a:rPr>
               <a:t>DimDate </a:t>
             </a:r>
-            <a:r xmlns:a="http://schemas.openxmlformats.org/drawingml/2006/main">
-              <a:rPr lang="en" dirty="0">
+            <a:r>
+              <a:rPr lang="en" sz="1600" dirty="0">
                 <a:solidFill>
                   <a:srgbClr val="000000"/>
                 </a:solidFill>
@@ -4731,8 +4734,8 @@
               </a:rPr>
               <a:t>, </a:t>
             </a:r>
-            <a:r xmlns:a="http://schemas.openxmlformats.org/drawingml/2006/main">
-              <a:rPr lang="en" dirty="0" err="1">
+            <a:r>
+              <a:rPr lang="en" sz="1600" dirty="0" err="1">
                 <a:solidFill>
                   <a:srgbClr val="000000"/>
                 </a:solidFill>
@@ -4740,8 +4743,8 @@
               </a:rPr>
               <a:t>DimDate </a:t>
             </a:r>
-            <a:r xmlns:a="http://schemas.openxmlformats.org/drawingml/2006/main">
-              <a:rPr lang="en" dirty="0">
+            <a:r>
+              <a:rPr lang="en" sz="1600" dirty="0">
                 <a:solidFill>
                   <a:srgbClr val="000000"/>
                 </a:solidFill>
@@ -4749,8 +4752,8 @@
               </a:rPr>
               <a:t>[ </a:t>
             </a:r>
-            <a:r xmlns:a="http://schemas.openxmlformats.org/drawingml/2006/main">
-              <a:rPr lang="en" dirty="0" err="1">
+            <a:r>
+              <a:rPr lang="en" sz="1600" dirty="0" err="1">
                 <a:solidFill>
                   <a:srgbClr val="000000"/>
                 </a:solidFill>
@@ -4758,8 +4761,8 @@
               </a:rPr>
               <a:t>CalendarQuarter </a:t>
             </a:r>
-            <a:r xmlns:a="http://schemas.openxmlformats.org/drawingml/2006/main">
-              <a:rPr lang="en" dirty="0">
+            <a:r>
+              <a:rPr lang="en" sz="1600" dirty="0">
                 <a:solidFill>
                   <a:srgbClr val="000000"/>
                 </a:solidFill>
@@ -4767,8 +4770,8 @@
               </a:rPr>
               <a:t>] = </a:t>
             </a:r>
-            <a:r xmlns:a="http://schemas.openxmlformats.org/drawingml/2006/main">
-              <a:rPr lang="en" dirty="0">
+            <a:r>
+              <a:rPr lang="en" sz="1600" dirty="0">
                 <a:solidFill>
                   <a:srgbClr val="098658"/>
                 </a:solidFill>
@@ -4776,8 +4779,8 @@
               </a:rPr>
               <a:t>1 </a:t>
             </a:r>
-            <a:r xmlns:a="http://schemas.openxmlformats.org/drawingml/2006/main">
-              <a:rPr lang="en" dirty="0">
+            <a:r>
+              <a:rPr lang="en" sz="1600" dirty="0">
                 <a:solidFill>
                   <a:srgbClr val="000000"/>
                 </a:solidFill>
@@ -4785,7 +4788,7 @@
               </a:rPr>
               <a:t>))</a:t>
             </a:r>
-            <a:endParaRPr xmlns:a="http://schemas.openxmlformats.org/drawingml/2006/main" lang="en-US" b="0" dirty="0">
+            <a:endParaRPr lang="en-US" sz="1600" b="0" dirty="0">
               <a:solidFill>
                 <a:srgbClr val="000000"/>
               </a:solidFill>
@@ -4816,19 +4819,19 @@
           </a:bodyPr>
           <a:lstStyle/>
           <a:p>
-            <a:r xmlns:a="http://schemas.openxmlformats.org/drawingml/2006/main">
+            <a:r>
               <a:rPr lang="en" dirty="0"/>
               <a:t>Start by creating a measure that returns the sum of sales for the first half of the year in the </a:t>
             </a:r>
-            <a:r xmlns:a="http://schemas.openxmlformats.org/drawingml/2006/main">
+            <a:r>
               <a:rPr lang="en" b="1" dirty="0" err="1"/>
               <a:t>FactInternetSales table </a:t>
             </a:r>
-            <a:r xmlns:a="http://schemas.openxmlformats.org/drawingml/2006/main">
+            <a:r>
               <a:rPr lang="en" dirty="0"/>
               <a:t>.</a:t>
             </a:r>
-            <a:endParaRPr xmlns:a="http://schemas.openxmlformats.org/drawingml/2006/main" lang="en-US" dirty="0"/>
+            <a:endParaRPr lang="en-US" dirty="0"/>
           </a:p>
         </p:txBody>
       </p:sp>
@@ -4842,8 +4845,8 @@
         </p:nvSpPr>
         <p:spPr bwMode="auto">
           <a:xfrm>
-            <a:off x="387377" y="2855393"/>
-            <a:ext cx="10899330" cy="707886"/>
+            <a:off x="311219" y="2383801"/>
+            <a:ext cx="11078674" cy="584775"/>
           </a:xfrm>
           <a:prstGeom prst="rect">
             <a:avLst/>
@@ -4891,7 +4894,7 @@
           </a:bodyPr>
           <a:lstStyle/>
           <a:p>
-            <a:pPr xmlns:a="http://schemas.openxmlformats.org/drawingml/2006/main" marL="0" marR="0" lvl="0" indent="0" algn="l" defTabSz="914400" rtl="0" eaLnBrk="0" fontAlgn="base" latinLnBrk="0" hangingPunct="0">
+            <a:pPr marL="0" marR="0" lvl="0" indent="0" algn="l" defTabSz="914400" rtl="0" eaLnBrk="0" fontAlgn="base" latinLnBrk="0" hangingPunct="0">
               <a:lnSpc>
                 <a:spcPct val="100000"/>
               </a:lnSpc>
@@ -4907,8 +4910,8 @@
               <a:buNone/>
               <a:tabLst/>
             </a:pPr>
-            <a:r xmlns:a="http://schemas.openxmlformats.org/drawingml/2006/main">
-              <a:rPr kumimoji="0" lang="en" altLang="en-US" sz="2000" b="0" i="0" u="none" strike="noStrike" cap="none" normalizeH="0" baseline="0" dirty="0" err="1" smtClean="0">
+            <a:r>
+              <a:rPr kumimoji="0" lang="en" altLang="en-US" sz="1600" b="0" i="0" u="none" strike="noStrike" cap="none" normalizeH="0" baseline="0" dirty="0" err="1" smtClean="0">
                 <a:ln>
                   <a:noFill/>
                 </a:ln>
@@ -4920,8 +4923,8 @@
               </a:rPr>
               <a:t>Use </a:t>
             </a:r>
-            <a:r xmlns:a="http://schemas.openxmlformats.org/drawingml/2006/main">
-              <a:rPr kumimoji="0" lang="en" altLang="en-US" sz="2000" b="0" i="0" u="none" strike="noStrike" cap="none" normalizeH="0" baseline="0" dirty="0" smtClean="0">
+            <a:r>
+              <a:rPr kumimoji="0" lang="en" altLang="en-US" sz="1600" b="0" i="0" u="none" strike="noStrike" cap="none" normalizeH="0" baseline="0" dirty="0" smtClean="0">
                 <a:ln>
                   <a:noFill/>
                 </a:ln>
@@ -4933,8 +4936,8 @@
               </a:rPr>
               <a:t>the </a:t>
             </a:r>
-            <a:r xmlns:a="http://schemas.openxmlformats.org/drawingml/2006/main">
-              <a:rPr kumimoji="0" lang="en" altLang="en-US" sz="2000" b="0" i="0" u="none" strike="noStrike" cap="none" normalizeH="0" baseline="0" dirty="0" err="1" smtClean="0">
+            <a:r>
+              <a:rPr kumimoji="0" lang="en" altLang="en-US" sz="1600" b="0" i="0" u="none" strike="noStrike" cap="none" normalizeH="0" baseline="0" dirty="0" err="1" smtClean="0">
                 <a:ln>
                   <a:noFill/>
                 </a:ln>
@@ -4946,8 +4949,8 @@
               </a:rPr>
               <a:t>function</a:t>
             </a:r>
-            <a:r xmlns:a="http://schemas.openxmlformats.org/drawingml/2006/main">
-              <a:rPr kumimoji="0" lang="en" altLang="en-US" sz="2000" b="0" i="0" u="none" strike="noStrike" cap="none" normalizeH="0" baseline="0" dirty="0" smtClean="0">
+            <a:r>
+              <a:rPr kumimoji="0" lang="en" altLang="en-US" sz="1600" b="0" i="0" u="none" strike="noStrike" cap="none" normalizeH="0" baseline="0" dirty="0" smtClean="0">
                 <a:ln>
                   <a:noFill/>
                 </a:ln>
@@ -4959,8 +4962,8 @@
               </a:rPr>
               <a:t> </a:t>
             </a:r>
-            <a:r xmlns:a="http://schemas.openxmlformats.org/drawingml/2006/main">
-              <a:rPr kumimoji="0" lang="en" altLang="en-US" sz="2000" b="1" i="0" u="none" strike="noStrike" cap="none" normalizeH="0" baseline="0" dirty="0" smtClean="0">
+            <a:r>
+              <a:rPr kumimoji="0" lang="en" altLang="en-US" sz="1600" b="1" i="0" u="none" strike="noStrike" cap="none" normalizeH="0" baseline="0" dirty="0" smtClean="0">
                 <a:ln>
                   <a:noFill/>
                 </a:ln>
@@ -4972,8 +4975,8 @@
               </a:rPr>
               <a:t>USERELATIONSHIP </a:t>
             </a:r>
-            <a:r xmlns:a="http://schemas.openxmlformats.org/drawingml/2006/main">
-              <a:rPr kumimoji="0" lang="en" altLang="en-US" sz="2000" b="0" i="0" u="none" strike="noStrike" cap="none" normalizeH="0" baseline="0" dirty="0" smtClean="0">
+            <a:r>
+              <a:rPr kumimoji="0" lang="en" altLang="en-US" sz="1600" b="0" i="0" u="none" strike="noStrike" cap="none" normalizeH="0" baseline="0" dirty="0" smtClean="0">
                 <a:ln>
                   <a:noFill/>
                 </a:ln>
@@ -4985,8 +4988,8 @@
               </a:rPr>
               <a:t>to force the </a:t>
             </a:r>
-            <a:r xmlns:a="http://schemas.openxmlformats.org/drawingml/2006/main">
-              <a:rPr kumimoji="0" lang="en" altLang="en-US" sz="2000" b="0" i="0" u="none" strike="noStrike" cap="none" normalizeH="0" baseline="0" dirty="0" err="1" smtClean="0">
+            <a:r>
+              <a:rPr kumimoji="0" lang="en" altLang="en-US" sz="1600" b="0" i="0" u="none" strike="noStrike" cap="none" normalizeH="0" baseline="0" dirty="0" err="1" smtClean="0">
                 <a:ln>
                   <a:noFill/>
                 </a:ln>
@@ -4998,8 +5001,8 @@
               </a:rPr>
               <a:t>calculation </a:t>
             </a:r>
-            <a:r xmlns:a="http://schemas.openxmlformats.org/drawingml/2006/main">
-              <a:rPr kumimoji="0" lang="en" altLang="en-US" sz="2000" b="0" i="0" u="none" strike="noStrike" cap="none" normalizeH="0" baseline="0" dirty="0" smtClean="0">
+            <a:r>
+              <a:rPr kumimoji="0" lang="en" altLang="en-US" sz="1600" b="0" i="0" u="none" strike="noStrike" cap="none" normalizeH="0" baseline="0" dirty="0" smtClean="0">
                 <a:ln>
                   <a:noFill/>
                 </a:ln>
@@ -5011,8 +5014,8 @@
               </a:rPr>
               <a:t>to go through </a:t>
             </a:r>
-            <a:r xmlns:a="http://schemas.openxmlformats.org/drawingml/2006/main">
-              <a:rPr kumimoji="0" lang="en" altLang="en-US" sz="2000" b="1" i="0" u="none" strike="noStrike" cap="none" normalizeH="0" baseline="0" dirty="0" err="1" smtClean="0">
+            <a:r>
+              <a:rPr kumimoji="0" lang="en" altLang="en-US" sz="1600" b="1" i="0" u="none" strike="noStrike" cap="none" normalizeH="0" baseline="0" dirty="0" err="1" smtClean="0">
                 <a:ln>
                   <a:noFill/>
                 </a:ln>
@@ -5024,8 +5027,8 @@
               </a:rPr>
               <a:t>DueDateKey </a:t>
             </a:r>
-            <a:r xmlns:a="http://schemas.openxmlformats.org/drawingml/2006/main">
-              <a:rPr kumimoji="0" lang="en" altLang="en-US" sz="2000" b="0" i="0" u="none" strike="noStrike" cap="none" normalizeH="0" baseline="0" dirty="0" smtClean="0">
+            <a:r>
+              <a:rPr kumimoji="0" lang="en" altLang="en-US" sz="1600" b="0" i="0" u="none" strike="noStrike" cap="none" normalizeH="0" baseline="0" dirty="0" smtClean="0">
                 <a:ln>
                   <a:noFill/>
                 </a:ln>
@@ -5039,7 +5042,7 @@
             </a:r>
           </a:p>
           <a:p>
-            <a:pPr xmlns:a="http://schemas.openxmlformats.org/drawingml/2006/main" marL="0" marR="0" lvl="0" indent="0" algn="l" defTabSz="914400" rtl="0" eaLnBrk="0" fontAlgn="base" latinLnBrk="0" hangingPunct="0">
+            <a:pPr marL="0" marR="0" lvl="0" indent="0" algn="l" defTabSz="914400" rtl="0" eaLnBrk="0" fontAlgn="base" latinLnBrk="0" hangingPunct="0">
               <a:lnSpc>
                 <a:spcPct val="100000"/>
               </a:lnSpc>
@@ -5055,8 +5058,8 @@
               <a:buNone/>
               <a:tabLst/>
             </a:pPr>
-            <a:r xmlns:a="http://schemas.openxmlformats.org/drawingml/2006/main">
-              <a:rPr kumimoji="0" lang="en" altLang="en-US" sz="2000" b="0" i="0" u="none" strike="noStrike" cap="none" normalizeH="0" baseline="0" dirty="0" smtClean="0">
+            <a:r>
+              <a:rPr kumimoji="0" lang="en" altLang="en-US" sz="1600" b="0" i="0" u="none" strike="noStrike" cap="none" normalizeH="0" baseline="0" dirty="0" smtClean="0">
                 <a:ln>
                   <a:noFill/>
                 </a:ln>
@@ -5068,8 +5071,8 @@
               </a:rPr>
               <a:t>from </a:t>
             </a:r>
-            <a:r xmlns:a="http://schemas.openxmlformats.org/drawingml/2006/main">
-              <a:rPr kumimoji="0" lang="en" altLang="en-US" sz="2000" b="1" i="0" u="none" strike="noStrike" cap="none" normalizeH="0" baseline="0" dirty="0" err="1" smtClean="0">
+            <a:r>
+              <a:rPr kumimoji="0" lang="en" altLang="en-US" sz="1600" b="1" i="0" u="none" strike="noStrike" cap="none" normalizeH="0" baseline="0" dirty="0" err="1" smtClean="0">
                 <a:ln>
                   <a:noFill/>
                 </a:ln>
@@ -5081,8 +5084,8 @@
               </a:rPr>
               <a:t>DateKey</a:t>
             </a:r>
-            <a:r xmlns:a="http://schemas.openxmlformats.org/drawingml/2006/main">
-              <a:rPr kumimoji="0" lang="en" altLang="en-US" sz="2000" b="0" i="0" u="none" strike="noStrike" cap="none" normalizeH="0" baseline="0" dirty="0" smtClean="0">
+            <a:r>
+              <a:rPr kumimoji="0" lang="en" altLang="en-US" sz="1600" b="0" i="0" u="none" strike="noStrike" cap="none" normalizeH="0" baseline="0" dirty="0" smtClean="0">
                 <a:ln>
                   <a:noFill/>
                 </a:ln>
@@ -5094,8 +5097,8 @@
               </a:rPr>
               <a:t> </a:t>
             </a:r>
-            <a:r xmlns:a="http://schemas.openxmlformats.org/drawingml/2006/main">
-              <a:rPr kumimoji="0" lang="en" altLang="en-US" sz="2000" b="0" i="0" u="none" strike="noStrike" cap="none" normalizeH="0" baseline="0" dirty="0" err="1" smtClean="0">
+            <a:r>
+              <a:rPr kumimoji="0" lang="en" altLang="en-US" sz="1600" b="0" i="0" u="none" strike="noStrike" cap="none" normalizeH="0" baseline="0" dirty="0" err="1" smtClean="0">
                 <a:ln>
                   <a:noFill/>
                 </a:ln>
@@ -5107,8 +5110,8 @@
               </a:rPr>
               <a:t>in</a:t>
             </a:r>
-            <a:r xmlns:a="http://schemas.openxmlformats.org/drawingml/2006/main">
-              <a:rPr kumimoji="0" lang="en" altLang="en-US" sz="2000" b="0" i="0" u="none" strike="noStrike" cap="none" normalizeH="0" baseline="0" dirty="0" smtClean="0">
+            <a:r>
+              <a:rPr kumimoji="0" lang="en" altLang="en-US" sz="1600" b="0" i="0" u="none" strike="noStrike" cap="none" normalizeH="0" baseline="0" dirty="0" smtClean="0">
                 <a:ln>
                   <a:noFill/>
                 </a:ln>
@@ -5120,8 +5123,8 @@
               </a:rPr>
               <a:t> </a:t>
             </a:r>
-            <a:r xmlns:a="http://schemas.openxmlformats.org/drawingml/2006/main">
-              <a:rPr kumimoji="0" lang="en" altLang="en-US" sz="2000" b="0" i="0" u="none" strike="noStrike" cap="none" normalizeH="0" baseline="0" dirty="0" err="1" smtClean="0">
+            <a:r>
+              <a:rPr kumimoji="0" lang="en" altLang="en-US" sz="1600" b="0" i="0" u="none" strike="noStrike" cap="none" normalizeH="0" baseline="0" dirty="0" err="1" smtClean="0">
                 <a:ln>
                   <a:noFill/>
                 </a:ln>
@@ -5133,8 +5136,8 @@
               </a:rPr>
               <a:t>creating </a:t>
             </a:r>
-            <a:r xmlns:a="http://schemas.openxmlformats.org/drawingml/2006/main">
-              <a:rPr kumimoji="0" lang="en" altLang="en-US" sz="2000" b="0" i="0" u="none" strike="noStrike" cap="none" normalizeH="0" baseline="0" dirty="0" smtClean="0">
+            <a:r>
+              <a:rPr kumimoji="0" lang="en" altLang="en-US" sz="1600" b="0" i="0" u="none" strike="noStrike" cap="none" normalizeH="0" baseline="0" dirty="0" smtClean="0">
                 <a:ln>
                   <a:noFill/>
                 </a:ln>
@@ -5146,8 +5149,8 @@
               </a:rPr>
               <a:t>the relationship between </a:t>
             </a:r>
-            <a:r xmlns:a="http://schemas.openxmlformats.org/drawingml/2006/main">
-              <a:rPr kumimoji="0" lang="en" altLang="en-US" sz="2000" b="1" i="0" u="none" strike="noStrike" cap="none" normalizeH="0" baseline="0" dirty="0" err="1" smtClean="0">
+            <a:r>
+              <a:rPr kumimoji="0" lang="en" altLang="en-US" sz="1600" b="1" i="0" u="none" strike="noStrike" cap="none" normalizeH="0" baseline="0" dirty="0" err="1" smtClean="0">
                 <a:ln>
                   <a:noFill/>
                 </a:ln>
@@ -5159,8 +5162,8 @@
               </a:rPr>
               <a:t>DimDate</a:t>
             </a:r>
-            <a:r xmlns:a="http://schemas.openxmlformats.org/drawingml/2006/main">
-              <a:rPr kumimoji="0" lang="en" altLang="en-US" sz="2000" b="0" i="0" u="none" strike="noStrike" cap="none" normalizeH="0" baseline="0" dirty="0" smtClean="0">
+            <a:r>
+              <a:rPr kumimoji="0" lang="en" altLang="en-US" sz="1600" b="0" i="0" u="none" strike="noStrike" cap="none" normalizeH="0" baseline="0" dirty="0" smtClean="0">
                 <a:ln>
                   <a:noFill/>
                 </a:ln>
@@ -5172,8 +5175,8 @@
               </a:rPr>
               <a:t> </a:t>
             </a:r>
-            <a:r xmlns:a="http://schemas.openxmlformats.org/drawingml/2006/main">
-              <a:rPr kumimoji="0" lang="en" altLang="en-US" sz="2000" b="0" i="0" u="none" strike="noStrike" cap="none" normalizeH="0" baseline="0" dirty="0" err="1" smtClean="0">
+            <a:r>
+              <a:rPr kumimoji="0" lang="en" altLang="en-US" sz="1600" b="0" i="0" u="none" strike="noStrike" cap="none" normalizeH="0" baseline="0" dirty="0" err="1" smtClean="0">
                 <a:ln>
                   <a:noFill/>
                 </a:ln>
@@ -5185,8 +5188,8 @@
               </a:rPr>
               <a:t>on the one </a:t>
             </a:r>
-            <a:r xmlns:a="http://schemas.openxmlformats.org/drawingml/2006/main">
-              <a:rPr kumimoji="0" lang="en" altLang="en-US" sz="2000" b="0" i="0" u="none" strike="noStrike" cap="none" normalizeH="0" baseline="0" dirty="0" smtClean="0">
+            <a:r>
+              <a:rPr kumimoji="0" lang="en" altLang="en-US" sz="1600" b="0" i="0" u="none" strike="noStrike" cap="none" normalizeH="0" baseline="0" dirty="0" smtClean="0">
                 <a:ln>
                   <a:noFill/>
                 </a:ln>
@@ -5198,8 +5201,8 @@
               </a:rPr>
               <a:t>hand and </a:t>
             </a:r>
-            <a:r xmlns:a="http://schemas.openxmlformats.org/drawingml/2006/main">
-              <a:rPr kumimoji="0" lang="en" altLang="en-US" sz="2000" b="1" i="0" u="none" strike="noStrike" cap="none" normalizeH="0" baseline="0" dirty="0" err="1" smtClean="0">
+            <a:r>
+              <a:rPr kumimoji="0" lang="en" altLang="en-US" sz="1600" b="1" i="0" u="none" strike="noStrike" cap="none" normalizeH="0" baseline="0" dirty="0" err="1" smtClean="0">
                 <a:ln>
                   <a:noFill/>
                 </a:ln>
@@ -5211,8 +5214,8 @@
               </a:rPr>
               <a:t>FactInternetSales</a:t>
             </a:r>
-            <a:r xmlns:a="http://schemas.openxmlformats.org/drawingml/2006/main">
-              <a:rPr kumimoji="0" lang="en" altLang="en-US" sz="2000" b="0" i="0" u="none" strike="noStrike" cap="none" normalizeH="0" baseline="0" dirty="0" smtClean="0">
+            <a:r>
+              <a:rPr kumimoji="0" lang="en" altLang="en-US" sz="1600" b="0" i="0" u="none" strike="noStrike" cap="none" normalizeH="0" baseline="0" dirty="0" smtClean="0">
                 <a:ln>
                   <a:noFill/>
                 </a:ln>
@@ -5224,8 +5227,8 @@
               </a:rPr>
               <a:t> </a:t>
             </a:r>
-            <a:r xmlns:a="http://schemas.openxmlformats.org/drawingml/2006/main">
-              <a:rPr kumimoji="0" lang="en" altLang="en-US" sz="2000" b="0" i="0" u="none" strike="noStrike" cap="none" normalizeH="0" baseline="0" dirty="0" err="1" smtClean="0">
+            <a:r>
+              <a:rPr kumimoji="0" lang="en" altLang="en-US" sz="1600" b="0" i="0" u="none" strike="noStrike" cap="none" normalizeH="0" baseline="0" dirty="0" err="1" smtClean="0">
                 <a:ln>
                   <a:noFill/>
                 </a:ln>
@@ -5237,8 +5240,8 @@
               </a:rPr>
               <a:t>on the other </a:t>
             </a:r>
-            <a:r xmlns:a="http://schemas.openxmlformats.org/drawingml/2006/main">
-              <a:rPr kumimoji="0" lang="en" altLang="en-US" sz="2000" b="0" i="0" u="none" strike="noStrike" cap="none" normalizeH="0" baseline="0" dirty="0" smtClean="0">
+            <a:r>
+              <a:rPr kumimoji="0" lang="en" altLang="en-US" sz="1600" b="0" i="0" u="none" strike="noStrike" cap="none" normalizeH="0" baseline="0" dirty="0" smtClean="0">
                 <a:ln>
                   <a:noFill/>
                 </a:ln>
@@ -5292,7 +5295,7 @@
         <p:spPr>
           <a:xfrm>
             <a:off x="309383" y="261257"/>
-            <a:ext cx="2541401" cy="461665"/>
+            <a:ext cx="2019399" cy="400110"/>
           </a:xfrm>
           <a:prstGeom prst="rect">
             <a:avLst/>
@@ -5305,14 +5308,14 @@
           </a:bodyPr>
           <a:lstStyle/>
           <a:p>
-            <a:r xmlns:a="http://schemas.openxmlformats.org/drawingml/2006/main">
-              <a:rPr lang="en" sz="2400" b="1" dirty="0" smtClean="0">
+            <a:r>
+              <a:rPr lang="en" sz="2000" dirty="0" smtClean="0">
                 <a:latin typeface="Segoe UI" panose="020B0502040204020203" pitchFamily="34" charset="0"/>
                 <a:cs typeface="Segoe UI" panose="020B0502040204020203" pitchFamily="34" charset="0"/>
               </a:rPr>
               <a:t>UseRelationShip</a:t>
             </a:r>
-            <a:endParaRPr xmlns:a="http://schemas.openxmlformats.org/drawingml/2006/main" lang="en-US" sz="2400" b="1" dirty="0">
+            <a:endParaRPr lang="en-US" sz="2000" dirty="0">
               <a:latin typeface="Segoe UI" panose="020B0502040204020203" pitchFamily="34" charset="0"/>
               <a:cs typeface="Segoe UI" panose="020B0502040204020203" pitchFamily="34" charset="0"/>
             </a:endParaRPr>
@@ -5340,7 +5343,7 @@
         </p:blipFill>
         <p:spPr bwMode="auto">
           <a:xfrm>
-            <a:off x="381466" y="3398288"/>
+            <a:off x="381465" y="2918510"/>
             <a:ext cx="5720952" cy="1161162"/>
           </a:xfrm>
           <a:prstGeom prst="rect">
@@ -5367,7 +5370,7 @@
         <p:spPr>
           <a:xfrm>
             <a:off x="381465" y="1489740"/>
-            <a:ext cx="10841254" cy="1231106"/>
+            <a:ext cx="10841254" cy="892552"/>
           </a:xfrm>
           <a:prstGeom prst="rect">
             <a:avLst/>
@@ -5379,8 +5382,8 @@
           </a:bodyPr>
           <a:lstStyle/>
           <a:p>
-            <a:r xmlns:a="http://schemas.openxmlformats.org/drawingml/2006/main">
-              <a:rPr lang="en" dirty="0">
+            <a:r>
+              <a:rPr lang="en" sz="1600" dirty="0">
                 <a:solidFill>
                   <a:srgbClr val="000000"/>
                 </a:solidFill>
@@ -5388,8 +5391,8 @@
               </a:rPr>
               <a:t>Sales First </a:t>
             </a:r>
-            <a:r xmlns:a="http://schemas.openxmlformats.org/drawingml/2006/main">
-              <a:rPr lang="en" dirty="0">
+            <a:r>
+              <a:rPr lang="en" sz="1600" dirty="0">
                 <a:solidFill>
                   <a:srgbClr val="3165BB"/>
                 </a:solidFill>
@@ -5397,8 +5400,8 @@
               </a:rPr>
               <a:t>Quarter</a:t>
             </a:r>
-            <a:r xmlns:a="http://schemas.openxmlformats.org/drawingml/2006/main">
-              <a:rPr lang="en" dirty="0">
+            <a:r>
+              <a:rPr lang="en" sz="1600" dirty="0">
                 <a:solidFill>
                   <a:srgbClr val="000000"/>
                 </a:solidFill>
@@ -5406,8 +5409,8 @@
               </a:rPr>
               <a:t> </a:t>
             </a:r>
-            <a:r xmlns:a="http://schemas.openxmlformats.org/drawingml/2006/main">
-              <a:rPr lang="en" dirty="0" smtClean="0">
+            <a:r>
+              <a:rPr lang="en" sz="1600" dirty="0" smtClean="0">
                 <a:solidFill>
                   <a:srgbClr val="000000"/>
                 </a:solidFill>
@@ -5415,8 +5418,8 @@
               </a:rPr>
               <a:t>(Ship </a:t>
             </a:r>
-            <a:r xmlns:a="http://schemas.openxmlformats.org/drawingml/2006/main">
-              <a:rPr lang="en" dirty="0">
+            <a:r>
+              <a:rPr lang="en" sz="1600" dirty="0">
                 <a:solidFill>
                   <a:srgbClr val="000000"/>
                 </a:solidFill>
@@ -5424,8 +5427,8 @@
               </a:rPr>
               <a:t>Date) = </a:t>
             </a:r>
-            <a:r xmlns:a="http://schemas.openxmlformats.org/drawingml/2006/main">
-              <a:rPr lang="en" dirty="0">
+            <a:r>
+              <a:rPr lang="en" sz="1600" dirty="0">
                 <a:solidFill>
                   <a:srgbClr val="3165BB"/>
                 </a:solidFill>
@@ -5433,8 +5436,8 @@
               </a:rPr>
               <a:t>CALCULATE </a:t>
             </a:r>
-            <a:r xmlns:a="http://schemas.openxmlformats.org/drawingml/2006/main">
-              <a:rPr lang="en" dirty="0">
+            <a:r>
+              <a:rPr lang="en" sz="1600" dirty="0">
                 <a:solidFill>
                   <a:srgbClr val="000000"/>
                 </a:solidFill>
@@ -5442,8 +5445,8 @@
               </a:rPr>
               <a:t>( </a:t>
             </a:r>
-            <a:r xmlns:a="http://schemas.openxmlformats.org/drawingml/2006/main">
-              <a:rPr lang="en" dirty="0">
+            <a:r>
+              <a:rPr lang="en" sz="1600" dirty="0">
                 <a:solidFill>
                   <a:srgbClr val="3165BB"/>
                 </a:solidFill>
@@ -5451,8 +5454,8 @@
               </a:rPr>
               <a:t>SUMX </a:t>
             </a:r>
-            <a:r xmlns:a="http://schemas.openxmlformats.org/drawingml/2006/main">
-              <a:rPr lang="en" dirty="0">
+            <a:r>
+              <a:rPr lang="en" sz="1600" dirty="0">
                 <a:solidFill>
                   <a:srgbClr val="000000"/>
                 </a:solidFill>
@@ -5460,8 +5463,8 @@
               </a:rPr>
               <a:t>( </a:t>
             </a:r>
-            <a:r xmlns:a="http://schemas.openxmlformats.org/drawingml/2006/main">
-              <a:rPr lang="en" dirty="0" err="1">
+            <a:r>
+              <a:rPr lang="en" sz="1600" dirty="0" err="1">
                 <a:solidFill>
                   <a:srgbClr val="000000"/>
                 </a:solidFill>
@@ -5469,8 +5472,8 @@
               </a:rPr>
               <a:t>FactInternetSales,FactInternetSales </a:t>
             </a:r>
-            <a:r xmlns:a="http://schemas.openxmlformats.org/drawingml/2006/main">
-              <a:rPr lang="en" dirty="0">
+            <a:r>
+              <a:rPr lang="en" sz="1600" dirty="0">
                 <a:solidFill>
                   <a:srgbClr val="000000"/>
                 </a:solidFill>
@@ -5478,8 +5481,8 @@
               </a:rPr>
               <a:t>[ </a:t>
             </a:r>
-            <a:r xmlns:a="http://schemas.openxmlformats.org/drawingml/2006/main">
-              <a:rPr lang="en" dirty="0" err="1">
+            <a:r>
+              <a:rPr lang="en" sz="1600" dirty="0" err="1">
                 <a:solidFill>
                   <a:srgbClr val="000000"/>
                 </a:solidFill>
@@ -5487,8 +5490,8 @@
               </a:rPr>
               <a:t>OrderQuantity </a:t>
             </a:r>
-            <a:r xmlns:a="http://schemas.openxmlformats.org/drawingml/2006/main">
-              <a:rPr lang="en" dirty="0">
+            <a:r>
+              <a:rPr lang="en" sz="1600" dirty="0">
                 <a:solidFill>
                   <a:srgbClr val="000000"/>
                 </a:solidFill>
@@ -5496,8 +5499,8 @@
               </a:rPr>
               <a:t>]* </a:t>
             </a:r>
-            <a:r xmlns:a="http://schemas.openxmlformats.org/drawingml/2006/main">
-              <a:rPr lang="en" dirty="0" err="1">
+            <a:r>
+              <a:rPr lang="en" sz="1600" dirty="0" err="1">
                 <a:solidFill>
                   <a:srgbClr val="000000"/>
                 </a:solidFill>
@@ -5505,8 +5508,8 @@
               </a:rPr>
               <a:t>FactInternetSales </a:t>
             </a:r>
-            <a:r xmlns:a="http://schemas.openxmlformats.org/drawingml/2006/main">
-              <a:rPr lang="en" dirty="0">
+            <a:r>
+              <a:rPr lang="en" sz="1600" dirty="0">
                 <a:solidFill>
                   <a:srgbClr val="000000"/>
                 </a:solidFill>
@@ -5514,8 +5517,8 @@
               </a:rPr>
               <a:t>[ </a:t>
             </a:r>
-            <a:r xmlns:a="http://schemas.openxmlformats.org/drawingml/2006/main">
-              <a:rPr lang="en" dirty="0" err="1">
+            <a:r>
+              <a:rPr lang="en" sz="1600" dirty="0" err="1">
                 <a:solidFill>
                   <a:srgbClr val="000000"/>
                 </a:solidFill>
@@ -5523,8 +5526,8 @@
               </a:rPr>
               <a:t>UnitPrice </a:t>
             </a:r>
-            <a:r xmlns:a="http://schemas.openxmlformats.org/drawingml/2006/main">
-              <a:rPr lang="en" dirty="0">
+            <a:r>
+              <a:rPr lang="en" sz="1600" dirty="0">
                 <a:solidFill>
                   <a:srgbClr val="000000"/>
                 </a:solidFill>
@@ -5532,8 +5535,8 @@
               </a:rPr>
               <a:t>]), </a:t>
             </a:r>
-            <a:r xmlns:a="http://schemas.openxmlformats.org/drawingml/2006/main">
-              <a:rPr lang="en" sz="2000" b="1" i="1" dirty="0">
+            <a:r>
+              <a:rPr lang="en" b="1" i="1" dirty="0">
                 <a:solidFill>
                   <a:srgbClr val="3165BB"/>
                 </a:solidFill>
@@ -5548,8 +5551,8 @@
               </a:rPr>
               <a:t>USERELATIONSHIP </a:t>
             </a:r>
-            <a:r xmlns:a="http://schemas.openxmlformats.org/drawingml/2006/main">
-              <a:rPr lang="en" sz="2000" b="1" i="1" dirty="0">
+            <a:r>
+              <a:rPr lang="en" b="1" i="1" dirty="0">
                 <a:solidFill>
                   <a:srgbClr val="000000"/>
                 </a:solidFill>
@@ -5564,8 +5567,8 @@
               </a:rPr>
               <a:t>( </a:t>
             </a:r>
-            <a:r xmlns:a="http://schemas.openxmlformats.org/drawingml/2006/main">
-              <a:rPr lang="en" sz="2000" b="1" i="1" dirty="0" err="1">
+            <a:r>
+              <a:rPr lang="en" b="1" i="1" dirty="0" err="1">
                 <a:solidFill>
                   <a:srgbClr val="000000"/>
                 </a:solidFill>
@@ -5580,8 +5583,8 @@
               </a:rPr>
               <a:t>DimDate </a:t>
             </a:r>
-            <a:r xmlns:a="http://schemas.openxmlformats.org/drawingml/2006/main">
-              <a:rPr lang="en" sz="2000" b="1" i="1" dirty="0">
+            <a:r>
+              <a:rPr lang="en" b="1" i="1" dirty="0">
                 <a:solidFill>
                   <a:srgbClr val="000000"/>
                 </a:solidFill>
@@ -5596,8 +5599,8 @@
               </a:rPr>
               <a:t>[ </a:t>
             </a:r>
-            <a:r xmlns:a="http://schemas.openxmlformats.org/drawingml/2006/main">
-              <a:rPr lang="en" sz="2000" b="1" i="1" dirty="0" err="1">
+            <a:r>
+              <a:rPr lang="en" b="1" i="1" dirty="0" err="1">
                 <a:solidFill>
                   <a:srgbClr val="000000"/>
                 </a:solidFill>
@@ -5612,8 +5615,8 @@
               </a:rPr>
               <a:t>DateKey </a:t>
             </a:r>
-            <a:r xmlns:a="http://schemas.openxmlformats.org/drawingml/2006/main">
-              <a:rPr lang="en" sz="2000" b="1" i="1" dirty="0">
+            <a:r>
+              <a:rPr lang="en" b="1" i="1" dirty="0">
                 <a:solidFill>
                   <a:srgbClr val="000000"/>
                 </a:solidFill>
@@ -5628,8 +5631,8 @@
               </a:rPr>
               <a:t>], </a:t>
             </a:r>
-            <a:r xmlns:a="http://schemas.openxmlformats.org/drawingml/2006/main">
-              <a:rPr lang="en" sz="2000" b="1" i="1" dirty="0" err="1" smtClean="0">
+            <a:r>
+              <a:rPr lang="en" b="1" i="1" dirty="0" err="1" smtClean="0">
                 <a:solidFill>
                   <a:srgbClr val="000000"/>
                 </a:solidFill>
@@ -5644,8 +5647,8 @@
               </a:rPr>
               <a:t>FactInternetSales </a:t>
             </a:r>
-            <a:r xmlns:a="http://schemas.openxmlformats.org/drawingml/2006/main">
-              <a:rPr lang="en" sz="2000" b="1" i="1" dirty="0" smtClean="0">
+            <a:r>
+              <a:rPr lang="en" b="1" i="1" dirty="0" smtClean="0">
                 <a:solidFill>
                   <a:srgbClr val="000000"/>
                 </a:solidFill>
@@ -5660,8 +5663,8 @@
               </a:rPr>
               <a:t>[ </a:t>
             </a:r>
-            <a:r xmlns:a="http://schemas.openxmlformats.org/drawingml/2006/main">
-              <a:rPr lang="en" sz="2000" b="1" i="1" dirty="0" err="1" smtClean="0">
+            <a:r>
+              <a:rPr lang="en" b="1" i="1" dirty="0" err="1" smtClean="0">
                 <a:solidFill>
                   <a:srgbClr val="000000"/>
                 </a:solidFill>
@@ -5676,8 +5679,8 @@
               </a:rPr>
               <a:t>ShipDateKey </a:t>
             </a:r>
-            <a:r xmlns:a="http://schemas.openxmlformats.org/drawingml/2006/main">
-              <a:rPr lang="en" sz="2000" b="1" i="1" dirty="0">
+            <a:r>
+              <a:rPr lang="en" b="1" i="1" dirty="0">
                 <a:solidFill>
                   <a:srgbClr val="000000"/>
                 </a:solidFill>
@@ -5692,8 +5695,8 @@
               </a:rPr>
               <a:t>]) </a:t>
             </a:r>
-            <a:r xmlns:a="http://schemas.openxmlformats.org/drawingml/2006/main">
-              <a:rPr lang="en" dirty="0">
+            <a:r>
+              <a:rPr lang="en" sz="1600" dirty="0">
                 <a:solidFill>
                   <a:srgbClr val="000000"/>
                 </a:solidFill>
@@ -5701,8 +5704,8 @@
               </a:rPr>
               <a:t>, </a:t>
             </a:r>
-            <a:r xmlns:a="http://schemas.openxmlformats.org/drawingml/2006/main">
-              <a:rPr lang="en" dirty="0">
+            <a:r>
+              <a:rPr lang="en" sz="1600" dirty="0">
                 <a:solidFill>
                   <a:srgbClr val="3165BB"/>
                 </a:solidFill>
@@ -5710,8 +5713,8 @@
               </a:rPr>
               <a:t>FILTER </a:t>
             </a:r>
-            <a:r xmlns:a="http://schemas.openxmlformats.org/drawingml/2006/main">
-              <a:rPr lang="en" dirty="0">
+            <a:r>
+              <a:rPr lang="en" sz="1600" dirty="0">
                 <a:solidFill>
                   <a:srgbClr val="000000"/>
                 </a:solidFill>
@@ -5719,8 +5722,8 @@
               </a:rPr>
               <a:t>( </a:t>
             </a:r>
-            <a:r xmlns:a="http://schemas.openxmlformats.org/drawingml/2006/main">
-              <a:rPr lang="en" dirty="0" err="1">
+            <a:r>
+              <a:rPr lang="en" sz="1600" dirty="0" err="1">
                 <a:solidFill>
                   <a:srgbClr val="000000"/>
                 </a:solidFill>
@@ -5728,8 +5731,8 @@
               </a:rPr>
               <a:t>DimDate </a:t>
             </a:r>
-            <a:r xmlns:a="http://schemas.openxmlformats.org/drawingml/2006/main">
-              <a:rPr lang="en" dirty="0">
+            <a:r>
+              <a:rPr lang="en" sz="1600" dirty="0">
                 <a:solidFill>
                   <a:srgbClr val="000000"/>
                 </a:solidFill>
@@ -5737,8 +5740,8 @@
               </a:rPr>
               <a:t>, </a:t>
             </a:r>
-            <a:r xmlns:a="http://schemas.openxmlformats.org/drawingml/2006/main">
-              <a:rPr lang="en" dirty="0" err="1">
+            <a:r>
+              <a:rPr lang="en" sz="1600" dirty="0" err="1">
                 <a:solidFill>
                   <a:srgbClr val="000000"/>
                 </a:solidFill>
@@ -5746,8 +5749,8 @@
               </a:rPr>
               <a:t>DimDate </a:t>
             </a:r>
-            <a:r xmlns:a="http://schemas.openxmlformats.org/drawingml/2006/main">
-              <a:rPr lang="en" dirty="0">
+            <a:r>
+              <a:rPr lang="en" sz="1600" dirty="0">
                 <a:solidFill>
                   <a:srgbClr val="000000"/>
                 </a:solidFill>
@@ -5755,8 +5758,8 @@
               </a:rPr>
               <a:t>[ </a:t>
             </a:r>
-            <a:r xmlns:a="http://schemas.openxmlformats.org/drawingml/2006/main">
-              <a:rPr lang="en" dirty="0" err="1">
+            <a:r>
+              <a:rPr lang="en" sz="1600" dirty="0" err="1">
                 <a:solidFill>
                   <a:srgbClr val="000000"/>
                 </a:solidFill>
@@ -5764,8 +5767,8 @@
               </a:rPr>
               <a:t>CalendarQuarter </a:t>
             </a:r>
-            <a:r xmlns:a="http://schemas.openxmlformats.org/drawingml/2006/main">
-              <a:rPr lang="en" dirty="0">
+            <a:r>
+              <a:rPr lang="en" sz="1600" dirty="0">
                 <a:solidFill>
                   <a:srgbClr val="000000"/>
                 </a:solidFill>
@@ -5773,8 +5776,8 @@
               </a:rPr>
               <a:t>]= </a:t>
             </a:r>
-            <a:r xmlns:a="http://schemas.openxmlformats.org/drawingml/2006/main">
-              <a:rPr lang="en" dirty="0">
+            <a:r>
+              <a:rPr lang="en" sz="1600" dirty="0">
                 <a:solidFill>
                   <a:srgbClr val="098658"/>
                 </a:solidFill>
@@ -5782,8 +5785,8 @@
               </a:rPr>
               <a:t>1 </a:t>
             </a:r>
-            <a:r xmlns:a="http://schemas.openxmlformats.org/drawingml/2006/main">
-              <a:rPr lang="en" dirty="0">
+            <a:r>
+              <a:rPr lang="en" sz="1600" dirty="0">
                 <a:solidFill>
                   <a:srgbClr val="000000"/>
                 </a:solidFill>
@@ -5791,7 +5794,7 @@
               </a:rPr>
               <a:t>))</a:t>
             </a:r>
-            <a:endParaRPr xmlns:a="http://schemas.openxmlformats.org/drawingml/2006/main" lang="en-US" b="0" dirty="0">
+            <a:endParaRPr lang="en-US" sz="1600" b="0" dirty="0">
               <a:solidFill>
                 <a:srgbClr val="000000"/>
               </a:solidFill>
@@ -5810,7 +5813,7 @@
         <p:spPr>
           <a:xfrm>
             <a:off x="381465" y="783165"/>
-            <a:ext cx="10427646" cy="707886"/>
+            <a:ext cx="10427646" cy="646331"/>
           </a:xfrm>
           <a:prstGeom prst="rect">
             <a:avLst/>
@@ -5822,27 +5825,27 @@
           </a:bodyPr>
           <a:lstStyle/>
           <a:p>
-            <a:r xmlns:a="http://schemas.openxmlformats.org/drawingml/2006/main">
-              <a:rPr lang="en" sz="2000" dirty="0"/>
+            <a:r>
+              <a:rPr lang="en" dirty="0"/>
               <a:t>Repeat the previous step, replacing </a:t>
             </a:r>
-            <a:r xmlns:a="http://schemas.openxmlformats.org/drawingml/2006/main">
-              <a:rPr lang="en" sz="2000" b="1" dirty="0" err="1"/>
+            <a:r>
+              <a:rPr lang="en" b="1" dirty="0" err="1"/>
               <a:t>DueDateKey </a:t>
             </a:r>
-            <a:r xmlns:a="http://schemas.openxmlformats.org/drawingml/2006/main">
-              <a:rPr lang="en" sz="2000" dirty="0"/>
+            <a:r>
+              <a:rPr lang="en" dirty="0"/>
               <a:t>with </a:t>
             </a:r>
-            <a:r xmlns:a="http://schemas.openxmlformats.org/drawingml/2006/main">
-              <a:rPr lang="en" sz="2000" b="1" dirty="0" err="1"/>
+            <a:r>
+              <a:rPr lang="en" b="1" dirty="0" err="1"/>
               <a:t>ShipDateKey </a:t>
             </a:r>
-            <a:r xmlns:a="http://schemas.openxmlformats.org/drawingml/2006/main">
-              <a:rPr lang="en" sz="2000" dirty="0"/>
+            <a:r>
+              <a:rPr lang="en" dirty="0"/>
               <a:t>, which also represents an inactive relationship.</a:t>
             </a:r>
-            <a:endParaRPr xmlns:a="http://schemas.openxmlformats.org/drawingml/2006/main" lang="en-US" sz="2000" dirty="0"/>
+            <a:endParaRPr lang="en-US" sz="2000" dirty="0"/>
           </a:p>
         </p:txBody>
       </p:sp>
@@ -5854,8 +5857,8 @@
         </p:nvSpPr>
         <p:spPr>
           <a:xfrm>
-            <a:off x="381465" y="2874901"/>
-            <a:ext cx="6742295" cy="400110"/>
+            <a:off x="381465" y="2490180"/>
+            <a:ext cx="6664710" cy="369332"/>
           </a:xfrm>
           <a:prstGeom prst="rect">
             <a:avLst/>
@@ -5867,11 +5870,11 @@
           </a:bodyPr>
           <a:lstStyle/>
           <a:p>
-            <a:r xmlns:a="http://schemas.openxmlformats.org/drawingml/2006/main">
-              <a:rPr lang="en" sz="2000" dirty="0"/>
+            <a:r>
+              <a:rPr lang="en" dirty="0"/>
               <a:t>Place the three measurements side by side and try to compare them.</a:t>
             </a:r>
-            <a:endParaRPr xmlns:a="http://schemas.openxmlformats.org/drawingml/2006/main" lang="en-US" sz="2000" dirty="0"/>
+            <a:endParaRPr lang="en-US" dirty="0"/>
           </a:p>
         </p:txBody>
       </p:sp>
@@ -5889,558 +5892,6 @@
 </file>
 
 <file path=ppt/slides/slide5.xml><?xml version="1.0" encoding="utf-8"?>
-<p:sld xmlns:a="http://schemas.openxmlformats.org/drawingml/2006/main" xmlns:r="http://schemas.openxmlformats.org/officeDocument/2006/relationships" xmlns:p="http://schemas.openxmlformats.org/presentationml/2006/main">
-  <p:cSld>
-    <p:spTree>
-      <p:nvGrpSpPr>
-        <p:cNvPr id="1" name=""/>
-        <p:cNvGrpSpPr/>
-        <p:nvPr/>
-      </p:nvGrpSpPr>
-      <p:grpSpPr>
-        <a:xfrm>
-          <a:off x="0" y="0"/>
-          <a:ext cx="0" cy="0"/>
-          <a:chOff x="0" y="0"/>
-          <a:chExt cx="0" cy="0"/>
-        </a:xfrm>
-      </p:grpSpPr>
-      <p:sp>
-        <p:nvSpPr>
-          <p:cNvPr id="2" name="TextBox 1"/>
-          <p:cNvSpPr txBox="1"/>
-          <p:nvPr/>
-        </p:nvSpPr>
-        <p:spPr>
-          <a:xfrm>
-            <a:off x="309383" y="261257"/>
-            <a:ext cx="2541401" cy="461665"/>
-          </a:xfrm>
-          <a:prstGeom prst="rect">
-            <a:avLst/>
-          </a:prstGeom>
-          <a:noFill/>
-        </p:spPr>
-        <p:txBody>
-          <a:bodyPr wrap="none" rtlCol="0">
-            <a:spAutoFit/>
-          </a:bodyPr>
-          <a:lstStyle/>
-          <a:p>
-            <a:r xmlns:a="http://schemas.openxmlformats.org/drawingml/2006/main">
-              <a:rPr lang="en" sz="2400" b="1" dirty="0" smtClean="0">
-                <a:latin typeface="Segoe UI" panose="020B0502040204020203" pitchFamily="34" charset="0"/>
-                <a:cs typeface="Segoe UI" panose="020B0502040204020203" pitchFamily="34" charset="0"/>
-              </a:rPr>
-              <a:t>UseRelationShip</a:t>
-            </a:r>
-            <a:endParaRPr xmlns:a="http://schemas.openxmlformats.org/drawingml/2006/main" lang="en-US" sz="2400" b="1" dirty="0">
-              <a:latin typeface="Segoe UI" panose="020B0502040204020203" pitchFamily="34" charset="0"/>
-              <a:cs typeface="Segoe UI" panose="020B0502040204020203" pitchFamily="34" charset="0"/>
-            </a:endParaRPr>
-          </a:p>
-        </p:txBody>
-      </p:sp>
-      <p:pic>
-        <p:nvPicPr>
-          <p:cNvPr id="8" name="Picture 7"/>
-          <p:cNvPicPr/>
-          <p:nvPr/>
-        </p:nvPicPr>
-        <p:blipFill>
-          <a:blip r:embed="rId2">
-            <a:extLst>
-              <a:ext uri="{28A0092B-C50C-407E-A947-70E740481C1C}">
-                <a14:useLocalDpi xmlns:a14="http://schemas.microsoft.com/office/drawing/2010/main" val="0"/>
-              </a:ext>
-            </a:extLst>
-          </a:blip>
-          <a:srcRect/>
-          <a:stretch>
-            <a:fillRect/>
-          </a:stretch>
-        </p:blipFill>
-        <p:spPr bwMode="auto">
-          <a:xfrm>
-            <a:off x="3248470" y="1716786"/>
-            <a:ext cx="5156108" cy="3967170"/>
-          </a:xfrm>
-          <a:prstGeom prst="rect">
-            <a:avLst/>
-          </a:prstGeom>
-          <a:ln>
-            <a:noFill/>
-          </a:ln>
-          <a:effectLst>
-            <a:outerShdw blurRad="292100" dist="139700" dir="2700000" algn="tl" rotWithShape="0">
-              <a:srgbClr val="333333">
-                <a:alpha val="65000"/>
-              </a:srgbClr>
-            </a:outerShdw>
-          </a:effectLst>
-        </p:spPr>
-      </p:pic>
-      <p:sp>
-        <p:nvSpPr>
-          <p:cNvPr id="4" name="Rectangle 1"/>
-          <p:cNvSpPr>
-            <a:spLocks noChangeArrowheads="1"/>
-          </p:cNvSpPr>
-          <p:nvPr/>
-        </p:nvSpPr>
-        <p:spPr bwMode="auto">
-          <a:xfrm>
-            <a:off x="309383" y="722922"/>
-            <a:ext cx="10610597" cy="646331"/>
-          </a:xfrm>
-          <a:prstGeom prst="rect">
-            <a:avLst/>
-          </a:prstGeom>
-          <a:noFill/>
-          <a:ln>
-            <a:noFill/>
-          </a:ln>
-          <a:effectLst/>
-          <a:extLst>
-            <a:ext uri="{909E8E84-426E-40DD-AFC4-6F175D3DCCD1}">
-              <a14:hiddenFill xmlns:a14="http://schemas.microsoft.com/office/drawing/2010/main">
-                <a:solidFill>
-                  <a:schemeClr val="accent1"/>
-                </a:solidFill>
-              </a14:hiddenFill>
-            </a:ext>
-            <a:ext uri="{91240B29-F687-4F45-9708-019B960494DF}">
-              <a14:hiddenLine xmlns:a14="http://schemas.microsoft.com/office/drawing/2010/main" w="9525">
-                <a:solidFill>
-                  <a:schemeClr val="tx1"/>
-                </a:solidFill>
-                <a:miter lim="800000"/>
-                <a:headEnd/>
-                <a:tailEnd/>
-              </a14:hiddenLine>
-            </a:ext>
-            <a:ext uri="{AF507438-7753-43E0-B8FC-AC1667EBCBE1}">
-              <a14:hiddenEffects xmlns:a14="http://schemas.microsoft.com/office/drawing/2010/main">
-                <a:effectLst>
-                  <a:outerShdw dist="35921" dir="2700000" algn="ctr" rotWithShape="0">
-                    <a:schemeClr val="bg2"/>
-                  </a:outerShdw>
-                </a:effectLst>
-              </a14:hiddenEffects>
-            </a:ext>
-          </a:extLst>
-        </p:spPr>
-        <p:txBody>
-          <a:bodyPr vert="horz" wrap="none" lIns="91440" tIns="45720" rIns="91440" bIns="45720" numCol="1" anchor="ctr" anchorCtr="0" compatLnSpc="1">
-            <a:prstTxWarp prst="textNoShape">
-              <a:avLst/>
-            </a:prstTxWarp>
-            <a:spAutoFit/>
-          </a:bodyPr>
-          <a:lstStyle/>
-          <a:p>
-            <a:pPr xmlns:a="http://schemas.openxmlformats.org/drawingml/2006/main" marL="0" marR="0" lvl="0" indent="0" algn="l" defTabSz="914400" rtl="0" eaLnBrk="0" fontAlgn="base" latinLnBrk="0" hangingPunct="0">
-              <a:lnSpc>
-                <a:spcPct val="100000"/>
-              </a:lnSpc>
-              <a:spcBef>
-                <a:spcPct val="0"/>
-              </a:spcBef>
-              <a:spcAft>
-                <a:spcPct val="0"/>
-              </a:spcAft>
-              <a:buClrTx/>
-              <a:buSzTx/>
-              <a:buFontTx/>
-              <a:buNone/>
-              <a:tabLst/>
-            </a:pPr>
-            <a:r xmlns:a="http://schemas.openxmlformats.org/drawingml/2006/main">
-              <a:rPr kumimoji="0" lang="en" altLang="en-US" sz="1800" b="0" i="0" u="none" strike="noStrike" cap="none" normalizeH="0" baseline="0" dirty="0" err="1" smtClean="0">
-                <a:ln>
-                  <a:noFill/>
-                </a:ln>
-                <a:solidFill>
-                  <a:schemeClr val="tx1"/>
-                </a:solidFill>
-                <a:effectLst/>
-                <a:latin typeface="Arial" panose="020B0604020202020204" pitchFamily="34" charset="0"/>
-              </a:rPr>
-              <a:t>Try </a:t>
-            </a:r>
-            <a:r xmlns:a="http://schemas.openxmlformats.org/drawingml/2006/main">
-              <a:rPr kumimoji="0" lang="en" altLang="en-US" sz="1800" b="0" i="0" u="none" strike="noStrike" cap="none" normalizeH="0" baseline="0" dirty="0" smtClean="0">
-                <a:ln>
-                  <a:noFill/>
-                </a:ln>
-                <a:solidFill>
-                  <a:schemeClr val="tx1"/>
-                </a:solidFill>
-                <a:effectLst/>
-                <a:latin typeface="Arial" panose="020B0604020202020204" pitchFamily="34" charset="0"/>
-              </a:rPr>
-              <a:t>to </a:t>
-            </a:r>
-            <a:r xmlns:a="http://schemas.openxmlformats.org/drawingml/2006/main">
-              <a:rPr kumimoji="0" lang="en" altLang="en-US" sz="1800" b="0" i="0" u="none" strike="noStrike" cap="none" normalizeH="0" baseline="0" dirty="0" err="1" smtClean="0">
-                <a:ln>
-                  <a:noFill/>
-                </a:ln>
-                <a:solidFill>
-                  <a:schemeClr val="tx1"/>
-                </a:solidFill>
-                <a:effectLst/>
-                <a:latin typeface="Arial" panose="020B0604020202020204" pitchFamily="34" charset="0"/>
-              </a:rPr>
-              <a:t>represent </a:t>
-            </a:r>
-            <a:r xmlns:a="http://schemas.openxmlformats.org/drawingml/2006/main">
-              <a:rPr kumimoji="0" lang="en" altLang="en-US" sz="1800" b="0" i="0" u="none" strike="noStrike" cap="none" normalizeH="0" baseline="0" dirty="0" smtClean="0">
-                <a:ln>
-                  <a:noFill/>
-                </a:ln>
-                <a:solidFill>
-                  <a:schemeClr val="tx1"/>
-                </a:solidFill>
-                <a:effectLst/>
-                <a:latin typeface="Arial" panose="020B0604020202020204" pitchFamily="34" charset="0"/>
-              </a:rPr>
-              <a:t>the </a:t>
-            </a:r>
-            <a:r xmlns:a="http://schemas.openxmlformats.org/drawingml/2006/main">
-              <a:rPr kumimoji="0" lang="en" altLang="en-US" sz="1800" b="0" i="0" u="none" strike="noStrike" cap="none" normalizeH="0" baseline="0" dirty="0" err="1" smtClean="0">
-                <a:ln>
-                  <a:noFill/>
-                </a:ln>
-                <a:solidFill>
-                  <a:schemeClr val="tx1"/>
-                </a:solidFill>
-                <a:effectLst/>
-                <a:latin typeface="Arial" panose="020B0604020202020204" pitchFamily="34" charset="0"/>
-              </a:rPr>
-              <a:t>measurements </a:t>
-            </a:r>
-            <a:r xmlns:a="http://schemas.openxmlformats.org/drawingml/2006/main">
-              <a:rPr kumimoji="0" lang="en" altLang="en-US" sz="1800" b="0" i="0" u="none" strike="noStrike" cap="none" normalizeH="0" baseline="0" dirty="0" smtClean="0">
-                <a:ln>
-                  <a:noFill/>
-                </a:ln>
-                <a:solidFill>
-                  <a:schemeClr val="tx1"/>
-                </a:solidFill>
-                <a:effectLst/>
-                <a:latin typeface="Arial" panose="020B0604020202020204" pitchFamily="34" charset="0"/>
-              </a:rPr>
-              <a:t>by </a:t>
-            </a:r>
-            <a:r xmlns:a="http://schemas.openxmlformats.org/drawingml/2006/main">
-              <a:rPr kumimoji="0" lang="en" altLang="en-US" sz="1800" b="0" i="0" u="none" strike="noStrike" cap="none" normalizeH="0" baseline="0" dirty="0" err="1" smtClean="0">
-                <a:ln>
-                  <a:noFill/>
-                </a:ln>
-                <a:solidFill>
-                  <a:schemeClr val="tx1"/>
-                </a:solidFill>
-                <a:effectLst/>
-                <a:latin typeface="Arial" panose="020B0604020202020204" pitchFamily="34" charset="0"/>
-              </a:rPr>
-              <a:t>a</a:t>
-            </a:r>
-            <a:r xmlns:a="http://schemas.openxmlformats.org/drawingml/2006/main">
-              <a:rPr kumimoji="0" lang="en" altLang="en-US" sz="1800" b="0" i="0" u="none" strike="noStrike" cap="none" normalizeH="0" baseline="0" dirty="0" smtClean="0">
-                <a:ln>
-                  <a:noFill/>
-                </a:ln>
-                <a:solidFill>
-                  <a:schemeClr val="tx1"/>
-                </a:solidFill>
-                <a:effectLst/>
-                <a:latin typeface="Arial" panose="020B0604020202020204" pitchFamily="34" charset="0"/>
-              </a:rPr>
-              <a:t> </a:t>
-            </a:r>
-            <a:r xmlns:a="http://schemas.openxmlformats.org/drawingml/2006/main">
-              <a:rPr kumimoji="0" lang="en" altLang="en-US" sz="1800" b="0" i="0" u="none" strike="noStrike" cap="none" normalizeH="0" baseline="0" dirty="0" smtClean="0">
-                <a:ln>
-                  <a:noFill/>
-                </a:ln>
-                <a:solidFill>
-                  <a:schemeClr val="tx1"/>
-                </a:solidFill>
-                <a:effectLst/>
-                <a:latin typeface="Arial" panose="020B0604020202020204" pitchFamily="34" charset="0"/>
-              </a:rPr>
-              <a:t>column </a:t>
-            </a:r>
-            <a:r xmlns:a="http://schemas.openxmlformats.org/drawingml/2006/main">
-              <a:rPr kumimoji="0" lang="en" altLang="en-US" sz="1800" b="0" i="0" u="none" strike="noStrike" cap="none" normalizeH="0" baseline="0" dirty="0" err="1" smtClean="0">
-                <a:ln>
-                  <a:noFill/>
-                </a:ln>
-                <a:solidFill>
-                  <a:schemeClr val="tx1"/>
-                </a:solidFill>
-                <a:effectLst/>
-                <a:latin typeface="Arial" panose="020B0604020202020204" pitchFamily="34" charset="0"/>
-              </a:rPr>
-              <a:t>visualization</a:t>
-            </a:r>
-            <a:r xmlns:a="http://schemas.openxmlformats.org/drawingml/2006/main">
-              <a:rPr kumimoji="0" lang="en" altLang="en-US" sz="1800" b="0" i="0" u="none" strike="noStrike" cap="none" normalizeH="0" baseline="0" dirty="0" err="1" smtClean="0">
-                <a:ln>
-                  <a:noFill/>
-                </a:ln>
-                <a:solidFill>
-                  <a:schemeClr val="tx1"/>
-                </a:solidFill>
-                <a:effectLst/>
-                <a:latin typeface="Arial" panose="020B0604020202020204" pitchFamily="34" charset="0"/>
-              </a:rPr>
-              <a:t>​</a:t>
-            </a:r>
-            <a:r xmlns:a="http://schemas.openxmlformats.org/drawingml/2006/main">
-              <a:rPr kumimoji="0" lang="en" altLang="en-US" sz="1800" b="0" i="0" u="none" strike="noStrike" cap="none" normalizeH="0" baseline="0" dirty="0" smtClean="0">
-                <a:ln>
-                  <a:noFill/>
-                </a:ln>
-                <a:solidFill>
-                  <a:schemeClr val="tx1"/>
-                </a:solidFill>
-                <a:effectLst/>
-                <a:latin typeface="Arial" panose="020B0604020202020204" pitchFamily="34" charset="0"/>
-              </a:rPr>
-              <a:t> </a:t>
-            </a:r>
-            <a:r xmlns:a="http://schemas.openxmlformats.org/drawingml/2006/main">
-              <a:rPr kumimoji="0" lang="en" altLang="en-US" sz="1800" b="0" i="0" u="none" strike="noStrike" cap="none" normalizeH="0" baseline="0" dirty="0" err="1" smtClean="0">
-                <a:ln>
-                  <a:noFill/>
-                </a:ln>
-                <a:solidFill>
-                  <a:schemeClr val="tx1"/>
-                </a:solidFill>
-                <a:effectLst/>
-                <a:latin typeface="Arial" panose="020B0604020202020204" pitchFamily="34" charset="0"/>
-              </a:rPr>
-              <a:t>stacked</a:t>
-            </a:r>
-            <a:r xmlns:a="http://schemas.openxmlformats.org/drawingml/2006/main">
-              <a:rPr kumimoji="0" lang="en" altLang="en-US" sz="1800" b="0" i="0" u="none" strike="noStrike" cap="none" normalizeH="0" baseline="0" dirty="0" smtClean="0">
-                <a:ln>
-                  <a:noFill/>
-                </a:ln>
-                <a:solidFill>
-                  <a:schemeClr val="tx1"/>
-                </a:solidFill>
-                <a:effectLst/>
-                <a:latin typeface="Arial" panose="020B0604020202020204" pitchFamily="34" charset="0"/>
-              </a:rPr>
-              <a:t> </a:t>
-            </a:r>
-            <a:r xmlns:a="http://schemas.openxmlformats.org/drawingml/2006/main">
-              <a:rPr kumimoji="0" lang="en" altLang="en-US" sz="1800" b="0" i="0" u="none" strike="noStrike" cap="none" normalizeH="0" baseline="0" dirty="0" err="1" smtClean="0">
-                <a:ln>
-                  <a:noFill/>
-                </a:ln>
-                <a:solidFill>
-                  <a:schemeClr val="tx1"/>
-                </a:solidFill>
-                <a:effectLst/>
-                <a:latin typeface="Arial" panose="020B0604020202020204" pitchFamily="34" charset="0"/>
-              </a:rPr>
-              <a:t>distributed</a:t>
-            </a:r>
-            <a:r xmlns:a="http://schemas.openxmlformats.org/drawingml/2006/main">
-              <a:rPr kumimoji="0" lang="en" altLang="en-US" sz="1800" b="0" i="0" u="none" strike="noStrike" cap="none" normalizeH="0" baseline="0" dirty="0" smtClean="0">
-                <a:ln>
-                  <a:noFill/>
-                </a:ln>
-                <a:solidFill>
-                  <a:schemeClr val="tx1"/>
-                </a:solidFill>
-                <a:effectLst/>
-                <a:latin typeface="Arial" panose="020B0604020202020204" pitchFamily="34" charset="0"/>
-              </a:rPr>
-              <a:t> </a:t>
-            </a:r>
-            <a:r xmlns:a="http://schemas.openxmlformats.org/drawingml/2006/main">
-              <a:rPr kumimoji="0" lang="en" altLang="en-US" sz="1800" b="0" i="0" u="none" strike="noStrike" cap="none" normalizeH="0" baseline="0" dirty="0" err="1" smtClean="0">
-                <a:ln>
-                  <a:noFill/>
-                </a:ln>
-                <a:solidFill>
-                  <a:schemeClr val="tx1"/>
-                </a:solidFill>
-                <a:effectLst/>
-                <a:latin typeface="Arial" panose="020B0604020202020204" pitchFamily="34" charset="0"/>
-              </a:rPr>
-              <a:t>in</a:t>
-            </a:r>
-            <a:r xmlns:a="http://schemas.openxmlformats.org/drawingml/2006/main">
-              <a:rPr kumimoji="0" lang="en" altLang="en-US" sz="1800" b="0" i="0" u="none" strike="noStrike" cap="none" normalizeH="0" baseline="0" dirty="0" smtClean="0">
-                <a:ln>
-                  <a:noFill/>
-                </a:ln>
-                <a:solidFill>
-                  <a:schemeClr val="tx1"/>
-                </a:solidFill>
-                <a:effectLst/>
-                <a:latin typeface="Arial" panose="020B0604020202020204" pitchFamily="34" charset="0"/>
-              </a:rPr>
-              <a:t> </a:t>
-            </a:r>
-            <a:r xmlns:a="http://schemas.openxmlformats.org/drawingml/2006/main">
-              <a:rPr kumimoji="0" lang="en" altLang="en-US" sz="1800" b="0" i="0" u="none" strike="noStrike" cap="none" normalizeH="0" baseline="0" dirty="0" err="1" smtClean="0">
-                <a:ln>
-                  <a:noFill/>
-                </a:ln>
-                <a:solidFill>
-                  <a:schemeClr val="tx1"/>
-                </a:solidFill>
-                <a:effectLst/>
-                <a:latin typeface="Arial" panose="020B0604020202020204" pitchFamily="34" charset="0"/>
-              </a:rPr>
-              <a:t>function</a:t>
-            </a:r>
-            <a:r xmlns:a="http://schemas.openxmlformats.org/drawingml/2006/main">
-              <a:rPr kumimoji="0" lang="en" altLang="en-US" sz="1800" b="0" i="0" u="none" strike="noStrike" cap="none" normalizeH="0" baseline="0" dirty="0" smtClean="0">
-                <a:ln>
-                  <a:noFill/>
-                </a:ln>
-                <a:solidFill>
-                  <a:schemeClr val="tx1"/>
-                </a:solidFill>
-                <a:effectLst/>
-                <a:latin typeface="Arial" panose="020B0604020202020204" pitchFamily="34" charset="0"/>
-              </a:rPr>
-              <a:t> </a:t>
-            </a:r>
-          </a:p>
-          <a:p>
-            <a:pPr xmlns:a="http://schemas.openxmlformats.org/drawingml/2006/main" marL="0" marR="0" lvl="0" indent="0" algn="l" defTabSz="914400" rtl="0" eaLnBrk="0" fontAlgn="base" latinLnBrk="0" hangingPunct="0">
-              <a:lnSpc>
-                <a:spcPct val="100000"/>
-              </a:lnSpc>
-              <a:spcBef>
-                <a:spcPct val="0"/>
-              </a:spcBef>
-              <a:spcAft>
-                <a:spcPct val="0"/>
-              </a:spcAft>
-              <a:buClrTx/>
-              <a:buSzTx/>
-              <a:buFontTx/>
-              <a:buNone/>
-              <a:tabLst/>
-            </a:pPr>
-            <a:r xmlns:a="http://schemas.openxmlformats.org/drawingml/2006/main">
-              <a:rPr kumimoji="0" lang="en" altLang="en-US" sz="1800" b="0" i="0" u="none" strike="noStrike" cap="none" normalizeH="0" baseline="0" dirty="0" smtClean="0">
-                <a:ln>
-                  <a:noFill/>
-                </a:ln>
-                <a:solidFill>
-                  <a:schemeClr val="tx1"/>
-                </a:solidFill>
-                <a:effectLst/>
-                <a:latin typeface="Arial" panose="020B0604020202020204" pitchFamily="34" charset="0"/>
-              </a:rPr>
-              <a:t>years </a:t>
-            </a:r>
-            <a:r xmlns:a="http://schemas.openxmlformats.org/drawingml/2006/main">
-              <a:rPr kumimoji="0" lang="en" altLang="en-US" sz="1800" b="0" i="0" u="none" strike="noStrike" cap="none" normalizeH="0" baseline="0" dirty="0" smtClean="0">
-                <a:ln>
-                  <a:noFill/>
-                </a:ln>
-                <a:solidFill>
-                  <a:schemeClr val="tx1"/>
-                </a:solidFill>
-                <a:effectLst/>
-                <a:latin typeface="Arial" panose="020B0604020202020204" pitchFamily="34" charset="0"/>
-              </a:rPr>
-              <a:t>on </a:t>
-            </a:r>
-            <a:r xmlns:a="http://schemas.openxmlformats.org/drawingml/2006/main">
-              <a:rPr kumimoji="0" lang="en" altLang="en-US" sz="1800" b="0" i="0" u="none" strike="noStrike" cap="none" normalizeH="0" baseline="0" dirty="0" smtClean="0">
-                <a:ln>
-                  <a:noFill/>
-                </a:ln>
-                <a:solidFill>
-                  <a:schemeClr val="tx1"/>
-                </a:solidFill>
-                <a:effectLst/>
-                <a:latin typeface="Arial" panose="020B0604020202020204" pitchFamily="34" charset="0"/>
-              </a:rPr>
-              <a:t>the </a:t>
-            </a:r>
-            <a:r xmlns:a="http://schemas.openxmlformats.org/drawingml/2006/main">
-              <a:rPr kumimoji="0" lang="en" altLang="en-US" sz="1800" b="0" i="0" u="none" strike="noStrike" cap="none" normalizeH="0" baseline="0" dirty="0" err="1" smtClean="0">
-                <a:ln>
-                  <a:noFill/>
-                </a:ln>
-                <a:solidFill>
-                  <a:schemeClr val="tx1"/>
-                </a:solidFill>
-                <a:effectLst/>
-                <a:latin typeface="Arial" panose="020B0604020202020204" pitchFamily="34" charset="0"/>
-              </a:rPr>
-              <a:t>x </a:t>
-            </a:r>
-            <a:r xmlns:a="http://schemas.openxmlformats.org/drawingml/2006/main">
-              <a:rPr kumimoji="0" lang="en" altLang="en-US" sz="1800" b="0" i="0" u="none" strike="noStrike" cap="none" normalizeH="0" baseline="0" dirty="0" err="1" smtClean="0">
-                <a:ln>
-                  <a:noFill/>
-                </a:ln>
-                <a:solidFill>
-                  <a:schemeClr val="tx1"/>
-                </a:solidFill>
-                <a:effectLst/>
-                <a:latin typeface="Arial" panose="020B0604020202020204" pitchFamily="34" charset="0"/>
-              </a:rPr>
-              <a:t>- </a:t>
-            </a:r>
-            <a:r xmlns:a="http://schemas.openxmlformats.org/drawingml/2006/main">
-              <a:rPr kumimoji="0" lang="en" altLang="en-US" sz="1800" b="0" i="0" u="none" strike="noStrike" cap="none" normalizeH="0" baseline="0" dirty="0" err="1" smtClean="0">
-                <a:ln>
-                  <a:noFill/>
-                </a:ln>
-                <a:solidFill>
-                  <a:schemeClr val="tx1"/>
-                </a:solidFill>
-                <a:effectLst/>
-                <a:latin typeface="Arial" panose="020B0604020202020204" pitchFamily="34" charset="0"/>
-              </a:rPr>
-              <a:t>axis </a:t>
-            </a:r>
-            <a:r xmlns:a="http://schemas.openxmlformats.org/drawingml/2006/main">
-              <a:rPr kumimoji="0" lang="en" altLang="en-US" sz="1800" b="0" i="0" u="none" strike="noStrike" cap="none" normalizeH="0" baseline="0" dirty="0" smtClean="0">
-                <a:ln>
-                  <a:noFill/>
-                </a:ln>
-                <a:solidFill>
-                  <a:schemeClr val="tx1"/>
-                </a:solidFill>
-                <a:effectLst/>
-                <a:latin typeface="Arial" panose="020B0604020202020204" pitchFamily="34" charset="0"/>
-              </a:rPr>
-              <a:t>.</a:t>
-            </a:r>
-          </a:p>
-        </p:txBody>
-      </p:sp>
-    </p:spTree>
-    <p:extLst>
-      <p:ext uri="{BB962C8B-B14F-4D97-AF65-F5344CB8AC3E}">
-        <p14:creationId xmlns:p14="http://schemas.microsoft.com/office/powerpoint/2010/main" val="1391301920"/>
-      </p:ext>
-    </p:extLst>
-  </p:cSld>
-  <p:clrMapOvr>
-    <a:masterClrMapping/>
-  </p:clrMapOvr>
-</p:sld>
-</file>
-
-<file path=ppt/slides/slide6.xml><?xml version="1.0" encoding="utf-8"?>
 <p:sld xmlns:a="http://schemas.openxmlformats.org/drawingml/2006/main" xmlns:r="http://schemas.openxmlformats.org/officeDocument/2006/relationships" xmlns:p="http://schemas.openxmlformats.org/presentationml/2006/main">
   <p:cSld>
     <p:bg>
@@ -6526,7 +5977,7 @@
           </a:bodyPr>
           <a:lstStyle/>
           <a:p>
-            <a:r xmlns:a="http://schemas.openxmlformats.org/drawingml/2006/main">
+            <a:r>
               <a:rPr lang="en" sz="9600" b="1" dirty="0" smtClean="0">
                 <a:solidFill>
                   <a:srgbClr val="7030A0"/>
@@ -6537,7 +5988,7 @@
               </a:rPr>
               <a:t>Thank you</a:t>
             </a:r>
-            <a:endParaRPr xmlns:a="http://schemas.openxmlformats.org/drawingml/2006/main" lang="en-US" sz="9600" b="1" dirty="0">
+            <a:endParaRPr lang="en-US" sz="9600" b="1" dirty="0">
               <a:solidFill>
                 <a:srgbClr val="7030A0"/>
               </a:solidFill>
@@ -6570,7 +6021,7 @@
           </a:bodyPr>
           <a:lstStyle/>
           <a:p>
-            <a:r xmlns:a="http://schemas.openxmlformats.org/drawingml/2006/main">
+            <a:r>
               <a:rPr lang="en" sz="9600" b="1" dirty="0" smtClean="0">
                 <a:solidFill>
                   <a:schemeClr val="bg1"/>
@@ -6581,7 +6032,7 @@
               </a:rPr>
               <a:t>Thank you</a:t>
             </a:r>
-            <a:endParaRPr xmlns:a="http://schemas.openxmlformats.org/drawingml/2006/main" lang="en-US" sz="9600" b="1" dirty="0">
+            <a:endParaRPr lang="en-US" sz="9600" b="1" dirty="0">
               <a:solidFill>
                 <a:schemeClr val="bg1"/>
               </a:solidFill>
